--- a/终版ppt.pptx
+++ b/终版ppt.pptx
@@ -5,40 +5,40 @@
     <p:sldMasterId id="2147483648" r:id="rId1"/>
   </p:sldMasterIdLst>
   <p:notesMasterIdLst>
-    <p:notesMasterId r:id="rId28"/>
+    <p:notesMasterId r:id="rId4"/>
   </p:notesMasterIdLst>
   <p:sldIdLst>
-    <p:sldId id="256" r:id="rId2"/>
-    <p:sldId id="257" r:id="rId3"/>
-    <p:sldId id="258" r:id="rId4"/>
-    <p:sldId id="280" r:id="rId5"/>
-    <p:sldId id="269" r:id="rId6"/>
-    <p:sldId id="282" r:id="rId7"/>
-    <p:sldId id="274" r:id="rId8"/>
-    <p:sldId id="305" r:id="rId9"/>
-    <p:sldId id="281" r:id="rId10"/>
-    <p:sldId id="283" r:id="rId11"/>
-    <p:sldId id="270" r:id="rId12"/>
-    <p:sldId id="261" r:id="rId13"/>
-    <p:sldId id="296" r:id="rId14"/>
-    <p:sldId id="297" r:id="rId15"/>
-    <p:sldId id="298" r:id="rId16"/>
-    <p:sldId id="301" r:id="rId17"/>
-    <p:sldId id="300" r:id="rId18"/>
-    <p:sldId id="299" r:id="rId19"/>
-    <p:sldId id="288" r:id="rId20"/>
-    <p:sldId id="306" r:id="rId21"/>
-    <p:sldId id="304" r:id="rId22"/>
-    <p:sldId id="302" r:id="rId23"/>
-    <p:sldId id="303" r:id="rId24"/>
-    <p:sldId id="271" r:id="rId25"/>
-    <p:sldId id="276" r:id="rId26"/>
-    <p:sldId id="267" r:id="rId27"/>
+    <p:sldId id="256" r:id="rId3"/>
+    <p:sldId id="257" r:id="rId5"/>
+    <p:sldId id="258" r:id="rId6"/>
+    <p:sldId id="280" r:id="rId7"/>
+    <p:sldId id="269" r:id="rId8"/>
+    <p:sldId id="282" r:id="rId9"/>
+    <p:sldId id="274" r:id="rId10"/>
+    <p:sldId id="305" r:id="rId11"/>
+    <p:sldId id="281" r:id="rId12"/>
+    <p:sldId id="283" r:id="rId13"/>
+    <p:sldId id="270" r:id="rId14"/>
+    <p:sldId id="261" r:id="rId15"/>
+    <p:sldId id="296" r:id="rId16"/>
+    <p:sldId id="297" r:id="rId17"/>
+    <p:sldId id="298" r:id="rId18"/>
+    <p:sldId id="301" r:id="rId19"/>
+    <p:sldId id="300" r:id="rId20"/>
+    <p:sldId id="299" r:id="rId21"/>
+    <p:sldId id="288" r:id="rId22"/>
+    <p:sldId id="306" r:id="rId23"/>
+    <p:sldId id="304" r:id="rId24"/>
+    <p:sldId id="302" r:id="rId25"/>
+    <p:sldId id="303" r:id="rId26"/>
+    <p:sldId id="271" r:id="rId27"/>
+    <p:sldId id="276" r:id="rId28"/>
+    <p:sldId id="267" r:id="rId29"/>
   </p:sldIdLst>
-  <p:sldSz cx="17556163" cy="9875838"/>
-  <p:notesSz cx="9875838" cy="17556163"/>
+  <p:sldSz cx="17555845" cy="9875520"/>
+  <p:notesSz cx="9875520" cy="17555845"/>
   <p:custDataLst>
-    <p:tags r:id="rId29"/>
+    <p:tags r:id="rId33"/>
   </p:custDataLst>
   <p:defaultTextStyle>
     <a:lvl1pPr marL="0" algn="l" defTabSz="914400" rtl="0" eaLnBrk="1" latinLnBrk="0" hangingPunct="1">
@@ -132,11 +132,6 @@
       </a:defRPr>
     </a:lvl9pPr>
   </p:defaultTextStyle>
-  <p:extLst>
-    <p:ext uri="{EFAFB233-063F-42B5-8137-9DF3F51BA10A}">
-      <p15:sldGuideLst xmlns:p15="http://schemas.microsoft.com/office/powerpoint/2012/main"/>
-    </p:ext>
-  </p:extLst>
 </p:presentation>
 </file>
 
@@ -325,7 +320,6 @@
           <a:p>
             <a:fld id="{F7021451-1387-4CA6-816F-3879F97B5CBC}" type="slidenum">
               <a:rPr lang="en-US"/>
-              <a:t>1</a:t>
             </a:fld>
             <a:endParaRPr lang="en-US"/>
           </a:p>
@@ -404,7 +398,6 @@
           <a:p>
             <a:fld id="{F7021451-1387-4CA6-816F-3879F97B5CBC}" type="slidenum">
               <a:rPr lang="en-US"/>
-              <a:t>2</a:t>
             </a:fld>
             <a:endParaRPr lang="en-US"/>
           </a:p>
@@ -483,7 +476,6 @@
           <a:p>
             <a:fld id="{F7021451-1387-4CA6-816F-3879F97B5CBC}" type="slidenum">
               <a:rPr lang="en-US"/>
-              <a:t>3</a:t>
             </a:fld>
             <a:endParaRPr lang="en-US"/>
           </a:p>
@@ -562,7 +554,6 @@
           <a:p>
             <a:fld id="{F7021451-1387-4CA6-816F-3879F97B5CBC}" type="slidenum">
               <a:rPr lang="en-US"/>
-              <a:t>5</a:t>
             </a:fld>
             <a:endParaRPr lang="en-US"/>
           </a:p>
@@ -641,7 +632,6 @@
           <a:p>
             <a:fld id="{F7021451-1387-4CA6-816F-3879F97B5CBC}" type="slidenum">
               <a:rPr lang="en-US"/>
-              <a:t>11</a:t>
             </a:fld>
             <a:endParaRPr lang="en-US"/>
           </a:p>
@@ -720,7 +710,6 @@
           <a:p>
             <a:fld id="{F7021451-1387-4CA6-816F-3879F97B5CBC}" type="slidenum">
               <a:rPr lang="en-US"/>
-              <a:t>12</a:t>
             </a:fld>
             <a:endParaRPr lang="en-US"/>
           </a:p>
@@ -799,7 +788,6 @@
           <a:p>
             <a:fld id="{F7021451-1387-4CA6-816F-3879F97B5CBC}" type="slidenum">
               <a:rPr lang="en-US"/>
-              <a:t>24</a:t>
             </a:fld>
             <a:endParaRPr lang="en-US"/>
           </a:p>
@@ -878,7 +866,6 @@
           <a:p>
             <a:fld id="{F7021451-1387-4CA6-816F-3879F97B5CBC}" type="slidenum">
               <a:rPr lang="en-US"/>
-              <a:t>26</a:t>
             </a:fld>
             <a:endParaRPr lang="en-US"/>
           </a:p>
@@ -963,6 +950,7 @@
               <a:rPr lang="en-US"/>
               <a:t>Click to edit Master title style</a:t>
             </a:r>
+            <a:endParaRPr lang="en-US"/>
           </a:p>
         </p:txBody>
       </p:sp>
@@ -991,6 +979,7 @@
               <a:rPr lang="en-US"/>
               <a:t>Click to edit Master text styles</a:t>
             </a:r>
+            <a:endParaRPr lang="en-US"/>
           </a:p>
           <a:p>
             <a:pPr lvl="1"/>
@@ -998,6 +987,7 @@
               <a:rPr lang="en-US"/>
               <a:t>Second level</a:t>
             </a:r>
+            <a:endParaRPr lang="en-US"/>
           </a:p>
           <a:p>
             <a:pPr lvl="2"/>
@@ -1005,6 +995,7 @@
               <a:rPr lang="en-US"/>
               <a:t>Third level</a:t>
             </a:r>
+            <a:endParaRPr lang="en-US"/>
           </a:p>
           <a:p>
             <a:pPr lvl="3"/>
@@ -1012,6 +1003,7 @@
               <a:rPr lang="en-US"/>
               <a:t>Fourth level</a:t>
             </a:r>
+            <a:endParaRPr lang="en-US"/>
           </a:p>
           <a:p>
             <a:pPr lvl="4"/>
@@ -1019,6 +1011,7 @@
               <a:rPr lang="en-US"/>
               <a:t>Fifth level</a:t>
             </a:r>
+            <a:endParaRPr lang="en-US"/>
           </a:p>
         </p:txBody>
       </p:sp>
@@ -1044,7 +1037,6 @@
           <a:p>
             <a:fld id="{FDE934FF-F4E1-47C5-9CA5-30A81DDE2BE4}" type="datetimeFigureOut">
               <a:rPr lang="en-US" smtClean="0"/>
-              <a:t>11/12/2022</a:t>
             </a:fld>
             <a:endParaRPr lang="en-US"/>
           </a:p>
@@ -1096,7 +1088,6 @@
           <a:p>
             <a:fld id="{B3561BA9-CDCF-4958-B8AB-66F3BF063E13}" type="slidenum">
               <a:rPr lang="en-US" smtClean="0"/>
-              <a:t>‹#›</a:t>
             </a:fld>
             <a:endParaRPr lang="en-US"/>
           </a:p>
@@ -1399,7 +1390,7 @@
     <p:bg>
       <p:bgPr>
         <a:blipFill dpi="0" rotWithShape="1">
-          <a:blip r:embed="rId3">
+          <a:blip r:embed="rId1">
             <a:lum/>
           </a:blip>
           <a:srcRect/>
@@ -1433,6 +1424,36 @@
           <p:nvPr/>
         </p:nvPicPr>
         <p:blipFill>
+          <a:blip r:embed="rId2">
+            <a:extLst>
+              <a:ext uri="{96DAC541-7B7A-43D3-8B79-37D633B846F1}">
+                <asvg:svgBlip xmlns:asvg="http://schemas.microsoft.com/office/drawing/2016/SVG/main" r:embed="rId3"/>
+              </a:ext>
+            </a:extLst>
+          </a:blip>
+          <a:stretch>
+            <a:fillRect/>
+          </a:stretch>
+        </p:blipFill>
+        <p:spPr>
+          <a:xfrm>
+            <a:off x="-27589" y="0"/>
+            <a:ext cx="17584069" cy="9935079"/>
+          </a:xfrm>
+          <a:prstGeom prst="rect">
+            <a:avLst/>
+          </a:prstGeom>
+        </p:spPr>
+      </p:pic>
+      <p:pic>
+        <p:nvPicPr>
+          <p:cNvPr id="3" name="Image 1" descr="preencoded.png"/>
+          <p:cNvPicPr>
+            <a:picLocks noChangeAspect="1"/>
+          </p:cNvPicPr>
+          <p:nvPr/>
+        </p:nvPicPr>
+        <p:blipFill>
           <a:blip r:embed="rId4">
             <a:extLst>
               <a:ext uri="{96DAC541-7B7A-43D3-8B79-37D633B846F1}">
@@ -1446,8 +1467,8 @@
         </p:blipFill>
         <p:spPr>
           <a:xfrm>
-            <a:off x="-27589" y="0"/>
-            <a:ext cx="17584069" cy="9935079"/>
+            <a:off x="1064944" y="1268565"/>
+            <a:ext cx="15426591" cy="7338390"/>
           </a:xfrm>
           <a:prstGeom prst="rect">
             <a:avLst/>
@@ -1456,7 +1477,7 @@
       </p:pic>
       <p:pic>
         <p:nvPicPr>
-          <p:cNvPr id="3" name="Image 1" descr="preencoded.png"/>
+          <p:cNvPr id="4" name="Image 2" descr="preencoded.png"/>
           <p:cNvPicPr>
             <a:picLocks noChangeAspect="1"/>
           </p:cNvPicPr>
@@ -1476,8 +1497,8 @@
         </p:blipFill>
         <p:spPr>
           <a:xfrm>
-            <a:off x="1064944" y="1268565"/>
-            <a:ext cx="15426591" cy="7338390"/>
+            <a:off x="0" y="2676328"/>
+            <a:ext cx="17584069" cy="4582424"/>
           </a:xfrm>
           <a:prstGeom prst="rect">
             <a:avLst/>
@@ -1486,7 +1507,7 @@
       </p:pic>
       <p:pic>
         <p:nvPicPr>
-          <p:cNvPr id="4" name="Image 2" descr="preencoded.png"/>
+          <p:cNvPr id="5" name="Image 3" descr="preencoded.png"/>
           <p:cNvPicPr>
             <a:picLocks noChangeAspect="1"/>
           </p:cNvPicPr>
@@ -1506,8 +1527,8 @@
         </p:blipFill>
         <p:spPr>
           <a:xfrm>
-            <a:off x="0" y="2676328"/>
-            <a:ext cx="17584069" cy="4582424"/>
+            <a:off x="-2734936" y="2491807"/>
+            <a:ext cx="4951466" cy="4951466"/>
           </a:xfrm>
           <a:prstGeom prst="rect">
             <a:avLst/>
@@ -1516,17 +1537,17 @@
       </p:pic>
       <p:pic>
         <p:nvPicPr>
-          <p:cNvPr id="5" name="Image 3" descr="preencoded.png"/>
+          <p:cNvPr id="6" name="Image 4" descr="preencoded.png"/>
           <p:cNvPicPr>
             <a:picLocks noChangeAspect="1"/>
           </p:cNvPicPr>
           <p:nvPr/>
         </p:nvPicPr>
         <p:blipFill>
-          <a:blip r:embed="rId10">
+          <a:blip r:embed="rId8">
             <a:extLst>
               <a:ext uri="{96DAC541-7B7A-43D3-8B79-37D633B846F1}">
-                <asvg:svgBlip xmlns:asvg="http://schemas.microsoft.com/office/drawing/2016/SVG/main" r:embed="rId11"/>
+                <asvg:svgBlip xmlns:asvg="http://schemas.microsoft.com/office/drawing/2016/SVG/main" r:embed="rId9"/>
               </a:ext>
             </a:extLst>
           </a:blip>
@@ -1536,7 +1557,7 @@
         </p:blipFill>
         <p:spPr>
           <a:xfrm>
-            <a:off x="-2734936" y="2491807"/>
+            <a:off x="-3438357" y="2491807"/>
             <a:ext cx="4951466" cy="4951466"/>
           </a:xfrm>
           <a:prstGeom prst="rect">
@@ -1546,17 +1567,17 @@
       </p:pic>
       <p:pic>
         <p:nvPicPr>
-          <p:cNvPr id="6" name="Image 4" descr="preencoded.png"/>
+          <p:cNvPr id="7" name="Image 5" descr="preencoded.png"/>
           <p:cNvPicPr>
             <a:picLocks noChangeAspect="1"/>
           </p:cNvPicPr>
           <p:nvPr/>
         </p:nvPicPr>
         <p:blipFill>
-          <a:blip r:embed="rId10">
+          <a:blip r:embed="rId8">
             <a:extLst>
               <a:ext uri="{96DAC541-7B7A-43D3-8B79-37D633B846F1}">
-                <asvg:svgBlip xmlns:asvg="http://schemas.microsoft.com/office/drawing/2016/SVG/main" r:embed="rId11"/>
+                <asvg:svgBlip xmlns:asvg="http://schemas.microsoft.com/office/drawing/2016/SVG/main" r:embed="rId9"/>
               </a:ext>
             </a:extLst>
           </a:blip>
@@ -1566,7 +1587,7 @@
         </p:blipFill>
         <p:spPr>
           <a:xfrm>
-            <a:off x="-3438357" y="2491807"/>
+            <a:off x="15949205" y="2491807"/>
             <a:ext cx="4951466" cy="4951466"/>
           </a:xfrm>
           <a:prstGeom prst="rect">
@@ -1576,17 +1597,17 @@
       </p:pic>
       <p:pic>
         <p:nvPicPr>
-          <p:cNvPr id="7" name="Image 5" descr="preencoded.png"/>
+          <p:cNvPr id="8" name="Image 6" descr="preencoded.png"/>
           <p:cNvPicPr>
             <a:picLocks noChangeAspect="1"/>
           </p:cNvPicPr>
           <p:nvPr/>
         </p:nvPicPr>
         <p:blipFill>
-          <a:blip r:embed="rId10">
+          <a:blip r:embed="rId8">
             <a:extLst>
               <a:ext uri="{96DAC541-7B7A-43D3-8B79-37D633B846F1}">
-                <asvg:svgBlip xmlns:asvg="http://schemas.microsoft.com/office/drawing/2016/SVG/main" r:embed="rId11"/>
+                <asvg:svgBlip xmlns:asvg="http://schemas.microsoft.com/office/drawing/2016/SVG/main" r:embed="rId9"/>
               </a:ext>
             </a:extLst>
           </a:blip>
@@ -1596,36 +1617,6 @@
         </p:blipFill>
         <p:spPr>
           <a:xfrm>
-            <a:off x="15949205" y="2491807"/>
-            <a:ext cx="4951466" cy="4951466"/>
-          </a:xfrm>
-          <a:prstGeom prst="rect">
-            <a:avLst/>
-          </a:prstGeom>
-        </p:spPr>
-      </p:pic>
-      <p:pic>
-        <p:nvPicPr>
-          <p:cNvPr id="8" name="Image 6" descr="preencoded.png"/>
-          <p:cNvPicPr>
-            <a:picLocks noChangeAspect="1"/>
-          </p:cNvPicPr>
-          <p:nvPr/>
-        </p:nvPicPr>
-        <p:blipFill>
-          <a:blip r:embed="rId10">
-            <a:extLst>
-              <a:ext uri="{96DAC541-7B7A-43D3-8B79-37D633B846F1}">
-                <asvg:svgBlip xmlns:asvg="http://schemas.microsoft.com/office/drawing/2016/SVG/main" r:embed="rId11"/>
-              </a:ext>
-            </a:extLst>
-          </a:blip>
-          <a:stretch>
-            <a:fillRect/>
-          </a:stretch>
-        </p:blipFill>
-        <p:spPr>
-          <a:xfrm>
             <a:off x="15245785" y="2491807"/>
             <a:ext cx="4951466" cy="4951466"/>
           </a:xfrm>
@@ -1643,10 +1634,10 @@
           <p:nvPr/>
         </p:nvPicPr>
         <p:blipFill>
-          <a:blip r:embed="rId12">
+          <a:blip r:embed="rId10">
             <a:extLst>
               <a:ext uri="{96DAC541-7B7A-43D3-8B79-37D633B846F1}">
-                <asvg:svgBlip xmlns:asvg="http://schemas.microsoft.com/office/drawing/2016/SVG/main" r:embed="rId13"/>
+                <asvg:svgBlip xmlns:asvg="http://schemas.microsoft.com/office/drawing/2016/SVG/main" r:embed="rId11"/>
               </a:ext>
             </a:extLst>
           </a:blip>
@@ -1939,7 +1930,7 @@
           <p:nvPr/>
         </p:nvPicPr>
         <p:blipFill>
-          <a:blip r:embed="rId2"/>
+          <a:blip r:embed="rId1"/>
           <a:stretch>
             <a:fillRect/>
           </a:stretch>
@@ -2005,7 +1996,7 @@
           <p:nvPr/>
         </p:nvPicPr>
         <p:blipFill>
-          <a:blip r:embed="rId3"/>
+          <a:blip r:embed="rId2"/>
           <a:stretch>
             <a:fillRect/>
           </a:stretch>
@@ -2029,7 +2020,7 @@
           <p:nvPr/>
         </p:nvPicPr>
         <p:blipFill>
-          <a:blip r:embed="rId4"/>
+          <a:blip r:embed="rId3"/>
           <a:stretch>
             <a:fillRect/>
           </a:stretch>
@@ -2053,7 +2044,7 @@
           <p:nvPr/>
         </p:nvPicPr>
         <p:blipFill>
-          <a:blip r:embed="rId5"/>
+          <a:blip r:embed="rId4"/>
           <a:stretch>
             <a:fillRect/>
           </a:stretch>
@@ -2132,6 +2123,7 @@
               <a:rPr lang="zh-CN" altLang="en-US" dirty="0"/>
               <a:t>：</a:t>
             </a:r>
+            <a:endParaRPr lang="zh-CN" altLang="en-US" dirty="0"/>
           </a:p>
         </p:txBody>
       </p:sp>
@@ -2903,7 +2895,7 @@
           <p:nvPr/>
         </p:nvPicPr>
         <p:blipFill>
-          <a:blip r:embed="rId3"/>
+          <a:blip r:embed="rId1"/>
           <a:stretch>
             <a:fillRect/>
           </a:stretch>
@@ -2927,7 +2919,7 @@
           <p:nvPr/>
         </p:nvPicPr>
         <p:blipFill>
-          <a:blip r:embed="rId4"/>
+          <a:blip r:embed="rId2"/>
           <a:stretch>
             <a:fillRect/>
           </a:stretch>
@@ -2951,7 +2943,7 @@
           <p:nvPr/>
         </p:nvPicPr>
         <p:blipFill>
-          <a:blip r:embed="rId5"/>
+          <a:blip r:embed="rId3"/>
           <a:stretch>
             <a:fillRect/>
           </a:stretch>
@@ -2975,7 +2967,7 @@
           <p:nvPr/>
         </p:nvPicPr>
         <p:blipFill>
-          <a:blip r:embed="rId4"/>
+          <a:blip r:embed="rId2"/>
           <a:stretch>
             <a:fillRect/>
           </a:stretch>
@@ -2999,7 +2991,7 @@
           <p:nvPr/>
         </p:nvPicPr>
         <p:blipFill>
-          <a:blip r:embed="rId5"/>
+          <a:blip r:embed="rId3"/>
           <a:stretch>
             <a:fillRect/>
           </a:stretch>
@@ -3172,6 +3164,60 @@
           <p:nvPr/>
         </p:nvPicPr>
         <p:blipFill>
+          <a:blip r:embed="rId1">
+            <a:extLst>
+              <a:ext uri="{96DAC541-7B7A-43D3-8B79-37D633B846F1}">
+                <asvg:svgBlip xmlns:asvg="http://schemas.microsoft.com/office/drawing/2016/SVG/main" r:embed="rId2"/>
+              </a:ext>
+            </a:extLst>
+          </a:blip>
+          <a:stretch>
+            <a:fillRect/>
+          </a:stretch>
+        </p:blipFill>
+        <p:spPr>
+          <a:xfrm>
+            <a:off x="17276978" y="4456217"/>
+            <a:ext cx="813641" cy="2151805"/>
+          </a:xfrm>
+          <a:prstGeom prst="rect">
+            <a:avLst/>
+          </a:prstGeom>
+        </p:spPr>
+      </p:pic>
+      <p:sp>
+        <p:nvSpPr>
+          <p:cNvPr id="6" name="Text 1"/>
+          <p:cNvSpPr/>
+          <p:nvPr/>
+        </p:nvSpPr>
+        <p:spPr>
+          <a:xfrm>
+            <a:off x="17276978" y="4456217"/>
+            <a:ext cx="813641" cy="2151805"/>
+          </a:xfrm>
+          <a:prstGeom prst="rect">
+            <a:avLst/>
+          </a:prstGeom>
+          <a:noFill/>
+        </p:spPr>
+        <p:txBody>
+          <a:bodyPr wrap="square" rtlCol="0" anchor="ctr"/>
+          <a:lstStyle/>
+          <a:p>
+            <a:endParaRPr lang="en-US" sz="1500" dirty="0"/>
+          </a:p>
+        </p:txBody>
+      </p:sp>
+      <p:pic>
+        <p:nvPicPr>
+          <p:cNvPr id="7" name="Image 3" descr="preencoded.png"/>
+          <p:cNvPicPr>
+            <a:picLocks noChangeAspect="1"/>
+          </p:cNvPicPr>
+          <p:nvPr/>
+        </p:nvPicPr>
+        <p:blipFill>
           <a:blip r:embed="rId3">
             <a:extLst>
               <a:ext uri="{96DAC541-7B7A-43D3-8B79-37D633B846F1}">
@@ -3185,60 +3231,6 @@
         </p:blipFill>
         <p:spPr>
           <a:xfrm>
-            <a:off x="17276978" y="4456217"/>
-            <a:ext cx="813641" cy="2151805"/>
-          </a:xfrm>
-          <a:prstGeom prst="rect">
-            <a:avLst/>
-          </a:prstGeom>
-        </p:spPr>
-      </p:pic>
-      <p:sp>
-        <p:nvSpPr>
-          <p:cNvPr id="6" name="Text 1"/>
-          <p:cNvSpPr/>
-          <p:nvPr/>
-        </p:nvSpPr>
-        <p:spPr>
-          <a:xfrm>
-            <a:off x="17276978" y="4456217"/>
-            <a:ext cx="813641" cy="2151805"/>
-          </a:xfrm>
-          <a:prstGeom prst="rect">
-            <a:avLst/>
-          </a:prstGeom>
-          <a:noFill/>
-        </p:spPr>
-        <p:txBody>
-          <a:bodyPr wrap="square" rtlCol="0" anchor="ctr"/>
-          <a:lstStyle/>
-          <a:p>
-            <a:endParaRPr lang="en-US" sz="1500" dirty="0"/>
-          </a:p>
-        </p:txBody>
-      </p:sp>
-      <p:pic>
-        <p:nvPicPr>
-          <p:cNvPr id="7" name="Image 3" descr="preencoded.png"/>
-          <p:cNvPicPr>
-            <a:picLocks noChangeAspect="1"/>
-          </p:cNvPicPr>
-          <p:nvPr/>
-        </p:nvPicPr>
-        <p:blipFill>
-          <a:blip r:embed="rId5">
-            <a:extLst>
-              <a:ext uri="{96DAC541-7B7A-43D3-8B79-37D633B846F1}">
-                <asvg:svgBlip xmlns:asvg="http://schemas.microsoft.com/office/drawing/2016/SVG/main" r:embed="rId6"/>
-              </a:ext>
-            </a:extLst>
-          </a:blip>
-          <a:stretch>
-            <a:fillRect/>
-          </a:stretch>
-        </p:blipFill>
-        <p:spPr>
-          <a:xfrm>
             <a:off x="17022341" y="4456217"/>
             <a:ext cx="144559" cy="2151805"/>
           </a:xfrm>
@@ -3349,6 +3341,7 @@
               <a:rPr lang="zh-CN" altLang="en-US" dirty="0"/>
               <a:t>文法</a:t>
             </a:r>
+            <a:endParaRPr lang="zh-CN" altLang="en-US" dirty="0"/>
           </a:p>
         </p:txBody>
       </p:sp>
@@ -3400,6 +3393,7 @@
               <a:rPr lang="zh-CN" altLang="en-US" dirty="0"/>
               <a:t>集</a:t>
             </a:r>
+            <a:endParaRPr lang="zh-CN" altLang="en-US" dirty="0"/>
           </a:p>
         </p:txBody>
       </p:sp>
@@ -3451,6 +3445,7 @@
               <a:rPr lang="zh-CN" altLang="en-US" dirty="0"/>
               <a:t>集</a:t>
             </a:r>
+            <a:endParaRPr lang="zh-CN" altLang="en-US" dirty="0"/>
           </a:p>
         </p:txBody>
       </p:sp>
@@ -3531,7 +3526,7 @@
           <p:nvPr/>
         </p:nvPicPr>
         <p:blipFill>
-          <a:blip r:embed="rId7"/>
+          <a:blip r:embed="rId5"/>
           <a:stretch>
             <a:fillRect/>
           </a:stretch>
@@ -3555,7 +3550,7 @@
           <p:nvPr/>
         </p:nvPicPr>
         <p:blipFill>
-          <a:blip r:embed="rId8"/>
+          <a:blip r:embed="rId6"/>
           <a:stretch>
             <a:fillRect/>
           </a:stretch>
@@ -3860,12 +3855,20 @@
           <a:lstStyle/>
           <a:p>
             <a:r>
+              <a:rPr lang="en-US" altLang="zh-CN" sz="2800" b="1" dirty="0">
+                <a:solidFill>
+                  <a:srgbClr val="7030A0"/>
+                </a:solidFill>
+              </a:rPr>
+              <a:t>c- -</a:t>
+            </a:r>
+            <a:r>
               <a:rPr lang="zh-CN" altLang="en-US" sz="2800" b="1" dirty="0">
                 <a:solidFill>
                   <a:srgbClr val="7030A0"/>
                 </a:solidFill>
               </a:rPr>
-              <a:t>手打</a:t>
+              <a:t>的</a:t>
             </a:r>
             <a:r>
               <a:rPr lang="en-US" altLang="zh-CN" sz="2800" b="1" dirty="0">
@@ -3873,7 +3876,7 @@
                   <a:srgbClr val="7030A0"/>
                 </a:solidFill>
               </a:rPr>
-              <a:t>c- -</a:t>
+              <a:t>LL1</a:t>
             </a:r>
             <a:r>
               <a:rPr lang="zh-CN" altLang="en-US" sz="2800" b="1" dirty="0">
@@ -3881,24 +3884,13 @@
                   <a:srgbClr val="7030A0"/>
                 </a:solidFill>
               </a:rPr>
-              <a:t>的</a:t>
-            </a:r>
-            <a:r>
-              <a:rPr lang="en-US" altLang="zh-CN" sz="2800" b="1" dirty="0">
-                <a:solidFill>
-                  <a:srgbClr val="7030A0"/>
-                </a:solidFill>
-              </a:rPr>
-              <a:t>LL1</a:t>
-            </a:r>
-            <a:r>
-              <a:rPr lang="zh-CN" altLang="en-US" sz="2800" b="1" dirty="0">
-                <a:solidFill>
-                  <a:srgbClr val="7030A0"/>
-                </a:solidFill>
-              </a:rPr>
               <a:t>文法</a:t>
             </a:r>
+            <a:endParaRPr lang="zh-CN" altLang="en-US" sz="2800" b="1" dirty="0">
+              <a:solidFill>
+                <a:srgbClr val="7030A0"/>
+              </a:solidFill>
+            </a:endParaRPr>
           </a:p>
         </p:txBody>
       </p:sp>
@@ -3911,7 +3903,7 @@
           <p:nvPr/>
         </p:nvPicPr>
         <p:blipFill>
-          <a:blip r:embed="rId9"/>
+          <a:blip r:embed="rId7"/>
           <a:stretch>
             <a:fillRect/>
           </a:stretch>
@@ -4003,6 +3995,7 @@
               <a:rPr lang="zh-CN" altLang="en-US" dirty="0"/>
               <a:t>文法</a:t>
             </a:r>
+            <a:endParaRPr lang="zh-CN" altLang="en-US" dirty="0"/>
           </a:p>
         </p:txBody>
       </p:sp>
@@ -4054,6 +4047,7 @@
               <a:rPr lang="zh-CN" altLang="en-US" dirty="0"/>
               <a:t>集</a:t>
             </a:r>
+            <a:endParaRPr lang="zh-CN" altLang="en-US" dirty="0"/>
           </a:p>
         </p:txBody>
       </p:sp>
@@ -4105,6 +4099,7 @@
               <a:rPr lang="zh-CN" altLang="en-US" dirty="0"/>
               <a:t>集</a:t>
             </a:r>
+            <a:endParaRPr lang="zh-CN" altLang="en-US" dirty="0"/>
           </a:p>
         </p:txBody>
       </p:sp>
@@ -4345,7 +4340,7 @@
           <p:nvPr/>
         </p:nvPicPr>
         <p:blipFill>
-          <a:blip r:embed="rId2"/>
+          <a:blip r:embed="rId1"/>
           <a:stretch>
             <a:fillRect/>
           </a:stretch>
@@ -4412,6 +4407,7 @@
               <a:rPr lang="zh-CN" altLang="en-US" dirty="0"/>
               <a:t>文法</a:t>
             </a:r>
+            <a:endParaRPr lang="zh-CN" altLang="en-US" dirty="0"/>
           </a:p>
         </p:txBody>
       </p:sp>
@@ -4521,6 +4517,7 @@
               <a:rPr lang="zh-CN" altLang="en-US" dirty="0"/>
               <a:t>集</a:t>
             </a:r>
+            <a:endParaRPr lang="zh-CN" altLang="en-US" dirty="0"/>
           </a:p>
         </p:txBody>
       </p:sp>
@@ -4572,6 +4569,7 @@
               <a:rPr lang="zh-CN" altLang="en-US" dirty="0"/>
               <a:t>集</a:t>
             </a:r>
+            <a:endParaRPr lang="zh-CN" altLang="en-US" dirty="0"/>
           </a:p>
         </p:txBody>
       </p:sp>
@@ -4822,6 +4820,7 @@
               <a:rPr lang="zh-CN" altLang="en-US" dirty="0"/>
               <a:t>文法</a:t>
             </a:r>
+            <a:endParaRPr lang="zh-CN" altLang="en-US" dirty="0"/>
           </a:p>
         </p:txBody>
       </p:sp>
@@ -4867,7 +4866,7 @@
           <p:nvPr/>
         </p:nvPicPr>
         <p:blipFill>
-          <a:blip r:embed="rId3"/>
+          <a:blip r:embed="rId1"/>
           <a:stretch>
             <a:fillRect/>
           </a:stretch>
@@ -4888,12 +4887,12 @@
           <p:cNvPicPr/>
           <p:nvPr>
             <p:custDataLst>
-              <p:tags r:id="rId1"/>
+              <p:tags r:id="rId2"/>
             </p:custDataLst>
           </p:nvPr>
         </p:nvPicPr>
         <p:blipFill>
-          <a:blip r:embed="rId4"/>
+          <a:blip r:embed="rId3"/>
           <a:stretch>
             <a:fillRect/>
           </a:stretch>
@@ -4985,6 +4984,7 @@
               <a:rPr lang="zh-CN" altLang="en-US" dirty="0"/>
               <a:t>集</a:t>
             </a:r>
+            <a:endParaRPr lang="zh-CN" altLang="en-US" dirty="0"/>
           </a:p>
         </p:txBody>
       </p:sp>
@@ -5036,6 +5036,7 @@
               <a:rPr lang="zh-CN" altLang="en-US" dirty="0"/>
               <a:t>集</a:t>
             </a:r>
+            <a:endParaRPr lang="zh-CN" altLang="en-US" dirty="0"/>
           </a:p>
         </p:txBody>
       </p:sp>
@@ -5087,6 +5088,7 @@
               <a:rPr lang="zh-CN" altLang="en-US" dirty="0"/>
               <a:t>并</a:t>
             </a:r>
+            <a:endParaRPr lang="zh-CN" altLang="en-US" dirty="0"/>
           </a:p>
           <a:p>
             <a:pPr algn="ctr"/>
@@ -5094,6 +5096,7 @@
               <a:rPr lang="zh-CN" altLang="en-US" dirty="0"/>
               <a:t>格式化输出</a:t>
             </a:r>
+            <a:endParaRPr lang="zh-CN" altLang="en-US" dirty="0"/>
           </a:p>
         </p:txBody>
       </p:sp>
@@ -5240,6 +5243,7 @@
               <a:rPr lang="zh-CN" altLang="en-US" dirty="0"/>
               <a:t>文法</a:t>
             </a:r>
+            <a:endParaRPr lang="zh-CN" altLang="en-US" dirty="0"/>
           </a:p>
         </p:txBody>
       </p:sp>
@@ -5318,7 +5322,7 @@
           <p:nvPr/>
         </p:nvPicPr>
         <p:blipFill>
-          <a:blip r:embed="rId2"/>
+          <a:blip r:embed="rId1"/>
           <a:stretch>
             <a:fillRect/>
           </a:stretch>
@@ -5386,6 +5390,7 @@
               <a:rPr lang="en-US" altLang="zh-CN" sz="4800" b="1"/>
               <a:t>:</a:t>
             </a:r>
+            <a:endParaRPr lang="en-US" altLang="zh-CN" sz="4800" b="1"/>
           </a:p>
         </p:txBody>
       </p:sp>
@@ -5417,7 +5422,7 @@
           <p:nvPr/>
         </p:nvPicPr>
         <p:blipFill>
-          <a:blip r:embed="rId2"/>
+          <a:blip r:embed="rId1"/>
           <a:stretch>
             <a:fillRect/>
           </a:stretch>
@@ -5441,7 +5446,7 @@
           <p:nvPr/>
         </p:nvPicPr>
         <p:blipFill>
-          <a:blip r:embed="rId3"/>
+          <a:blip r:embed="rId2"/>
           <a:stretch>
             <a:fillRect/>
           </a:stretch>
@@ -5489,6 +5494,7 @@
               <a:rPr lang="zh-CN" altLang="en-US" dirty="0"/>
               <a:t>：</a:t>
             </a:r>
+            <a:endParaRPr lang="zh-CN" altLang="en-US" dirty="0"/>
           </a:p>
         </p:txBody>
       </p:sp>
@@ -5521,6 +5527,10 @@
               </a:rPr>
               <a:t>更易读的格式：</a:t>
             </a:r>
+            <a:endParaRPr lang="zh-CN" altLang="en-US" sz="2400" dirty="0">
+              <a:latin typeface="黑体" panose="02010609060101010101" charset="-122"/>
+              <a:ea typeface="黑体" panose="02010609060101010101" charset="-122"/>
+            </a:endParaRPr>
           </a:p>
         </p:txBody>
       </p:sp>
@@ -5558,10 +5568,10 @@
           <p:nvPr/>
         </p:nvPicPr>
         <p:blipFill>
-          <a:blip r:embed="rId2">
+          <a:blip r:embed="rId1">
             <a:extLst>
               <a:ext uri="{96DAC541-7B7A-43D3-8B79-37D633B846F1}">
-                <asvg:svgBlip xmlns:asvg="http://schemas.microsoft.com/office/drawing/2016/SVG/main" r:embed="rId3"/>
+                <asvg:svgBlip xmlns:asvg="http://schemas.microsoft.com/office/drawing/2016/SVG/main" r:embed="rId2"/>
               </a:ext>
             </a:extLst>
           </a:blip>
@@ -5588,10 +5598,10 @@
           <p:nvPr/>
         </p:nvPicPr>
         <p:blipFill>
-          <a:blip r:embed="rId4">
+          <a:blip r:embed="rId3">
             <a:extLst>
               <a:ext uri="{96DAC541-7B7A-43D3-8B79-37D633B846F1}">
-                <asvg:svgBlip xmlns:asvg="http://schemas.microsoft.com/office/drawing/2016/SVG/main" r:embed="rId5"/>
+                <asvg:svgBlip xmlns:asvg="http://schemas.microsoft.com/office/drawing/2016/SVG/main" r:embed="rId4"/>
               </a:ext>
             </a:extLst>
           </a:blip>
@@ -5618,10 +5628,10 @@
           <p:nvPr/>
         </p:nvPicPr>
         <p:blipFill>
-          <a:blip r:embed="rId6">
+          <a:blip r:embed="rId5">
             <a:extLst>
               <a:ext uri="{96DAC541-7B7A-43D3-8B79-37D633B846F1}">
-                <asvg:svgBlip xmlns:asvg="http://schemas.microsoft.com/office/drawing/2016/SVG/main" r:embed="rId7"/>
+                <asvg:svgBlip xmlns:asvg="http://schemas.microsoft.com/office/drawing/2016/SVG/main" r:embed="rId6"/>
               </a:ext>
             </a:extLst>
           </a:blip>
@@ -5648,10 +5658,10 @@
           <p:nvPr/>
         </p:nvPicPr>
         <p:blipFill>
-          <a:blip r:embed="rId4">
+          <a:blip r:embed="rId3">
             <a:extLst>
               <a:ext uri="{96DAC541-7B7A-43D3-8B79-37D633B846F1}">
-                <asvg:svgBlip xmlns:asvg="http://schemas.microsoft.com/office/drawing/2016/SVG/main" r:embed="rId5"/>
+                <asvg:svgBlip xmlns:asvg="http://schemas.microsoft.com/office/drawing/2016/SVG/main" r:embed="rId4"/>
               </a:ext>
             </a:extLst>
           </a:blip>
@@ -5678,10 +5688,10 @@
           <p:nvPr/>
         </p:nvPicPr>
         <p:blipFill>
-          <a:blip r:embed="rId6">
+          <a:blip r:embed="rId5">
             <a:extLst>
               <a:ext uri="{96DAC541-7B7A-43D3-8B79-37D633B846F1}">
-                <asvg:svgBlip xmlns:asvg="http://schemas.microsoft.com/office/drawing/2016/SVG/main" r:embed="rId7"/>
+                <asvg:svgBlip xmlns:asvg="http://schemas.microsoft.com/office/drawing/2016/SVG/main" r:embed="rId6"/>
               </a:ext>
             </a:extLst>
           </a:blip>
@@ -5818,13 +5828,7 @@
       </p:grpSpPr>
       <p:sp>
         <p:nvSpPr>
-          <p:cNvPr id="19" name="矩形 18">
-            <a:extLst>
-              <a:ext uri="{FF2B5EF4-FFF2-40B4-BE49-F238E27FC236}">
-                <a16:creationId xmlns:a16="http://schemas.microsoft.com/office/drawing/2014/main" id="{9BCE9D74-F92A-73E8-CF16-534270C44843}"/>
-              </a:ext>
-            </a:extLst>
-          </p:cNvPr>
+          <p:cNvPr id="19" name="矩形 18"/>
           <p:cNvSpPr/>
           <p:nvPr/>
         </p:nvSpPr>
@@ -5884,8 +5888,8 @@
                   <a:srgbClr val="191919"/>
                 </a:solidFill>
                 <a:effectLst/>
-                <a:latin typeface="Microsoft YaHei" panose="020B0503020204020204" pitchFamily="34" charset="-122"/>
-                <a:ea typeface="Microsoft YaHei" panose="020B0503020204020204" pitchFamily="34" charset="-122"/>
+                <a:latin typeface="微软雅黑" panose="020B0503020204020204" pitchFamily="34" charset="-122"/>
+                <a:ea typeface="微软雅黑" panose="020B0503020204020204" pitchFamily="34" charset="-122"/>
               </a:rPr>
               <a:t>if_direct_left_recursion</a:t>
             </a:r>
@@ -5905,8 +5909,8 @@
                   <a:srgbClr val="191919"/>
                 </a:solidFill>
                 <a:effectLst/>
-                <a:latin typeface="Microsoft YaHei" panose="020B0503020204020204" pitchFamily="34" charset="-122"/>
-                <a:ea typeface="Microsoft YaHei" panose="020B0503020204020204" pitchFamily="34" charset="-122"/>
+                <a:latin typeface="微软雅黑" panose="020B0503020204020204" pitchFamily="34" charset="-122"/>
+                <a:ea typeface="微软雅黑" panose="020B0503020204020204" pitchFamily="34" charset="-122"/>
               </a:rPr>
               <a:t>split_list_of_tuple</a:t>
             </a:r>
@@ -5926,8 +5930,8 @@
                   <a:srgbClr val="191919"/>
                 </a:solidFill>
                 <a:effectLst/>
-                <a:latin typeface="Microsoft YaHei" panose="020B0503020204020204" pitchFamily="34" charset="-122"/>
-                <a:ea typeface="Microsoft YaHei" panose="020B0503020204020204" pitchFamily="34" charset="-122"/>
+                <a:latin typeface="微软雅黑" panose="020B0503020204020204" pitchFamily="34" charset="-122"/>
+                <a:ea typeface="微软雅黑" panose="020B0503020204020204" pitchFamily="34" charset="-122"/>
               </a:rPr>
               <a:t>remove_direct_left_recursion</a:t>
             </a:r>
@@ -5947,8 +5951,8 @@
                   <a:srgbClr val="191919"/>
                 </a:solidFill>
                 <a:effectLst/>
-                <a:latin typeface="Microsoft YaHei" panose="020B0503020204020204" pitchFamily="34" charset="-122"/>
-                <a:ea typeface="Microsoft YaHei" panose="020B0503020204020204" pitchFamily="34" charset="-122"/>
+                <a:latin typeface="微软雅黑" panose="020B0503020204020204" pitchFamily="34" charset="-122"/>
+                <a:ea typeface="微软雅黑" panose="020B0503020204020204" pitchFamily="34" charset="-122"/>
               </a:rPr>
               <a:t>set_first</a:t>
             </a:r>
@@ -5968,8 +5972,8 @@
                   <a:srgbClr val="191919"/>
                 </a:solidFill>
                 <a:effectLst/>
-                <a:latin typeface="Microsoft YaHei" panose="020B0503020204020204" pitchFamily="34" charset="-122"/>
-                <a:ea typeface="Microsoft YaHei" panose="020B0503020204020204" pitchFamily="34" charset="-122"/>
+                <a:latin typeface="微软雅黑" panose="020B0503020204020204" pitchFamily="34" charset="-122"/>
+                <a:ea typeface="微软雅黑" panose="020B0503020204020204" pitchFamily="34" charset="-122"/>
               </a:rPr>
               <a:t>remove_recall</a:t>
             </a:r>
@@ -5984,8 +5988,8 @@
                   <a:srgbClr val="191919"/>
                 </a:solidFill>
                 <a:effectLst/>
-                <a:latin typeface="Microsoft YaHei" panose="020B0503020204020204" pitchFamily="34" charset="-122"/>
-                <a:ea typeface="Microsoft YaHei" panose="020B0503020204020204" pitchFamily="34" charset="-122"/>
+                <a:latin typeface="微软雅黑" panose="020B0503020204020204" pitchFamily="34" charset="-122"/>
+                <a:ea typeface="微软雅黑" panose="020B0503020204020204" pitchFamily="34" charset="-122"/>
               </a:rPr>
               <a:t>                   </a:t>
             </a:r>
@@ -5995,8 +5999,8 @@
                   <a:srgbClr val="191919"/>
                 </a:solidFill>
                 <a:effectLst/>
-                <a:latin typeface="Microsoft YaHei" panose="020B0503020204020204" pitchFamily="34" charset="-122"/>
-                <a:ea typeface="Microsoft YaHei" panose="020B0503020204020204" pitchFamily="34" charset="-122"/>
+                <a:latin typeface="微软雅黑" panose="020B0503020204020204" pitchFamily="34" charset="-122"/>
+                <a:ea typeface="微软雅黑" panose="020B0503020204020204" pitchFamily="34" charset="-122"/>
               </a:rPr>
               <a:t>init_by_line</a:t>
             </a:r>
@@ -6006,13 +6010,7 @@
       </p:sp>
       <p:sp>
         <p:nvSpPr>
-          <p:cNvPr id="15" name="矩形 14">
-            <a:extLst>
-              <a:ext uri="{FF2B5EF4-FFF2-40B4-BE49-F238E27FC236}">
-                <a16:creationId xmlns:a16="http://schemas.microsoft.com/office/drawing/2014/main" id="{473CBA5B-23A5-F625-DE3F-194C43A3AC0C}"/>
-              </a:ext>
-            </a:extLst>
-          </p:cNvPr>
+          <p:cNvPr id="15" name="矩形 14"/>
           <p:cNvSpPr/>
           <p:nvPr/>
         </p:nvSpPr>
@@ -6066,8 +6064,8 @@
                 <a:solidFill>
                   <a:srgbClr val="191919"/>
                 </a:solidFill>
-                <a:latin typeface="Microsoft YaHei" panose="020B0503020204020204" pitchFamily="34" charset="-122"/>
-                <a:ea typeface="Microsoft YaHei" panose="020B0503020204020204" pitchFamily="34" charset="-122"/>
+                <a:latin typeface="微软雅黑" panose="020B0503020204020204" pitchFamily="34" charset="-122"/>
+                <a:ea typeface="微软雅黑" panose="020B0503020204020204" pitchFamily="34" charset="-122"/>
               </a:rPr>
               <a:t>add_production</a:t>
             </a:r>
@@ -6075,8 +6073,8 @@
               <a:solidFill>
                 <a:srgbClr val="191919"/>
               </a:solidFill>
-              <a:latin typeface="Microsoft YaHei" panose="020B0503020204020204" pitchFamily="34" charset="-122"/>
-              <a:ea typeface="Microsoft YaHei" panose="020B0503020204020204" pitchFamily="34" charset="-122"/>
+              <a:latin typeface="微软雅黑" panose="020B0503020204020204" pitchFamily="34" charset="-122"/>
+              <a:ea typeface="微软雅黑" panose="020B0503020204020204" pitchFamily="34" charset="-122"/>
             </a:endParaRPr>
           </a:p>
           <a:p>
@@ -6086,8 +6084,8 @@
                   <a:srgbClr val="191919"/>
                 </a:solidFill>
                 <a:effectLst/>
-                <a:latin typeface="Microsoft YaHei" panose="020B0503020204020204" pitchFamily="34" charset="-122"/>
-                <a:ea typeface="Microsoft YaHei" panose="020B0503020204020204" pitchFamily="34" charset="-122"/>
+                <a:latin typeface="微软雅黑" panose="020B0503020204020204" pitchFamily="34" charset="-122"/>
+                <a:ea typeface="微软雅黑" panose="020B0503020204020204" pitchFamily="34" charset="-122"/>
               </a:rPr>
               <a:t>                 </a:t>
             </a:r>
@@ -6097,8 +6095,8 @@
                   <a:srgbClr val="191919"/>
                 </a:solidFill>
                 <a:effectLst/>
-                <a:latin typeface="Microsoft YaHei" panose="020B0503020204020204" pitchFamily="34" charset="-122"/>
-                <a:ea typeface="Microsoft YaHei" panose="020B0503020204020204" pitchFamily="34" charset="-122"/>
+                <a:latin typeface="微软雅黑" panose="020B0503020204020204" pitchFamily="34" charset="-122"/>
+                <a:ea typeface="微软雅黑" panose="020B0503020204020204" pitchFamily="34" charset="-122"/>
               </a:rPr>
               <a:t>init_by_lines</a:t>
             </a:r>
@@ -6115,7 +6113,7 @@
           <p:nvPr/>
         </p:nvPicPr>
         <p:blipFill>
-          <a:blip r:embed="rId2"/>
+          <a:blip r:embed="rId1"/>
           <a:stretch>
             <a:fillRect/>
           </a:stretch>
@@ -6189,6 +6187,7 @@
               <a:rPr lang="zh-CN" altLang="en-US" dirty="0"/>
               <a:t>消除文法的左递归</a:t>
             </a:r>
+            <a:endParaRPr lang="zh-CN" altLang="en-US" dirty="0"/>
           </a:p>
         </p:txBody>
       </p:sp>
@@ -6245,6 +6244,11 @@
               </a:rPr>
               <a:t>有左部（非终结符）和右部（由非终结符推出的终结符和非终结符）</a:t>
             </a:r>
+            <a:endParaRPr lang="zh-CN" altLang="en-US" sz="2400" b="1" dirty="0">
+              <a:solidFill>
+                <a:srgbClr val="7030A0"/>
+              </a:solidFill>
+            </a:endParaRPr>
           </a:p>
         </p:txBody>
       </p:sp>
@@ -6337,9 +6341,7 @@
       <p:cxnSp>
         <p:nvCxnSpPr>
           <p:cNvPr id="38" name="直接箭头连接符 37"/>
-          <p:cNvCxnSpPr>
-            <a:cxnSpLocks/>
-          </p:cNvCxnSpPr>
+          <p:cNvCxnSpPr/>
           <p:nvPr/>
         </p:nvCxnSpPr>
         <p:spPr>
@@ -6372,9 +6374,7 @@
       <p:cxnSp>
         <p:nvCxnSpPr>
           <p:cNvPr id="42" name="直接箭头连接符 41"/>
-          <p:cNvCxnSpPr>
-            <a:cxnSpLocks/>
-          </p:cNvCxnSpPr>
+          <p:cNvCxnSpPr/>
           <p:nvPr/>
         </p:nvCxnSpPr>
         <p:spPr>
@@ -6407,9 +6407,7 @@
       <p:cxnSp>
         <p:nvCxnSpPr>
           <p:cNvPr id="44" name="直接箭头连接符 43"/>
-          <p:cNvCxnSpPr>
-            <a:cxnSpLocks/>
-          </p:cNvCxnSpPr>
+          <p:cNvCxnSpPr/>
           <p:nvPr/>
         </p:nvCxnSpPr>
         <p:spPr>
@@ -6465,18 +6463,13 @@
               <a:rPr lang="zh-CN" altLang="en-US" sz="2800" dirty="0"/>
               <a:t>输入一个文法</a:t>
             </a:r>
+            <a:endParaRPr lang="zh-CN" altLang="en-US" sz="2800" dirty="0"/>
           </a:p>
         </p:txBody>
       </p:sp>
       <p:sp>
         <p:nvSpPr>
-          <p:cNvPr id="8" name="矩形 7">
-            <a:extLst>
-              <a:ext uri="{FF2B5EF4-FFF2-40B4-BE49-F238E27FC236}">
-                <a16:creationId xmlns:a16="http://schemas.microsoft.com/office/drawing/2014/main" id="{02DD5894-0280-57EE-4AF5-E7E9A2273BCC}"/>
-              </a:ext>
-            </a:extLst>
-          </p:cNvPr>
+          <p:cNvPr id="8" name="矩形 7"/>
           <p:cNvSpPr/>
           <p:nvPr/>
         </p:nvSpPr>
@@ -6533,13 +6526,7 @@
       </p:sp>
       <p:sp>
         <p:nvSpPr>
-          <p:cNvPr id="14" name="矩形 13">
-            <a:extLst>
-              <a:ext uri="{FF2B5EF4-FFF2-40B4-BE49-F238E27FC236}">
-                <a16:creationId xmlns:a16="http://schemas.microsoft.com/office/drawing/2014/main" id="{6B7A8844-00AF-7998-4AD8-EC194913D968}"/>
-              </a:ext>
-            </a:extLst>
-          </p:cNvPr>
+          <p:cNvPr id="14" name="矩形 13"/>
           <p:cNvSpPr/>
           <p:nvPr/>
         </p:nvSpPr>
@@ -6587,8 +6574,8 @@
                 <a:srgbClr val="191919"/>
               </a:solidFill>
               <a:effectLst/>
-              <a:latin typeface="Microsoft YaHei" panose="020B0503020204020204" pitchFamily="34" charset="-122"/>
-              <a:ea typeface="Microsoft YaHei" panose="020B0503020204020204" pitchFamily="34" charset="-122"/>
+              <a:latin typeface="微软雅黑" panose="020B0503020204020204" pitchFamily="34" charset="-122"/>
+              <a:ea typeface="微软雅黑" panose="020B0503020204020204" pitchFamily="34" charset="-122"/>
             </a:endParaRPr>
           </a:p>
           <a:p>
@@ -6601,8 +6588,8 @@
               <a:solidFill>
                 <a:srgbClr val="191919"/>
               </a:solidFill>
-              <a:latin typeface="Microsoft YaHei" panose="020B0503020204020204" pitchFamily="34" charset="-122"/>
-              <a:ea typeface="Microsoft YaHei" panose="020B0503020204020204" pitchFamily="34" charset="-122"/>
+              <a:latin typeface="微软雅黑" panose="020B0503020204020204" pitchFamily="34" charset="-122"/>
+              <a:ea typeface="微软雅黑" panose="020B0503020204020204" pitchFamily="34" charset="-122"/>
             </a:endParaRPr>
           </a:p>
           <a:p>
@@ -6617,8 +6604,8 @@
                   <a:srgbClr val="191919"/>
                 </a:solidFill>
                 <a:effectLst/>
-                <a:latin typeface="Microsoft YaHei" panose="020B0503020204020204" pitchFamily="34" charset="-122"/>
-                <a:ea typeface="Microsoft YaHei" panose="020B0503020204020204" pitchFamily="34" charset="-122"/>
+                <a:latin typeface="微软雅黑" panose="020B0503020204020204" pitchFamily="34" charset="-122"/>
+                <a:ea typeface="微软雅黑" panose="020B0503020204020204" pitchFamily="34" charset="-122"/>
               </a:rPr>
               <a:t>productions</a:t>
             </a:r>
@@ -6638,8 +6625,8 @@
                   <a:srgbClr val="191919"/>
                 </a:solidFill>
                 <a:effectLst/>
-                <a:latin typeface="Microsoft YaHei" panose="020B0503020204020204" pitchFamily="34" charset="-122"/>
-                <a:ea typeface="Microsoft YaHei" panose="020B0503020204020204" pitchFamily="34" charset="-122"/>
+                <a:latin typeface="微软雅黑" panose="020B0503020204020204" pitchFamily="34" charset="-122"/>
+                <a:ea typeface="微软雅黑" panose="020B0503020204020204" pitchFamily="34" charset="-122"/>
               </a:rPr>
               <a:t>terminals</a:t>
             </a:r>
@@ -6659,8 +6646,8 @@
                   <a:srgbClr val="191919"/>
                 </a:solidFill>
                 <a:effectLst/>
-                <a:latin typeface="Microsoft YaHei" panose="020B0503020204020204" pitchFamily="34" charset="-122"/>
-                <a:ea typeface="Microsoft YaHei" panose="020B0503020204020204" pitchFamily="34" charset="-122"/>
+                <a:latin typeface="微软雅黑" panose="020B0503020204020204" pitchFamily="34" charset="-122"/>
+                <a:ea typeface="微软雅黑" panose="020B0503020204020204" pitchFamily="34" charset="-122"/>
               </a:rPr>
               <a:t>non_terminals</a:t>
             </a:r>
@@ -6680,8 +6667,8 @@
                   <a:srgbClr val="191919"/>
                 </a:solidFill>
                 <a:effectLst/>
-                <a:latin typeface="Microsoft YaHei" panose="020B0503020204020204" pitchFamily="34" charset="-122"/>
-                <a:ea typeface="Microsoft YaHei" panose="020B0503020204020204" pitchFamily="34" charset="-122"/>
+                <a:latin typeface="微软雅黑" panose="020B0503020204020204" pitchFamily="34" charset="-122"/>
+                <a:ea typeface="微软雅黑" panose="020B0503020204020204" pitchFamily="34" charset="-122"/>
               </a:rPr>
               <a:t>s</a:t>
             </a:r>
@@ -6701,8 +6688,8 @@
                   <a:srgbClr val="191919"/>
                 </a:solidFill>
                 <a:effectLst/>
-                <a:latin typeface="Microsoft YaHei" panose="020B0503020204020204" pitchFamily="34" charset="-122"/>
-                <a:ea typeface="Microsoft YaHei" panose="020B0503020204020204" pitchFamily="34" charset="-122"/>
+                <a:latin typeface="微软雅黑" panose="020B0503020204020204" pitchFamily="34" charset="-122"/>
+                <a:ea typeface="微软雅黑" panose="020B0503020204020204" pitchFamily="34" charset="-122"/>
               </a:rPr>
               <a:t>first</a:t>
             </a:r>
@@ -6722,8 +6709,8 @@
                   <a:srgbClr val="191919"/>
                 </a:solidFill>
                 <a:effectLst/>
-                <a:latin typeface="Microsoft YaHei" panose="020B0503020204020204" pitchFamily="34" charset="-122"/>
-                <a:ea typeface="Microsoft YaHei" panose="020B0503020204020204" pitchFamily="34" charset="-122"/>
+                <a:latin typeface="微软雅黑" panose="020B0503020204020204" pitchFamily="34" charset="-122"/>
+                <a:ea typeface="微软雅黑" panose="020B0503020204020204" pitchFamily="34" charset="-122"/>
               </a:rPr>
               <a:t>follow</a:t>
             </a:r>
@@ -6738,8 +6725,8 @@
                   <a:srgbClr val="191919"/>
                 </a:solidFill>
                 <a:effectLst/>
-                <a:latin typeface="Microsoft YaHei" panose="020B0503020204020204" pitchFamily="34" charset="-122"/>
-                <a:ea typeface="Microsoft YaHei" panose="020B0503020204020204" pitchFamily="34" charset="-122"/>
+                <a:latin typeface="微软雅黑" panose="020B0503020204020204" pitchFamily="34" charset="-122"/>
+                <a:ea typeface="微软雅黑" panose="020B0503020204020204" pitchFamily="34" charset="-122"/>
               </a:rPr>
             </a:br>
             <a:endParaRPr lang="zh-CN" altLang="en-US" dirty="0"/>
@@ -6748,13 +6735,7 @@
       </p:sp>
       <p:sp>
         <p:nvSpPr>
-          <p:cNvPr id="17" name="矩形 16">
-            <a:extLst>
-              <a:ext uri="{FF2B5EF4-FFF2-40B4-BE49-F238E27FC236}">
-                <a16:creationId xmlns:a16="http://schemas.microsoft.com/office/drawing/2014/main" id="{381CE07A-A0BD-ED85-BC0F-52BBE5A52893}"/>
-              </a:ext>
-            </a:extLst>
-          </p:cNvPr>
+          <p:cNvPr id="17" name="矩形 16"/>
           <p:cNvSpPr/>
           <p:nvPr/>
         </p:nvSpPr>
@@ -6811,13 +6792,7 @@
       </p:sp>
       <p:sp>
         <p:nvSpPr>
-          <p:cNvPr id="18" name="矩形 17">
-            <a:extLst>
-              <a:ext uri="{FF2B5EF4-FFF2-40B4-BE49-F238E27FC236}">
-                <a16:creationId xmlns:a16="http://schemas.microsoft.com/office/drawing/2014/main" id="{F67054D4-4029-F95F-9BB1-35B565F04BD5}"/>
-              </a:ext>
-            </a:extLst>
-          </p:cNvPr>
+          <p:cNvPr id="18" name="矩形 17"/>
           <p:cNvSpPr/>
           <p:nvPr/>
         </p:nvSpPr>
@@ -6864,8 +6839,8 @@
               <a:solidFill>
                 <a:srgbClr val="191919"/>
               </a:solidFill>
-              <a:latin typeface="Microsoft YaHei" panose="020B0503020204020204" pitchFamily="34" charset="-122"/>
-              <a:ea typeface="Microsoft YaHei" panose="020B0503020204020204" pitchFamily="34" charset="-122"/>
+              <a:latin typeface="微软雅黑" panose="020B0503020204020204" pitchFamily="34" charset="-122"/>
+              <a:ea typeface="微软雅黑" panose="020B0503020204020204" pitchFamily="34" charset="-122"/>
             </a:endParaRPr>
           </a:p>
           <a:p>
@@ -6880,8 +6855,8 @@
                   <a:srgbClr val="191919"/>
                 </a:solidFill>
                 <a:effectLst/>
-                <a:latin typeface="Microsoft YaHei" panose="020B0503020204020204" pitchFamily="34" charset="-122"/>
-                <a:ea typeface="Microsoft YaHei" panose="020B0503020204020204" pitchFamily="34" charset="-122"/>
+                <a:latin typeface="微软雅黑" panose="020B0503020204020204" pitchFamily="34" charset="-122"/>
+                <a:ea typeface="微软雅黑" panose="020B0503020204020204" pitchFamily="34" charset="-122"/>
               </a:rPr>
               <a:t>left</a:t>
             </a:r>
@@ -6901,8 +6876,8 @@
                   <a:srgbClr val="191919"/>
                 </a:solidFill>
                 <a:effectLst/>
-                <a:latin typeface="Microsoft YaHei" panose="020B0503020204020204" pitchFamily="34" charset="-122"/>
-                <a:ea typeface="Microsoft YaHei" panose="020B0503020204020204" pitchFamily="34" charset="-122"/>
+                <a:latin typeface="微软雅黑" panose="020B0503020204020204" pitchFamily="34" charset="-122"/>
+                <a:ea typeface="微软雅黑" panose="020B0503020204020204" pitchFamily="34" charset="-122"/>
               </a:rPr>
               <a:t>right</a:t>
             </a:r>
@@ -6917,8 +6892,8 @@
                   <a:srgbClr val="191919"/>
                 </a:solidFill>
                 <a:effectLst/>
-                <a:latin typeface="Microsoft YaHei" panose="020B0503020204020204" pitchFamily="34" charset="-122"/>
-                <a:ea typeface="Microsoft YaHei" panose="020B0503020204020204" pitchFamily="34" charset="-122"/>
+                <a:latin typeface="微软雅黑" panose="020B0503020204020204" pitchFamily="34" charset="-122"/>
+                <a:ea typeface="微软雅黑" panose="020B0503020204020204" pitchFamily="34" charset="-122"/>
               </a:rPr>
               <a:t>                        first</a:t>
             </a:r>
@@ -6928,8 +6903,8 @@
                   <a:srgbClr val="191919"/>
                 </a:solidFill>
                 <a:effectLst/>
-                <a:latin typeface="Microsoft YaHei" panose="020B0503020204020204" pitchFamily="34" charset="-122"/>
-                <a:ea typeface="Microsoft YaHei" panose="020B0503020204020204" pitchFamily="34" charset="-122"/>
+                <a:latin typeface="微软雅黑" panose="020B0503020204020204" pitchFamily="34" charset="-122"/>
+                <a:ea typeface="微软雅黑" panose="020B0503020204020204" pitchFamily="34" charset="-122"/>
               </a:rPr>
             </a:br>
             <a:endParaRPr lang="zh-CN" altLang="en-US" dirty="0"/>
@@ -6963,13 +6938,7 @@
       </p:grpSpPr>
       <p:sp>
         <p:nvSpPr>
-          <p:cNvPr id="9" name="矩形 8">
-            <a:extLst>
-              <a:ext uri="{FF2B5EF4-FFF2-40B4-BE49-F238E27FC236}">
-                <a16:creationId xmlns:a16="http://schemas.microsoft.com/office/drawing/2014/main" id="{B8CD9A98-37B2-B093-7E47-9B59830089B9}"/>
-              </a:ext>
-            </a:extLst>
-          </p:cNvPr>
+          <p:cNvPr id="9" name="矩形 8"/>
           <p:cNvSpPr/>
           <p:nvPr/>
         </p:nvSpPr>
@@ -7029,8 +6998,8 @@
                   <a:srgbClr val="191919"/>
                 </a:solidFill>
                 <a:effectLst/>
-                <a:latin typeface="Microsoft YaHei" panose="020B0503020204020204" pitchFamily="34" charset="-122"/>
-                <a:ea typeface="Microsoft YaHei" panose="020B0503020204020204" pitchFamily="34" charset="-122"/>
+                <a:latin typeface="微软雅黑" panose="020B0503020204020204" pitchFamily="34" charset="-122"/>
+                <a:ea typeface="微软雅黑" panose="020B0503020204020204" pitchFamily="34" charset="-122"/>
               </a:rPr>
               <a:t>if_direct_left_recursion</a:t>
             </a:r>
@@ -7050,8 +7019,8 @@
                   <a:srgbClr val="191919"/>
                 </a:solidFill>
                 <a:effectLst/>
-                <a:latin typeface="Microsoft YaHei" panose="020B0503020204020204" pitchFamily="34" charset="-122"/>
-                <a:ea typeface="Microsoft YaHei" panose="020B0503020204020204" pitchFamily="34" charset="-122"/>
+                <a:latin typeface="微软雅黑" panose="020B0503020204020204" pitchFamily="34" charset="-122"/>
+                <a:ea typeface="微软雅黑" panose="020B0503020204020204" pitchFamily="34" charset="-122"/>
               </a:rPr>
               <a:t>split_list_of_tuple</a:t>
             </a:r>
@@ -7071,8 +7040,8 @@
                   <a:srgbClr val="191919"/>
                 </a:solidFill>
                 <a:effectLst/>
-                <a:latin typeface="Microsoft YaHei" panose="020B0503020204020204" pitchFamily="34" charset="-122"/>
-                <a:ea typeface="Microsoft YaHei" panose="020B0503020204020204" pitchFamily="34" charset="-122"/>
+                <a:latin typeface="微软雅黑" panose="020B0503020204020204" pitchFamily="34" charset="-122"/>
+                <a:ea typeface="微软雅黑" panose="020B0503020204020204" pitchFamily="34" charset="-122"/>
               </a:rPr>
               <a:t>remove_direct_left_recursion</a:t>
             </a:r>
@@ -7092,8 +7061,8 @@
                   <a:srgbClr val="191919"/>
                 </a:solidFill>
                 <a:effectLst/>
-                <a:latin typeface="Microsoft YaHei" panose="020B0503020204020204" pitchFamily="34" charset="-122"/>
-                <a:ea typeface="Microsoft YaHei" panose="020B0503020204020204" pitchFamily="34" charset="-122"/>
+                <a:latin typeface="微软雅黑" panose="020B0503020204020204" pitchFamily="34" charset="-122"/>
+                <a:ea typeface="微软雅黑" panose="020B0503020204020204" pitchFamily="34" charset="-122"/>
               </a:rPr>
               <a:t>set_first</a:t>
             </a:r>
@@ -7113,8 +7082,8 @@
                   <a:srgbClr val="191919"/>
                 </a:solidFill>
                 <a:effectLst/>
-                <a:latin typeface="Microsoft YaHei" panose="020B0503020204020204" pitchFamily="34" charset="-122"/>
-                <a:ea typeface="Microsoft YaHei" panose="020B0503020204020204" pitchFamily="34" charset="-122"/>
+                <a:latin typeface="微软雅黑" panose="020B0503020204020204" pitchFamily="34" charset="-122"/>
+                <a:ea typeface="微软雅黑" panose="020B0503020204020204" pitchFamily="34" charset="-122"/>
               </a:rPr>
               <a:t>remove_recall</a:t>
             </a:r>
@@ -7129,8 +7098,8 @@
                   <a:srgbClr val="191919"/>
                 </a:solidFill>
                 <a:effectLst/>
-                <a:latin typeface="Microsoft YaHei" panose="020B0503020204020204" pitchFamily="34" charset="-122"/>
-                <a:ea typeface="Microsoft YaHei" panose="020B0503020204020204" pitchFamily="34" charset="-122"/>
+                <a:latin typeface="微软雅黑" panose="020B0503020204020204" pitchFamily="34" charset="-122"/>
+                <a:ea typeface="微软雅黑" panose="020B0503020204020204" pitchFamily="34" charset="-122"/>
               </a:rPr>
               <a:t>                   </a:t>
             </a:r>
@@ -7140,8 +7109,8 @@
                   <a:srgbClr val="191919"/>
                 </a:solidFill>
                 <a:effectLst/>
-                <a:latin typeface="Microsoft YaHei" panose="020B0503020204020204" pitchFamily="34" charset="-122"/>
-                <a:ea typeface="Microsoft YaHei" panose="020B0503020204020204" pitchFamily="34" charset="-122"/>
+                <a:latin typeface="微软雅黑" panose="020B0503020204020204" pitchFamily="34" charset="-122"/>
+                <a:ea typeface="微软雅黑" panose="020B0503020204020204" pitchFamily="34" charset="-122"/>
               </a:rPr>
               <a:t>init_by_line</a:t>
             </a:r>
@@ -7151,13 +7120,7 @@
       </p:sp>
       <p:sp>
         <p:nvSpPr>
-          <p:cNvPr id="3" name="矩形 2">
-            <a:extLst>
-              <a:ext uri="{FF2B5EF4-FFF2-40B4-BE49-F238E27FC236}">
-                <a16:creationId xmlns:a16="http://schemas.microsoft.com/office/drawing/2014/main" id="{28DFDE80-8AB7-2E3F-0111-C9E0DB0758D0}"/>
-              </a:ext>
-            </a:extLst>
-          </p:cNvPr>
+          <p:cNvPr id="3" name="矩形 2"/>
           <p:cNvSpPr/>
           <p:nvPr/>
         </p:nvSpPr>
@@ -7211,8 +7174,8 @@
                 <a:solidFill>
                   <a:srgbClr val="191919"/>
                 </a:solidFill>
-                <a:latin typeface="Microsoft YaHei" panose="020B0503020204020204" pitchFamily="34" charset="-122"/>
-                <a:ea typeface="Microsoft YaHei" panose="020B0503020204020204" pitchFamily="34" charset="-122"/>
+                <a:latin typeface="微软雅黑" panose="020B0503020204020204" pitchFamily="34" charset="-122"/>
+                <a:ea typeface="微软雅黑" panose="020B0503020204020204" pitchFamily="34" charset="-122"/>
               </a:rPr>
               <a:t>add_production</a:t>
             </a:r>
@@ -7220,8 +7183,8 @@
               <a:solidFill>
                 <a:srgbClr val="191919"/>
               </a:solidFill>
-              <a:latin typeface="Microsoft YaHei" panose="020B0503020204020204" pitchFamily="34" charset="-122"/>
-              <a:ea typeface="Microsoft YaHei" panose="020B0503020204020204" pitchFamily="34" charset="-122"/>
+              <a:latin typeface="微软雅黑" panose="020B0503020204020204" pitchFamily="34" charset="-122"/>
+              <a:ea typeface="微软雅黑" panose="020B0503020204020204" pitchFamily="34" charset="-122"/>
             </a:endParaRPr>
           </a:p>
           <a:p>
@@ -7231,8 +7194,8 @@
                   <a:srgbClr val="191919"/>
                 </a:solidFill>
                 <a:effectLst/>
-                <a:latin typeface="Microsoft YaHei" panose="020B0503020204020204" pitchFamily="34" charset="-122"/>
-                <a:ea typeface="Microsoft YaHei" panose="020B0503020204020204" pitchFamily="34" charset="-122"/>
+                <a:latin typeface="微软雅黑" panose="020B0503020204020204" pitchFamily="34" charset="-122"/>
+                <a:ea typeface="微软雅黑" panose="020B0503020204020204" pitchFamily="34" charset="-122"/>
               </a:rPr>
               <a:t>                 </a:t>
             </a:r>
@@ -7242,8 +7205,8 @@
                   <a:srgbClr val="191919"/>
                 </a:solidFill>
                 <a:effectLst/>
-                <a:latin typeface="Microsoft YaHei" panose="020B0503020204020204" pitchFamily="34" charset="-122"/>
-                <a:ea typeface="Microsoft YaHei" panose="020B0503020204020204" pitchFamily="34" charset="-122"/>
+                <a:latin typeface="微软雅黑" panose="020B0503020204020204" pitchFamily="34" charset="-122"/>
+                <a:ea typeface="微软雅黑" panose="020B0503020204020204" pitchFamily="34" charset="-122"/>
               </a:rPr>
               <a:t>init_by_lines</a:t>
             </a:r>
@@ -7291,6 +7254,7 @@
               <a:rPr lang="zh-CN" altLang="en-US" dirty="0"/>
               <a:t>消除文法的回溯</a:t>
             </a:r>
+            <a:endParaRPr lang="zh-CN" altLang="en-US" dirty="0"/>
           </a:p>
         </p:txBody>
       </p:sp>
@@ -7347,6 +7311,11 @@
               </a:rPr>
               <a:t>有左部（非终结符）和右部（由非终结符推出的终结符和非终结符）</a:t>
             </a:r>
+            <a:endParaRPr lang="zh-CN" altLang="en-US" sz="2400" b="1" dirty="0">
+              <a:solidFill>
+                <a:srgbClr val="7030A0"/>
+              </a:solidFill>
+            </a:endParaRPr>
           </a:p>
         </p:txBody>
       </p:sp>
@@ -7439,9 +7408,7 @@
       <p:cxnSp>
         <p:nvCxnSpPr>
           <p:cNvPr id="30" name="直接箭头连接符 29"/>
-          <p:cNvCxnSpPr>
-            <a:cxnSpLocks/>
-          </p:cNvCxnSpPr>
+          <p:cNvCxnSpPr/>
           <p:nvPr/>
         </p:nvCxnSpPr>
         <p:spPr>
@@ -7480,7 +7447,7 @@
           <p:nvPr/>
         </p:nvPicPr>
         <p:blipFill>
-          <a:blip r:embed="rId2"/>
+          <a:blip r:embed="rId1"/>
           <a:stretch>
             <a:fillRect/>
           </a:stretch>
@@ -7554,6 +7521,7 @@
               <a:rPr lang="zh-CN" altLang="en-US" sz="2800"/>
               <a:t>输入一个文法</a:t>
             </a:r>
+            <a:endParaRPr lang="zh-CN" altLang="en-US" sz="2800"/>
           </a:p>
         </p:txBody>
       </p:sp>
@@ -7587,75 +7555,99 @@
               </a:rPr>
               <a:t>假定Ａ的规则是：</a:t>
             </a:r>
-          </a:p>
-          <a:p>
-            <a:r>
-              <a:rPr lang="zh-CN" altLang="en-US" sz="2400">
-                <a:latin typeface="黑体" panose="02010609060101010101" charset="-122"/>
-                <a:ea typeface="黑体" panose="02010609060101010101" charset="-122"/>
-                <a:cs typeface="黑体" panose="02010609060101010101" charset="-122"/>
-              </a:rPr>
-              <a:t>Ａ→δβ1 |δβ2 | … |δβn |γ1 |γ2 | … |γm（其中，每个γ不以δ开头）</a:t>
-            </a:r>
-          </a:p>
-          <a:p>
-            <a:r>
-              <a:rPr lang="zh-CN" altLang="en-US" sz="2400">
-                <a:latin typeface="黑体" panose="02010609060101010101" charset="-122"/>
-                <a:ea typeface="黑体" panose="02010609060101010101" charset="-122"/>
-                <a:cs typeface="黑体" panose="02010609060101010101" charset="-122"/>
-              </a:rPr>
-              <a:t>那么这些规则可以改写为：</a:t>
-            </a:r>
-          </a:p>
-          <a:p>
-            <a:r>
-              <a:rPr lang="zh-CN" altLang="en-US" sz="2400">
-                <a:latin typeface="黑体" panose="02010609060101010101" charset="-122"/>
-                <a:ea typeface="黑体" panose="02010609060101010101" charset="-122"/>
-                <a:cs typeface="黑体" panose="02010609060101010101" charset="-122"/>
-              </a:rPr>
-              <a:t>A→δA’ |γ1 |γ2 | … |γm</a:t>
-            </a:r>
-          </a:p>
-          <a:p>
-            <a:r>
-              <a:rPr lang="zh-CN" altLang="en-US" sz="2400">
-                <a:latin typeface="黑体" panose="02010609060101010101" charset="-122"/>
-                <a:ea typeface="黑体" panose="02010609060101010101" charset="-122"/>
-                <a:cs typeface="黑体" panose="02010609060101010101" charset="-122"/>
-              </a:rPr>
-              <a:t>A’→β1 |β2 | … |βn</a:t>
-            </a:r>
-          </a:p>
-          <a:p>
-            <a:r>
-              <a:rPr lang="zh-CN" altLang="en-US" sz="2400">
-                <a:latin typeface="黑体" panose="02010609060101010101" charset="-122"/>
-                <a:ea typeface="黑体" panose="02010609060101010101" charset="-122"/>
-                <a:cs typeface="黑体" panose="02010609060101010101" charset="-122"/>
-              </a:rPr>
-              <a:t>经过反复提取左因子，就能够把每个非终结符（包括新引进者）的所有候选首符集便成为两两不相交。</a:t>
-            </a:r>
-          </a:p>
-          <a:p>
             <a:endParaRPr lang="zh-CN" altLang="en-US" sz="2400">
               <a:latin typeface="黑体" panose="02010609060101010101" charset="-122"/>
               <a:ea typeface="黑体" panose="02010609060101010101" charset="-122"/>
               <a:cs typeface="黑体" panose="02010609060101010101" charset="-122"/>
             </a:endParaRPr>
           </a:p>
+          <a:p>
+            <a:r>
+              <a:rPr lang="zh-CN" altLang="en-US" sz="2400">
+                <a:latin typeface="黑体" panose="02010609060101010101" charset="-122"/>
+                <a:ea typeface="黑体" panose="02010609060101010101" charset="-122"/>
+                <a:cs typeface="黑体" panose="02010609060101010101" charset="-122"/>
+              </a:rPr>
+              <a:t>Ａ→δβ1 |δβ2 | … |δβn |γ1 |γ2 | … |γm（其中，每个γ不以δ开头）</a:t>
+            </a:r>
+            <a:endParaRPr lang="zh-CN" altLang="en-US" sz="2400">
+              <a:latin typeface="黑体" panose="02010609060101010101" charset="-122"/>
+              <a:ea typeface="黑体" panose="02010609060101010101" charset="-122"/>
+              <a:cs typeface="黑体" panose="02010609060101010101" charset="-122"/>
+            </a:endParaRPr>
+          </a:p>
+          <a:p>
+            <a:r>
+              <a:rPr lang="zh-CN" altLang="en-US" sz="2400">
+                <a:latin typeface="黑体" panose="02010609060101010101" charset="-122"/>
+                <a:ea typeface="黑体" panose="02010609060101010101" charset="-122"/>
+                <a:cs typeface="黑体" panose="02010609060101010101" charset="-122"/>
+              </a:rPr>
+              <a:t>那么这些规则可以改写为：</a:t>
+            </a:r>
+            <a:endParaRPr lang="zh-CN" altLang="en-US" sz="2400">
+              <a:latin typeface="黑体" panose="02010609060101010101" charset="-122"/>
+              <a:ea typeface="黑体" panose="02010609060101010101" charset="-122"/>
+              <a:cs typeface="黑体" panose="02010609060101010101" charset="-122"/>
+            </a:endParaRPr>
+          </a:p>
+          <a:p>
+            <a:r>
+              <a:rPr lang="zh-CN" altLang="en-US" sz="2400">
+                <a:latin typeface="黑体" panose="02010609060101010101" charset="-122"/>
+                <a:ea typeface="黑体" panose="02010609060101010101" charset="-122"/>
+                <a:cs typeface="黑体" panose="02010609060101010101" charset="-122"/>
+              </a:rPr>
+              <a:t>A→δA’ |γ1 |γ2 | … |γm</a:t>
+            </a:r>
+            <a:endParaRPr lang="zh-CN" altLang="en-US" sz="2400">
+              <a:latin typeface="黑体" panose="02010609060101010101" charset="-122"/>
+              <a:ea typeface="黑体" panose="02010609060101010101" charset="-122"/>
+              <a:cs typeface="黑体" panose="02010609060101010101" charset="-122"/>
+            </a:endParaRPr>
+          </a:p>
+          <a:p>
+            <a:r>
+              <a:rPr lang="zh-CN" altLang="en-US" sz="2400">
+                <a:latin typeface="黑体" panose="02010609060101010101" charset="-122"/>
+                <a:ea typeface="黑体" panose="02010609060101010101" charset="-122"/>
+                <a:cs typeface="黑体" panose="02010609060101010101" charset="-122"/>
+              </a:rPr>
+              <a:t>A’→β1 |β2 | … |βn</a:t>
+            </a:r>
+            <a:endParaRPr lang="zh-CN" altLang="en-US" sz="2400">
+              <a:latin typeface="黑体" panose="02010609060101010101" charset="-122"/>
+              <a:ea typeface="黑体" panose="02010609060101010101" charset="-122"/>
+              <a:cs typeface="黑体" panose="02010609060101010101" charset="-122"/>
+            </a:endParaRPr>
+          </a:p>
+          <a:p>
+            <a:r>
+              <a:rPr lang="zh-CN" altLang="en-US" sz="2400">
+                <a:latin typeface="黑体" panose="02010609060101010101" charset="-122"/>
+                <a:ea typeface="黑体" panose="02010609060101010101" charset="-122"/>
+                <a:cs typeface="黑体" panose="02010609060101010101" charset="-122"/>
+              </a:rPr>
+              <a:t>经过反复提取左因子，就能够把每个非终结符（包括新引进者）的所有候选首符集便成为两两不相交。</a:t>
+            </a:r>
+            <a:endParaRPr lang="zh-CN" altLang="en-US" sz="2400">
+              <a:latin typeface="黑体" panose="02010609060101010101" charset="-122"/>
+              <a:ea typeface="黑体" panose="02010609060101010101" charset="-122"/>
+              <a:cs typeface="黑体" panose="02010609060101010101" charset="-122"/>
+            </a:endParaRPr>
+          </a:p>
+          <a:p>
+            <a:endParaRPr lang="zh-CN" altLang="en-US" sz="2400">
+              <a:latin typeface="黑体" panose="02010609060101010101" charset="-122"/>
+              <a:ea typeface="黑体" panose="02010609060101010101" charset="-122"/>
+              <a:cs typeface="黑体" panose="02010609060101010101" charset="-122"/>
+            </a:endParaRPr>
+          </a:p>
         </p:txBody>
       </p:sp>
       <p:sp>
         <p:nvSpPr>
-          <p:cNvPr id="5" name="矩形 4">
-            <a:extLst>
-              <a:ext uri="{FF2B5EF4-FFF2-40B4-BE49-F238E27FC236}">
-                <a16:creationId xmlns:a16="http://schemas.microsoft.com/office/drawing/2014/main" id="{81FB5834-4319-6E45-BD00-34D493143744}"/>
-              </a:ext>
-            </a:extLst>
-          </p:cNvPr>
+          <p:cNvPr id="5" name="矩形 4"/>
           <p:cNvSpPr/>
           <p:nvPr/>
         </p:nvSpPr>
@@ -7712,13 +7704,7 @@
       </p:sp>
       <p:sp>
         <p:nvSpPr>
-          <p:cNvPr id="6" name="矩形 5">
-            <a:extLst>
-              <a:ext uri="{FF2B5EF4-FFF2-40B4-BE49-F238E27FC236}">
-                <a16:creationId xmlns:a16="http://schemas.microsoft.com/office/drawing/2014/main" id="{ED434E29-444B-109C-1330-0D67B1451CC2}"/>
-              </a:ext>
-            </a:extLst>
-          </p:cNvPr>
+          <p:cNvPr id="6" name="矩形 5"/>
           <p:cNvSpPr/>
           <p:nvPr/>
         </p:nvSpPr>
@@ -7766,8 +7752,8 @@
                 <a:srgbClr val="191919"/>
               </a:solidFill>
               <a:effectLst/>
-              <a:latin typeface="Microsoft YaHei" panose="020B0503020204020204" pitchFamily="34" charset="-122"/>
-              <a:ea typeface="Microsoft YaHei" panose="020B0503020204020204" pitchFamily="34" charset="-122"/>
+              <a:latin typeface="微软雅黑" panose="020B0503020204020204" pitchFamily="34" charset="-122"/>
+              <a:ea typeface="微软雅黑" panose="020B0503020204020204" pitchFamily="34" charset="-122"/>
             </a:endParaRPr>
           </a:p>
           <a:p>
@@ -7780,8 +7766,8 @@
               <a:solidFill>
                 <a:srgbClr val="191919"/>
               </a:solidFill>
-              <a:latin typeface="Microsoft YaHei" panose="020B0503020204020204" pitchFamily="34" charset="-122"/>
-              <a:ea typeface="Microsoft YaHei" panose="020B0503020204020204" pitchFamily="34" charset="-122"/>
+              <a:latin typeface="微软雅黑" panose="020B0503020204020204" pitchFamily="34" charset="-122"/>
+              <a:ea typeface="微软雅黑" panose="020B0503020204020204" pitchFamily="34" charset="-122"/>
             </a:endParaRPr>
           </a:p>
           <a:p>
@@ -7796,8 +7782,8 @@
                   <a:srgbClr val="191919"/>
                 </a:solidFill>
                 <a:effectLst/>
-                <a:latin typeface="Microsoft YaHei" panose="020B0503020204020204" pitchFamily="34" charset="-122"/>
-                <a:ea typeface="Microsoft YaHei" panose="020B0503020204020204" pitchFamily="34" charset="-122"/>
+                <a:latin typeface="微软雅黑" panose="020B0503020204020204" pitchFamily="34" charset="-122"/>
+                <a:ea typeface="微软雅黑" panose="020B0503020204020204" pitchFamily="34" charset="-122"/>
               </a:rPr>
               <a:t>productions</a:t>
             </a:r>
@@ -7817,8 +7803,8 @@
                   <a:srgbClr val="191919"/>
                 </a:solidFill>
                 <a:effectLst/>
-                <a:latin typeface="Microsoft YaHei" panose="020B0503020204020204" pitchFamily="34" charset="-122"/>
-                <a:ea typeface="Microsoft YaHei" panose="020B0503020204020204" pitchFamily="34" charset="-122"/>
+                <a:latin typeface="微软雅黑" panose="020B0503020204020204" pitchFamily="34" charset="-122"/>
+                <a:ea typeface="微软雅黑" panose="020B0503020204020204" pitchFamily="34" charset="-122"/>
               </a:rPr>
               <a:t>terminals</a:t>
             </a:r>
@@ -7838,8 +7824,8 @@
                   <a:srgbClr val="191919"/>
                 </a:solidFill>
                 <a:effectLst/>
-                <a:latin typeface="Microsoft YaHei" panose="020B0503020204020204" pitchFamily="34" charset="-122"/>
-                <a:ea typeface="Microsoft YaHei" panose="020B0503020204020204" pitchFamily="34" charset="-122"/>
+                <a:latin typeface="微软雅黑" panose="020B0503020204020204" pitchFamily="34" charset="-122"/>
+                <a:ea typeface="微软雅黑" panose="020B0503020204020204" pitchFamily="34" charset="-122"/>
               </a:rPr>
               <a:t>non_terminals</a:t>
             </a:r>
@@ -7859,8 +7845,8 @@
                   <a:srgbClr val="191919"/>
                 </a:solidFill>
                 <a:effectLst/>
-                <a:latin typeface="Microsoft YaHei" panose="020B0503020204020204" pitchFamily="34" charset="-122"/>
-                <a:ea typeface="Microsoft YaHei" panose="020B0503020204020204" pitchFamily="34" charset="-122"/>
+                <a:latin typeface="微软雅黑" panose="020B0503020204020204" pitchFamily="34" charset="-122"/>
+                <a:ea typeface="微软雅黑" panose="020B0503020204020204" pitchFamily="34" charset="-122"/>
               </a:rPr>
               <a:t>s</a:t>
             </a:r>
@@ -7880,8 +7866,8 @@
                   <a:srgbClr val="191919"/>
                 </a:solidFill>
                 <a:effectLst/>
-                <a:latin typeface="Microsoft YaHei" panose="020B0503020204020204" pitchFamily="34" charset="-122"/>
-                <a:ea typeface="Microsoft YaHei" panose="020B0503020204020204" pitchFamily="34" charset="-122"/>
+                <a:latin typeface="微软雅黑" panose="020B0503020204020204" pitchFamily="34" charset="-122"/>
+                <a:ea typeface="微软雅黑" panose="020B0503020204020204" pitchFamily="34" charset="-122"/>
               </a:rPr>
               <a:t>first</a:t>
             </a:r>
@@ -7901,8 +7887,8 @@
                   <a:srgbClr val="191919"/>
                 </a:solidFill>
                 <a:effectLst/>
-                <a:latin typeface="Microsoft YaHei" panose="020B0503020204020204" pitchFamily="34" charset="-122"/>
-                <a:ea typeface="Microsoft YaHei" panose="020B0503020204020204" pitchFamily="34" charset="-122"/>
+                <a:latin typeface="微软雅黑" panose="020B0503020204020204" pitchFamily="34" charset="-122"/>
+                <a:ea typeface="微软雅黑" panose="020B0503020204020204" pitchFamily="34" charset="-122"/>
               </a:rPr>
               <a:t>follow</a:t>
             </a:r>
@@ -7917,8 +7903,8 @@
                   <a:srgbClr val="191919"/>
                 </a:solidFill>
                 <a:effectLst/>
-                <a:latin typeface="Microsoft YaHei" panose="020B0503020204020204" pitchFamily="34" charset="-122"/>
-                <a:ea typeface="Microsoft YaHei" panose="020B0503020204020204" pitchFamily="34" charset="-122"/>
+                <a:latin typeface="微软雅黑" panose="020B0503020204020204" pitchFamily="34" charset="-122"/>
+                <a:ea typeface="微软雅黑" panose="020B0503020204020204" pitchFamily="34" charset="-122"/>
               </a:rPr>
             </a:br>
             <a:endParaRPr lang="zh-CN" altLang="en-US" dirty="0"/>
@@ -7927,13 +7913,7 @@
       </p:sp>
       <p:sp>
         <p:nvSpPr>
-          <p:cNvPr id="7" name="矩形 6">
-            <a:extLst>
-              <a:ext uri="{FF2B5EF4-FFF2-40B4-BE49-F238E27FC236}">
-                <a16:creationId xmlns:a16="http://schemas.microsoft.com/office/drawing/2014/main" id="{EDC20A00-90FA-EBD8-4D86-F669BBC45D35}"/>
-              </a:ext>
-            </a:extLst>
-          </p:cNvPr>
+          <p:cNvPr id="7" name="矩形 6"/>
           <p:cNvSpPr/>
           <p:nvPr/>
         </p:nvSpPr>
@@ -7990,13 +7970,7 @@
       </p:sp>
       <p:sp>
         <p:nvSpPr>
-          <p:cNvPr id="8" name="矩形 7">
-            <a:extLst>
-              <a:ext uri="{FF2B5EF4-FFF2-40B4-BE49-F238E27FC236}">
-                <a16:creationId xmlns:a16="http://schemas.microsoft.com/office/drawing/2014/main" id="{42038525-23A9-8687-F141-5976CD508366}"/>
-              </a:ext>
-            </a:extLst>
-          </p:cNvPr>
+          <p:cNvPr id="8" name="矩形 7"/>
           <p:cNvSpPr/>
           <p:nvPr/>
         </p:nvSpPr>
@@ -8043,8 +8017,8 @@
               <a:solidFill>
                 <a:srgbClr val="191919"/>
               </a:solidFill>
-              <a:latin typeface="Microsoft YaHei" panose="020B0503020204020204" pitchFamily="34" charset="-122"/>
-              <a:ea typeface="Microsoft YaHei" panose="020B0503020204020204" pitchFamily="34" charset="-122"/>
+              <a:latin typeface="微软雅黑" panose="020B0503020204020204" pitchFamily="34" charset="-122"/>
+              <a:ea typeface="微软雅黑" panose="020B0503020204020204" pitchFamily="34" charset="-122"/>
             </a:endParaRPr>
           </a:p>
           <a:p>
@@ -8059,8 +8033,8 @@
                   <a:srgbClr val="191919"/>
                 </a:solidFill>
                 <a:effectLst/>
-                <a:latin typeface="Microsoft YaHei" panose="020B0503020204020204" pitchFamily="34" charset="-122"/>
-                <a:ea typeface="Microsoft YaHei" panose="020B0503020204020204" pitchFamily="34" charset="-122"/>
+                <a:latin typeface="微软雅黑" panose="020B0503020204020204" pitchFamily="34" charset="-122"/>
+                <a:ea typeface="微软雅黑" panose="020B0503020204020204" pitchFamily="34" charset="-122"/>
               </a:rPr>
               <a:t>left</a:t>
             </a:r>
@@ -8080,8 +8054,8 @@
                   <a:srgbClr val="191919"/>
                 </a:solidFill>
                 <a:effectLst/>
-                <a:latin typeface="Microsoft YaHei" panose="020B0503020204020204" pitchFamily="34" charset="-122"/>
-                <a:ea typeface="Microsoft YaHei" panose="020B0503020204020204" pitchFamily="34" charset="-122"/>
+                <a:latin typeface="微软雅黑" panose="020B0503020204020204" pitchFamily="34" charset="-122"/>
+                <a:ea typeface="微软雅黑" panose="020B0503020204020204" pitchFamily="34" charset="-122"/>
               </a:rPr>
               <a:t>right</a:t>
             </a:r>
@@ -8096,8 +8070,8 @@
                   <a:srgbClr val="191919"/>
                 </a:solidFill>
                 <a:effectLst/>
-                <a:latin typeface="Microsoft YaHei" panose="020B0503020204020204" pitchFamily="34" charset="-122"/>
-                <a:ea typeface="Microsoft YaHei" panose="020B0503020204020204" pitchFamily="34" charset="-122"/>
+                <a:latin typeface="微软雅黑" panose="020B0503020204020204" pitchFamily="34" charset="-122"/>
+                <a:ea typeface="微软雅黑" panose="020B0503020204020204" pitchFamily="34" charset="-122"/>
               </a:rPr>
               <a:t>                        first</a:t>
             </a:r>
@@ -8107,8 +8081,8 @@
                   <a:srgbClr val="191919"/>
                 </a:solidFill>
                 <a:effectLst/>
-                <a:latin typeface="Microsoft YaHei" panose="020B0503020204020204" pitchFamily="34" charset="-122"/>
-                <a:ea typeface="Microsoft YaHei" panose="020B0503020204020204" pitchFamily="34" charset="-122"/>
+                <a:latin typeface="微软雅黑" panose="020B0503020204020204" pitchFamily="34" charset="-122"/>
+                <a:ea typeface="微软雅黑" panose="020B0503020204020204" pitchFamily="34" charset="-122"/>
               </a:rPr>
             </a:br>
             <a:endParaRPr lang="zh-CN" altLang="en-US" dirty="0"/>
@@ -8157,6 +8131,36 @@
           <p:nvPr/>
         </p:nvPicPr>
         <p:blipFill>
+          <a:blip r:embed="rId1">
+            <a:extLst>
+              <a:ext uri="{96DAC541-7B7A-43D3-8B79-37D633B846F1}">
+                <asvg:svgBlip xmlns:asvg="http://schemas.microsoft.com/office/drawing/2016/SVG/main" r:embed="rId2"/>
+              </a:ext>
+            </a:extLst>
+          </a:blip>
+          <a:stretch>
+            <a:fillRect/>
+          </a:stretch>
+        </p:blipFill>
+        <p:spPr>
+          <a:xfrm>
+            <a:off x="0" y="2535650"/>
+            <a:ext cx="6650804" cy="5797148"/>
+          </a:xfrm>
+          <a:prstGeom prst="rect">
+            <a:avLst/>
+          </a:prstGeom>
+        </p:spPr>
+      </p:pic>
+      <p:pic>
+        <p:nvPicPr>
+          <p:cNvPr id="3" name="Image 1" descr="preencoded.png"/>
+          <p:cNvPicPr>
+            <a:picLocks noChangeAspect="1"/>
+          </p:cNvPicPr>
+          <p:nvPr/>
+        </p:nvPicPr>
+        <p:blipFill>
           <a:blip r:embed="rId3">
             <a:extLst>
               <a:ext uri="{96DAC541-7B7A-43D3-8B79-37D633B846F1}">
@@ -8170,17 +8174,84 @@
         </p:blipFill>
         <p:spPr>
           <a:xfrm>
-            <a:off x="0" y="2535650"/>
-            <a:ext cx="6650804" cy="5797148"/>
+            <a:off x="17302997" y="3977216"/>
+            <a:ext cx="329134" cy="1921087"/>
           </a:xfrm>
           <a:prstGeom prst="rect">
             <a:avLst/>
           </a:prstGeom>
         </p:spPr>
       </p:pic>
+      <p:sp>
+        <p:nvSpPr>
+          <p:cNvPr id="4" name="Text 0"/>
+          <p:cNvSpPr/>
+          <p:nvPr/>
+        </p:nvSpPr>
+        <p:spPr>
+          <a:xfrm>
+            <a:off x="1487290" y="3785616"/>
+            <a:ext cx="4818015" cy="2304288"/>
+          </a:xfrm>
+          <a:prstGeom prst="rect">
+            <a:avLst/>
+          </a:prstGeom>
+          <a:noFill/>
+        </p:spPr>
+        <p:txBody>
+          <a:bodyPr wrap="square" lIns="95250" tIns="95250" rIns="95250" bIns="95250" rtlCol="0" anchor="t">
+            <a:spAutoFit/>
+          </a:bodyPr>
+          <a:lstStyle/>
+          <a:p>
+            <a:pPr>
+              <a:lnSpc>
+                <a:spcPct val="120000"/>
+              </a:lnSpc>
+              <a:spcBef>
+                <a:spcPts val="375"/>
+              </a:spcBef>
+            </a:pPr>
+            <a:r>
+              <a:rPr lang="en-US" sz="6000" dirty="0">
+                <a:solidFill>
+                  <a:srgbClr val="EFCA81"/>
+                </a:solidFill>
+                <a:latin typeface="微软雅黑" panose="020B0503020204020204" pitchFamily="34" charset="-122"/>
+                <a:ea typeface="微软雅黑" panose="020B0503020204020204" pitchFamily="34" charset="-122"/>
+                <a:cs typeface="微软雅黑" panose="020B0503020204020204" pitchFamily="34" charset="-120"/>
+              </a:rPr>
+              <a:t>目录 </a:t>
+            </a:r>
+            <a:endParaRPr lang="en-US" sz="3000" dirty="0"/>
+          </a:p>
+          <a:p>
+            <a:pPr>
+              <a:lnSpc>
+                <a:spcPct val="120000"/>
+              </a:lnSpc>
+              <a:spcBef>
+                <a:spcPts val="375"/>
+              </a:spcBef>
+            </a:pPr>
+            <a:r>
+              <a:rPr lang="en-US" sz="6000" dirty="0">
+                <a:solidFill>
+                  <a:srgbClr val="EFCA81"/>
+                </a:solidFill>
+                <a:latin typeface="微软雅黑" panose="020B0503020204020204" pitchFamily="34" charset="-122"/>
+                <a:ea typeface="微软雅黑" panose="020B0503020204020204" pitchFamily="34" charset="-122"/>
+                <a:cs typeface="微软雅黑" panose="020B0503020204020204" pitchFamily="34" charset="-120"/>
+              </a:rPr>
+              <a:t>CONTENTS</a:t>
+            </a:r>
+            <a:endParaRPr lang="en-US" sz="3000" dirty="0"/>
+          </a:p>
+        </p:txBody>
+      </p:sp>
       <p:pic>
         <p:nvPicPr>
-          <p:cNvPr id="3" name="Image 1" descr="preencoded.png"/>
+          <p:cNvPr id="5" name="Image 2" descr="preencoded.png"/>
           <p:cNvPicPr>
             <a:picLocks noChangeAspect="1"/>
           </p:cNvPicPr>
@@ -8200,84 +8271,17 @@
         </p:blipFill>
         <p:spPr>
           <a:xfrm>
-            <a:off x="17302997" y="3977216"/>
-            <a:ext cx="329134" cy="1921087"/>
+            <a:off x="590197" y="4168630"/>
+            <a:ext cx="440981" cy="440981"/>
           </a:xfrm>
           <a:prstGeom prst="rect">
             <a:avLst/>
           </a:prstGeom>
         </p:spPr>
       </p:pic>
-      <p:sp>
-        <p:nvSpPr>
-          <p:cNvPr id="4" name="Text 0"/>
-          <p:cNvSpPr/>
-          <p:nvPr/>
-        </p:nvSpPr>
-        <p:spPr>
-          <a:xfrm>
-            <a:off x="1487290" y="3785616"/>
-            <a:ext cx="4818015" cy="2304288"/>
-          </a:xfrm>
-          <a:prstGeom prst="rect">
-            <a:avLst/>
-          </a:prstGeom>
-          <a:noFill/>
-        </p:spPr>
-        <p:txBody>
-          <a:bodyPr wrap="square" lIns="95250" tIns="95250" rIns="95250" bIns="95250" rtlCol="0" anchor="t">
-            <a:spAutoFit/>
-          </a:bodyPr>
-          <a:lstStyle/>
-          <a:p>
-            <a:pPr>
-              <a:lnSpc>
-                <a:spcPct val="120000"/>
-              </a:lnSpc>
-              <a:spcBef>
-                <a:spcPts val="375"/>
-              </a:spcBef>
-            </a:pPr>
-            <a:r>
-              <a:rPr lang="en-US" sz="6000" dirty="0">
-                <a:solidFill>
-                  <a:srgbClr val="EFCA81"/>
-                </a:solidFill>
-                <a:latin typeface="微软雅黑" panose="020B0503020204020204" pitchFamily="34" charset="-122"/>
-                <a:ea typeface="微软雅黑" panose="020B0503020204020204" pitchFamily="34" charset="-122"/>
-                <a:cs typeface="微软雅黑" panose="020B0503020204020204" pitchFamily="34" charset="-120"/>
-              </a:rPr>
-              <a:t>目录 </a:t>
-            </a:r>
-            <a:endParaRPr lang="en-US" sz="3000" dirty="0"/>
-          </a:p>
-          <a:p>
-            <a:pPr>
-              <a:lnSpc>
-                <a:spcPct val="120000"/>
-              </a:lnSpc>
-              <a:spcBef>
-                <a:spcPts val="375"/>
-              </a:spcBef>
-            </a:pPr>
-            <a:r>
-              <a:rPr lang="en-US" sz="6000" dirty="0">
-                <a:solidFill>
-                  <a:srgbClr val="EFCA81"/>
-                </a:solidFill>
-                <a:latin typeface="微软雅黑" panose="020B0503020204020204" pitchFamily="34" charset="-122"/>
-                <a:ea typeface="微软雅黑" panose="020B0503020204020204" pitchFamily="34" charset="-122"/>
-                <a:cs typeface="微软雅黑" panose="020B0503020204020204" pitchFamily="34" charset="-120"/>
-              </a:rPr>
-              <a:t>CONTENTS</a:t>
-            </a:r>
-            <a:endParaRPr lang="en-US" sz="3000" dirty="0"/>
-          </a:p>
-        </p:txBody>
-      </p:sp>
       <p:pic>
         <p:nvPicPr>
-          <p:cNvPr id="5" name="Image 2" descr="preencoded.png"/>
+          <p:cNvPr id="6" name="Image 3" descr="preencoded.png"/>
           <p:cNvPicPr>
             <a:picLocks noChangeAspect="1"/>
           </p:cNvPicPr>
@@ -8297,7 +8301,7 @@
         </p:blipFill>
         <p:spPr>
           <a:xfrm>
-            <a:off x="590197" y="4168630"/>
+            <a:off x="774794" y="4168630"/>
             <a:ext cx="440981" cy="440981"/>
           </a:xfrm>
           <a:prstGeom prst="rect">
@@ -8305,9 +8309,33 @@
           </a:prstGeom>
         </p:spPr>
       </p:pic>
+      <p:sp>
+        <p:nvSpPr>
+          <p:cNvPr id="7" name="Text 1"/>
+          <p:cNvSpPr/>
+          <p:nvPr/>
+        </p:nvSpPr>
+        <p:spPr>
+          <a:xfrm>
+            <a:off x="774794" y="4168630"/>
+            <a:ext cx="440981" cy="440981"/>
+          </a:xfrm>
+          <a:prstGeom prst="rect">
+            <a:avLst/>
+          </a:prstGeom>
+          <a:noFill/>
+        </p:spPr>
+        <p:txBody>
+          <a:bodyPr wrap="square" rtlCol="0" anchor="ctr"/>
+          <a:lstStyle/>
+          <a:p>
+            <a:endParaRPr lang="en-US" sz="1500" dirty="0"/>
+          </a:p>
+        </p:txBody>
+      </p:sp>
       <p:pic>
         <p:nvPicPr>
-          <p:cNvPr id="6" name="Image 3" descr="preencoded.png"/>
+          <p:cNvPr id="8" name="Image 4" descr="preencoded.png"/>
           <p:cNvPicPr>
             <a:picLocks noChangeAspect="1"/>
           </p:cNvPicPr>
@@ -8327,8 +8355,8 @@
         </p:blipFill>
         <p:spPr>
           <a:xfrm>
-            <a:off x="774794" y="4168630"/>
-            <a:ext cx="440981" cy="440981"/>
+            <a:off x="9264276" y="2375630"/>
+            <a:ext cx="6050938" cy="975144"/>
           </a:xfrm>
           <a:prstGeom prst="rect">
             <a:avLst/>
@@ -8337,14 +8365,14 @@
       </p:pic>
       <p:sp>
         <p:nvSpPr>
-          <p:cNvPr id="7" name="Text 1"/>
+          <p:cNvPr id="9" name="Text 2"/>
           <p:cNvSpPr/>
           <p:nvPr/>
         </p:nvSpPr>
         <p:spPr>
           <a:xfrm>
-            <a:off x="774794" y="4168630"/>
-            <a:ext cx="440981" cy="440981"/>
+            <a:off x="9264276" y="2375630"/>
+            <a:ext cx="6050938" cy="975144"/>
           </a:xfrm>
           <a:prstGeom prst="rect">
             <a:avLst/>
@@ -8355,13 +8383,35 @@
           <a:bodyPr wrap="square" rtlCol="0" anchor="ctr"/>
           <a:lstStyle/>
           <a:p>
+            <a:r>
+              <a:rPr lang="en-US" sz="3000" b="1" dirty="0">
+                <a:solidFill>
+                  <a:srgbClr val="EFCA81"/>
+                </a:solidFill>
+                <a:latin typeface="微软雅黑" panose="020B0503020204020204" pitchFamily="34" charset="-122"/>
+                <a:ea typeface="微软雅黑" panose="020B0503020204020204" pitchFamily="34" charset="-122"/>
+                <a:cs typeface="微软雅黑" panose="020B0503020204020204" pitchFamily="34" charset="-120"/>
+              </a:rPr>
+              <a:t>01. </a:t>
+            </a:r>
+            <a:r>
+              <a:rPr lang="zh-CN" altLang="en-US" sz="3000" b="1" dirty="0">
+                <a:solidFill>
+                  <a:srgbClr val="EFCA81"/>
+                </a:solidFill>
+                <a:latin typeface="微软雅黑" panose="020B0503020204020204" pitchFamily="34" charset="-122"/>
+                <a:ea typeface="微软雅黑" panose="020B0503020204020204" pitchFamily="34" charset="-122"/>
+                <a:cs typeface="微软雅黑" panose="020B0503020204020204" pitchFamily="34" charset="-120"/>
+              </a:rPr>
+              <a:t>代码框架和分工</a:t>
+            </a:r>
             <a:endParaRPr lang="en-US" sz="1500" dirty="0"/>
           </a:p>
         </p:txBody>
       </p:sp>
       <p:pic>
         <p:nvPicPr>
-          <p:cNvPr id="8" name="Image 4" descr="preencoded.png"/>
+          <p:cNvPr id="10" name="Image 5" descr="preencoded.png"/>
           <p:cNvPicPr>
             <a:picLocks noChangeAspect="1"/>
           </p:cNvPicPr>
@@ -8381,63 +8431,17 @@
         </p:blipFill>
         <p:spPr>
           <a:xfrm>
-            <a:off x="9264276" y="2375630"/>
-            <a:ext cx="6050938" cy="975144"/>
+            <a:off x="8305477" y="2595780"/>
+            <a:ext cx="554827" cy="554827"/>
           </a:xfrm>
           <a:prstGeom prst="rect">
             <a:avLst/>
           </a:prstGeom>
         </p:spPr>
       </p:pic>
-      <p:sp>
-        <p:nvSpPr>
-          <p:cNvPr id="9" name="Text 2"/>
-          <p:cNvSpPr/>
-          <p:nvPr/>
-        </p:nvSpPr>
-        <p:spPr>
-          <a:xfrm>
-            <a:off x="9264276" y="2375630"/>
-            <a:ext cx="6050938" cy="975144"/>
-          </a:xfrm>
-          <a:prstGeom prst="rect">
-            <a:avLst/>
-          </a:prstGeom>
-          <a:noFill/>
-        </p:spPr>
-        <p:txBody>
-          <a:bodyPr wrap="square" rtlCol="0" anchor="ctr"/>
-          <a:lstStyle/>
-          <a:p>
-            <a:r>
-              <a:rPr lang="en-US" sz="3000" b="1" dirty="0">
-                <a:solidFill>
-                  <a:srgbClr val="EFCA81"/>
-                </a:solidFill>
-                <a:latin typeface="微软雅黑" panose="020B0503020204020204" pitchFamily="34" charset="-122"/>
-                <a:ea typeface="微软雅黑" panose="020B0503020204020204" pitchFamily="34" charset="-122"/>
-                <a:cs typeface="微软雅黑" panose="020B0503020204020204" pitchFamily="34" charset="-120"/>
-              </a:rPr>
-              <a:t>01. </a:t>
-            </a:r>
-            <a:r>
-              <a:rPr lang="zh-CN" altLang="en-US" sz="3000" b="1" dirty="0">
-                <a:solidFill>
-                  <a:srgbClr val="EFCA81"/>
-                </a:solidFill>
-                <a:latin typeface="微软雅黑" panose="020B0503020204020204" pitchFamily="34" charset="-122"/>
-                <a:ea typeface="微软雅黑" panose="020B0503020204020204" pitchFamily="34" charset="-122"/>
-                <a:cs typeface="微软雅黑" panose="020B0503020204020204" pitchFamily="34" charset="-120"/>
-              </a:rPr>
-              <a:t>代码框架和分工</a:t>
-            </a:r>
-            <a:endParaRPr lang="en-US" sz="1500" dirty="0"/>
-          </a:p>
-        </p:txBody>
-      </p:sp>
       <p:pic>
         <p:nvPicPr>
-          <p:cNvPr id="10" name="Image 5" descr="preencoded.png"/>
+          <p:cNvPr id="11" name="Image 6" descr="preencoded.png"/>
           <p:cNvPicPr>
             <a:picLocks noChangeAspect="1"/>
           </p:cNvPicPr>
@@ -8457,7 +8461,7 @@
         </p:blipFill>
         <p:spPr>
           <a:xfrm>
-            <a:off x="8305477" y="2595780"/>
+            <a:off x="8537731" y="2595780"/>
             <a:ext cx="554827" cy="554827"/>
           </a:xfrm>
           <a:prstGeom prst="rect">
@@ -8465,19 +8469,43 @@
           </a:prstGeom>
         </p:spPr>
       </p:pic>
+      <p:sp>
+        <p:nvSpPr>
+          <p:cNvPr id="12" name="Text 3"/>
+          <p:cNvSpPr/>
+          <p:nvPr/>
+        </p:nvSpPr>
+        <p:spPr>
+          <a:xfrm>
+            <a:off x="8524396" y="2317015"/>
+            <a:ext cx="554827" cy="554827"/>
+          </a:xfrm>
+          <a:prstGeom prst="rect">
+            <a:avLst/>
+          </a:prstGeom>
+          <a:noFill/>
+        </p:spPr>
+        <p:txBody>
+          <a:bodyPr wrap="square" rtlCol="0" anchor="ctr"/>
+          <a:lstStyle/>
+          <a:p>
+            <a:endParaRPr lang="en-US" sz="1500" dirty="0"/>
+          </a:p>
+        </p:txBody>
+      </p:sp>
       <p:pic>
         <p:nvPicPr>
-          <p:cNvPr id="11" name="Image 6" descr="preencoded.png"/>
+          <p:cNvPr id="13" name="Image 7" descr="preencoded.png"/>
           <p:cNvPicPr>
             <a:picLocks noChangeAspect="1"/>
           </p:cNvPicPr>
           <p:nvPr/>
         </p:nvPicPr>
         <p:blipFill>
-          <a:blip r:embed="rId15">
+          <a:blip r:embed="rId9">
             <a:extLst>
               <a:ext uri="{96DAC541-7B7A-43D3-8B79-37D633B846F1}">
-                <asvg:svgBlip xmlns:asvg="http://schemas.microsoft.com/office/drawing/2016/SVG/main" r:embed="rId16"/>
+                <asvg:svgBlip xmlns:asvg="http://schemas.microsoft.com/office/drawing/2016/SVG/main" r:embed="rId10"/>
               </a:ext>
             </a:extLst>
           </a:blip>
@@ -8487,8 +8515,8 @@
         </p:blipFill>
         <p:spPr>
           <a:xfrm>
-            <a:off x="8537731" y="2595780"/>
-            <a:ext cx="554827" cy="554827"/>
+            <a:off x="9264276" y="3641938"/>
+            <a:ext cx="6050938" cy="975144"/>
           </a:xfrm>
           <a:prstGeom prst="rect">
             <a:avLst/>
@@ -8497,14 +8525,14 @@
       </p:pic>
       <p:sp>
         <p:nvSpPr>
-          <p:cNvPr id="12" name="Text 3"/>
+          <p:cNvPr id="14" name="Text 4"/>
           <p:cNvSpPr/>
           <p:nvPr/>
         </p:nvSpPr>
         <p:spPr>
           <a:xfrm>
-            <a:off x="8524396" y="2317015"/>
-            <a:ext cx="554827" cy="554827"/>
+            <a:off x="9264276" y="3573557"/>
+            <a:ext cx="6050938" cy="975144"/>
           </a:xfrm>
           <a:prstGeom prst="rect">
             <a:avLst/>
@@ -8515,13 +8543,46 @@
           <a:bodyPr wrap="square" rtlCol="0" anchor="ctr"/>
           <a:lstStyle/>
           <a:p>
+            <a:r>
+              <a:rPr lang="en-US" sz="3000" b="1" dirty="0">
+                <a:solidFill>
+                  <a:srgbClr val="EFCA81"/>
+                </a:solidFill>
+                <a:latin typeface="微软雅黑" panose="020B0503020204020204" pitchFamily="34" charset="-122"/>
+                <a:ea typeface="微软雅黑" panose="020B0503020204020204" pitchFamily="34" charset="-122"/>
+                <a:cs typeface="微软雅黑" panose="020B0503020204020204" pitchFamily="34" charset="-120"/>
+              </a:rPr>
+              <a:t>02. </a:t>
+            </a:r>
+            <a:r>
+              <a:rPr lang="zh-CN" altLang="en-US" sz="3000" b="1" dirty="0">
+                <a:solidFill>
+                  <a:srgbClr val="EFCA81"/>
+                </a:solidFill>
+                <a:latin typeface="微软雅黑" panose="020B0503020204020204" pitchFamily="34" charset="-122"/>
+                <a:ea typeface="微软雅黑" panose="020B0503020204020204" pitchFamily="34" charset="-122"/>
+                <a:cs typeface="微软雅黑" panose="020B0503020204020204" pitchFamily="34" charset="-120"/>
+              </a:rPr>
+              <a:t>词法分析器实现过程</a:t>
+            </a:r>
+            <a:r>
+              <a:rPr lang="en-US" sz="3000" b="1" dirty="0">
+                <a:solidFill>
+                  <a:srgbClr val="EFCA81"/>
+                </a:solidFill>
+                <a:latin typeface="微软雅黑" panose="020B0503020204020204" pitchFamily="34" charset="-122"/>
+                <a:ea typeface="微软雅黑" panose="020B0503020204020204" pitchFamily="34" charset="-122"/>
+                <a:cs typeface="微软雅黑" panose="020B0503020204020204" pitchFamily="34" charset="-120"/>
+              </a:rPr>
+              <a:t> </a:t>
+            </a:r>
             <a:endParaRPr lang="en-US" sz="1500" dirty="0"/>
           </a:p>
         </p:txBody>
       </p:sp>
       <p:pic>
         <p:nvPicPr>
-          <p:cNvPr id="13" name="Image 7" descr="preencoded.png"/>
+          <p:cNvPr id="15" name="Image 8" descr="preencoded.png"/>
           <p:cNvPicPr>
             <a:picLocks noChangeAspect="1"/>
           </p:cNvPicPr>
@@ -8541,74 +8602,17 @@
         </p:blipFill>
         <p:spPr>
           <a:xfrm>
-            <a:off x="9264276" y="3641938"/>
-            <a:ext cx="6050938" cy="975144"/>
+            <a:off x="8305477" y="3793707"/>
+            <a:ext cx="554827" cy="554827"/>
           </a:xfrm>
           <a:prstGeom prst="rect">
             <a:avLst/>
           </a:prstGeom>
         </p:spPr>
       </p:pic>
-      <p:sp>
-        <p:nvSpPr>
-          <p:cNvPr id="14" name="Text 4"/>
-          <p:cNvSpPr/>
-          <p:nvPr/>
-        </p:nvSpPr>
-        <p:spPr>
-          <a:xfrm>
-            <a:off x="9264276" y="3573557"/>
-            <a:ext cx="6050938" cy="975144"/>
-          </a:xfrm>
-          <a:prstGeom prst="rect">
-            <a:avLst/>
-          </a:prstGeom>
-          <a:noFill/>
-        </p:spPr>
-        <p:txBody>
-          <a:bodyPr wrap="square" rtlCol="0" anchor="ctr"/>
-          <a:lstStyle/>
-          <a:p>
-            <a:r>
-              <a:rPr lang="en-US" sz="3000" b="1" dirty="0">
-                <a:solidFill>
-                  <a:srgbClr val="EFCA81"/>
-                </a:solidFill>
-                <a:latin typeface="微软雅黑" panose="020B0503020204020204" pitchFamily="34" charset="-122"/>
-                <a:ea typeface="微软雅黑" panose="020B0503020204020204" pitchFamily="34" charset="-122"/>
-                <a:cs typeface="微软雅黑" panose="020B0503020204020204" pitchFamily="34" charset="-120"/>
-              </a:rPr>
-              <a:t>02. </a:t>
-            </a:r>
-            <a:r>
-              <a:rPr lang="zh-CN" altLang="en-US" sz="3000" b="1" dirty="0">
-                <a:solidFill>
-                  <a:srgbClr val="EFCA81"/>
-                </a:solidFill>
-                <a:latin typeface="微软雅黑" panose="020B0503020204020204" pitchFamily="34" charset="-122"/>
-                <a:ea typeface="微软雅黑" panose="020B0503020204020204" pitchFamily="34" charset="-122"/>
-                <a:cs typeface="微软雅黑" panose="020B0503020204020204" pitchFamily="34" charset="-120"/>
-              </a:rPr>
-              <a:t>词法分析器实现过程</a:t>
-            </a:r>
-            <a:r>
-              <a:rPr lang="en-US" sz="3000" b="1" dirty="0">
-                <a:solidFill>
-                  <a:srgbClr val="EFCA81"/>
-                </a:solidFill>
-                <a:latin typeface="微软雅黑" panose="020B0503020204020204" pitchFamily="34" charset="-122"/>
-                <a:ea typeface="微软雅黑" panose="020B0503020204020204" pitchFamily="34" charset="-122"/>
-                <a:cs typeface="微软雅黑" panose="020B0503020204020204" pitchFamily="34" charset="-120"/>
-              </a:rPr>
-              <a:t> </a:t>
-            </a:r>
-            <a:endParaRPr lang="en-US" sz="1500" dirty="0"/>
-          </a:p>
-        </p:txBody>
-      </p:sp>
       <p:pic>
         <p:nvPicPr>
-          <p:cNvPr id="15" name="Image 8" descr="preencoded.png"/>
+          <p:cNvPr id="16" name="Image 9" descr="preencoded.png"/>
           <p:cNvPicPr>
             <a:picLocks noChangeAspect="1"/>
           </p:cNvPicPr>
@@ -8628,7 +8632,7 @@
         </p:blipFill>
         <p:spPr>
           <a:xfrm>
-            <a:off x="8305477" y="3793707"/>
+            <a:off x="8537731" y="3793707"/>
             <a:ext cx="554827" cy="554827"/>
           </a:xfrm>
           <a:prstGeom prst="rect">
@@ -8636,19 +8640,43 @@
           </a:prstGeom>
         </p:spPr>
       </p:pic>
+      <p:sp>
+        <p:nvSpPr>
+          <p:cNvPr id="17" name="Text 5"/>
+          <p:cNvSpPr/>
+          <p:nvPr/>
+        </p:nvSpPr>
+        <p:spPr>
+          <a:xfrm>
+            <a:off x="8524396" y="3514942"/>
+            <a:ext cx="554827" cy="554827"/>
+          </a:xfrm>
+          <a:prstGeom prst="rect">
+            <a:avLst/>
+          </a:prstGeom>
+          <a:noFill/>
+        </p:spPr>
+        <p:txBody>
+          <a:bodyPr wrap="square" rtlCol="0" anchor="ctr"/>
+          <a:lstStyle/>
+          <a:p>
+            <a:endParaRPr lang="en-US" sz="1500" dirty="0"/>
+          </a:p>
+        </p:txBody>
+      </p:sp>
       <p:pic>
         <p:nvPicPr>
-          <p:cNvPr id="16" name="Image 9" descr="preencoded.png"/>
+          <p:cNvPr id="18" name="Image 10" descr="preencoded.png"/>
           <p:cNvPicPr>
             <a:picLocks noChangeAspect="1"/>
           </p:cNvPicPr>
           <p:nvPr/>
         </p:nvPicPr>
         <p:blipFill>
-          <a:blip r:embed="rId15">
+          <a:blip r:embed="rId9">
             <a:extLst>
               <a:ext uri="{96DAC541-7B7A-43D3-8B79-37D633B846F1}">
-                <asvg:svgBlip xmlns:asvg="http://schemas.microsoft.com/office/drawing/2016/SVG/main" r:embed="rId16"/>
+                <asvg:svgBlip xmlns:asvg="http://schemas.microsoft.com/office/drawing/2016/SVG/main" r:embed="rId10"/>
               </a:ext>
             </a:extLst>
           </a:blip>
@@ -8658,8 +8686,8 @@
         </p:blipFill>
         <p:spPr>
           <a:xfrm>
-            <a:off x="8537731" y="3793707"/>
-            <a:ext cx="554827" cy="554827"/>
+            <a:off x="9264276" y="4771484"/>
+            <a:ext cx="6050938" cy="975144"/>
           </a:xfrm>
           <a:prstGeom prst="rect">
             <a:avLst/>
@@ -8668,14 +8696,14 @@
       </p:pic>
       <p:sp>
         <p:nvSpPr>
-          <p:cNvPr id="17" name="Text 5"/>
+          <p:cNvPr id="19" name="Text 6"/>
           <p:cNvSpPr/>
           <p:nvPr/>
         </p:nvSpPr>
         <p:spPr>
           <a:xfrm>
-            <a:off x="8524396" y="3514942"/>
-            <a:ext cx="554827" cy="554827"/>
+            <a:off x="9264276" y="4771484"/>
+            <a:ext cx="6050938" cy="975144"/>
           </a:xfrm>
           <a:prstGeom prst="rect">
             <a:avLst/>
@@ -8686,13 +8714,35 @@
           <a:bodyPr wrap="square" rtlCol="0" anchor="ctr"/>
           <a:lstStyle/>
           <a:p>
+            <a:r>
+              <a:rPr lang="en-US" sz="3000" b="1" dirty="0">
+                <a:solidFill>
+                  <a:srgbClr val="EFCA81"/>
+                </a:solidFill>
+                <a:latin typeface="微软雅黑" panose="020B0503020204020204" pitchFamily="34" charset="-122"/>
+                <a:ea typeface="微软雅黑" panose="020B0503020204020204" pitchFamily="34" charset="-122"/>
+                <a:cs typeface="微软雅黑" panose="020B0503020204020204" pitchFamily="34" charset="-120"/>
+              </a:rPr>
+              <a:t>03. </a:t>
+            </a:r>
+            <a:r>
+              <a:rPr lang="zh-CN" altLang="en-US" sz="3000" b="1" dirty="0">
+                <a:solidFill>
+                  <a:srgbClr val="EFCA81"/>
+                </a:solidFill>
+                <a:latin typeface="微软雅黑" panose="020B0503020204020204" pitchFamily="34" charset="-122"/>
+                <a:ea typeface="微软雅黑" panose="020B0503020204020204" pitchFamily="34" charset="-122"/>
+                <a:cs typeface="微软雅黑" panose="020B0503020204020204" pitchFamily="34" charset="-120"/>
+              </a:rPr>
+              <a:t>语法分析器实现过程</a:t>
+            </a:r>
             <a:endParaRPr lang="en-US" sz="1500" dirty="0"/>
           </a:p>
         </p:txBody>
       </p:sp>
       <p:pic>
         <p:nvPicPr>
-          <p:cNvPr id="18" name="Image 10" descr="preencoded.png"/>
+          <p:cNvPr id="20" name="Image 11" descr="preencoded.png"/>
           <p:cNvPicPr>
             <a:picLocks noChangeAspect="1"/>
           </p:cNvPicPr>
@@ -8712,63 +8762,17 @@
         </p:blipFill>
         <p:spPr>
           <a:xfrm>
-            <a:off x="9264276" y="4771484"/>
-            <a:ext cx="6050938" cy="975144"/>
+            <a:off x="8305477" y="4991633"/>
+            <a:ext cx="554827" cy="554827"/>
           </a:xfrm>
           <a:prstGeom prst="rect">
             <a:avLst/>
           </a:prstGeom>
         </p:spPr>
       </p:pic>
-      <p:sp>
-        <p:nvSpPr>
-          <p:cNvPr id="19" name="Text 6"/>
-          <p:cNvSpPr/>
-          <p:nvPr/>
-        </p:nvSpPr>
-        <p:spPr>
-          <a:xfrm>
-            <a:off x="9264276" y="4771484"/>
-            <a:ext cx="6050938" cy="975144"/>
-          </a:xfrm>
-          <a:prstGeom prst="rect">
-            <a:avLst/>
-          </a:prstGeom>
-          <a:noFill/>
-        </p:spPr>
-        <p:txBody>
-          <a:bodyPr wrap="square" rtlCol="0" anchor="ctr"/>
-          <a:lstStyle/>
-          <a:p>
-            <a:r>
-              <a:rPr lang="en-US" sz="3000" b="1" dirty="0">
-                <a:solidFill>
-                  <a:srgbClr val="EFCA81"/>
-                </a:solidFill>
-                <a:latin typeface="微软雅黑" panose="020B0503020204020204" pitchFamily="34" charset="-122"/>
-                <a:ea typeface="微软雅黑" panose="020B0503020204020204" pitchFamily="34" charset="-122"/>
-                <a:cs typeface="微软雅黑" panose="020B0503020204020204" pitchFamily="34" charset="-120"/>
-              </a:rPr>
-              <a:t>03. </a:t>
-            </a:r>
-            <a:r>
-              <a:rPr lang="zh-CN" altLang="en-US" sz="3000" b="1" dirty="0">
-                <a:solidFill>
-                  <a:srgbClr val="EFCA81"/>
-                </a:solidFill>
-                <a:latin typeface="微软雅黑" panose="020B0503020204020204" pitchFamily="34" charset="-122"/>
-                <a:ea typeface="微软雅黑" panose="020B0503020204020204" pitchFamily="34" charset="-122"/>
-                <a:cs typeface="微软雅黑" panose="020B0503020204020204" pitchFamily="34" charset="-120"/>
-              </a:rPr>
-              <a:t>语法分析器实现过程</a:t>
-            </a:r>
-            <a:endParaRPr lang="en-US" sz="1500" dirty="0"/>
-          </a:p>
-        </p:txBody>
-      </p:sp>
       <p:pic>
         <p:nvPicPr>
-          <p:cNvPr id="20" name="Image 11" descr="preencoded.png"/>
+          <p:cNvPr id="21" name="Image 12" descr="preencoded.png"/>
           <p:cNvPicPr>
             <a:picLocks noChangeAspect="1"/>
           </p:cNvPicPr>
@@ -8788,7 +8792,7 @@
         </p:blipFill>
         <p:spPr>
           <a:xfrm>
-            <a:off x="8305477" y="4991633"/>
+            <a:off x="8537731" y="4991633"/>
             <a:ext cx="554827" cy="554827"/>
           </a:xfrm>
           <a:prstGeom prst="rect">
@@ -8796,19 +8800,43 @@
           </a:prstGeom>
         </p:spPr>
       </p:pic>
+      <p:sp>
+        <p:nvSpPr>
+          <p:cNvPr id="22" name="Text 7"/>
+          <p:cNvSpPr/>
+          <p:nvPr/>
+        </p:nvSpPr>
+        <p:spPr>
+          <a:xfrm>
+            <a:off x="8524396" y="4712868"/>
+            <a:ext cx="554827" cy="554827"/>
+          </a:xfrm>
+          <a:prstGeom prst="rect">
+            <a:avLst/>
+          </a:prstGeom>
+          <a:noFill/>
+        </p:spPr>
+        <p:txBody>
+          <a:bodyPr wrap="square" rtlCol="0" anchor="ctr"/>
+          <a:lstStyle/>
+          <a:p>
+            <a:endParaRPr lang="en-US" sz="1500" dirty="0"/>
+          </a:p>
+        </p:txBody>
+      </p:sp>
       <p:pic>
         <p:nvPicPr>
-          <p:cNvPr id="21" name="Image 12" descr="preencoded.png"/>
+          <p:cNvPr id="23" name="Image 13" descr="preencoded.png"/>
           <p:cNvPicPr>
             <a:picLocks noChangeAspect="1"/>
           </p:cNvPicPr>
           <p:nvPr/>
         </p:nvPicPr>
         <p:blipFill>
-          <a:blip r:embed="rId15">
+          <a:blip r:embed="rId9">
             <a:extLst>
               <a:ext uri="{96DAC541-7B7A-43D3-8B79-37D633B846F1}">
-                <asvg:svgBlip xmlns:asvg="http://schemas.microsoft.com/office/drawing/2016/SVG/main" r:embed="rId16"/>
+                <asvg:svgBlip xmlns:asvg="http://schemas.microsoft.com/office/drawing/2016/SVG/main" r:embed="rId10"/>
               </a:ext>
             </a:extLst>
           </a:blip>
@@ -8818,8 +8846,8 @@
         </p:blipFill>
         <p:spPr>
           <a:xfrm>
-            <a:off x="8537731" y="4991633"/>
-            <a:ext cx="554827" cy="554827"/>
+            <a:off x="9264276" y="5969410"/>
+            <a:ext cx="6050938" cy="975144"/>
           </a:xfrm>
           <a:prstGeom prst="rect">
             <a:avLst/>
@@ -8828,14 +8856,14 @@
       </p:pic>
       <p:sp>
         <p:nvSpPr>
-          <p:cNvPr id="22" name="Text 7"/>
+          <p:cNvPr id="24" name="Text 8"/>
           <p:cNvSpPr/>
           <p:nvPr/>
         </p:nvSpPr>
         <p:spPr>
           <a:xfrm>
-            <a:off x="8524396" y="4712868"/>
-            <a:ext cx="554827" cy="554827"/>
+            <a:off x="9264276" y="5969410"/>
+            <a:ext cx="6050938" cy="975144"/>
           </a:xfrm>
           <a:prstGeom prst="rect">
             <a:avLst/>
@@ -8846,13 +8874,35 @@
           <a:bodyPr wrap="square" rtlCol="0" anchor="ctr"/>
           <a:lstStyle/>
           <a:p>
+            <a:r>
+              <a:rPr lang="en-US" sz="3000" b="1" dirty="0">
+                <a:solidFill>
+                  <a:srgbClr val="EFCA81"/>
+                </a:solidFill>
+                <a:latin typeface="微软雅黑" panose="020B0503020204020204" pitchFamily="34" charset="-122"/>
+                <a:ea typeface="微软雅黑" panose="020B0503020204020204" pitchFamily="34" charset="-122"/>
+                <a:cs typeface="微软雅黑" panose="020B0503020204020204" pitchFamily="34" charset="-120"/>
+              </a:rPr>
+              <a:t>04. </a:t>
+            </a:r>
+            <a:r>
+              <a:rPr lang="zh-CN" altLang="en-US" sz="3000" b="1" dirty="0">
+                <a:solidFill>
+                  <a:srgbClr val="EFCA81"/>
+                </a:solidFill>
+                <a:latin typeface="微软雅黑" panose="020B0503020204020204" pitchFamily="34" charset="-122"/>
+                <a:ea typeface="微软雅黑" panose="020B0503020204020204" pitchFamily="34" charset="-122"/>
+                <a:cs typeface="微软雅黑" panose="020B0503020204020204" pitchFamily="34" charset="-120"/>
+              </a:rPr>
+              <a:t>难点攻克</a:t>
+            </a:r>
             <a:endParaRPr lang="en-US" sz="1500" dirty="0"/>
           </a:p>
         </p:txBody>
       </p:sp>
       <p:pic>
         <p:nvPicPr>
-          <p:cNvPr id="23" name="Image 13" descr="preencoded.png"/>
+          <p:cNvPr id="25" name="Image 14" descr="preencoded.png"/>
           <p:cNvPicPr>
             <a:picLocks noChangeAspect="1"/>
           </p:cNvPicPr>
@@ -8872,63 +8922,17 @@
         </p:blipFill>
         <p:spPr>
           <a:xfrm>
-            <a:off x="9264276" y="5969410"/>
-            <a:ext cx="6050938" cy="975144"/>
+            <a:off x="8305477" y="6189560"/>
+            <a:ext cx="554827" cy="554827"/>
           </a:xfrm>
           <a:prstGeom prst="rect">
             <a:avLst/>
           </a:prstGeom>
         </p:spPr>
       </p:pic>
-      <p:sp>
-        <p:nvSpPr>
-          <p:cNvPr id="24" name="Text 8"/>
-          <p:cNvSpPr/>
-          <p:nvPr/>
-        </p:nvSpPr>
-        <p:spPr>
-          <a:xfrm>
-            <a:off x="9264276" y="5969410"/>
-            <a:ext cx="6050938" cy="975144"/>
-          </a:xfrm>
-          <a:prstGeom prst="rect">
-            <a:avLst/>
-          </a:prstGeom>
-          <a:noFill/>
-        </p:spPr>
-        <p:txBody>
-          <a:bodyPr wrap="square" rtlCol="0" anchor="ctr"/>
-          <a:lstStyle/>
-          <a:p>
-            <a:r>
-              <a:rPr lang="en-US" sz="3000" b="1" dirty="0">
-                <a:solidFill>
-                  <a:srgbClr val="EFCA81"/>
-                </a:solidFill>
-                <a:latin typeface="微软雅黑" panose="020B0503020204020204" pitchFamily="34" charset="-122"/>
-                <a:ea typeface="微软雅黑" panose="020B0503020204020204" pitchFamily="34" charset="-122"/>
-                <a:cs typeface="微软雅黑" panose="020B0503020204020204" pitchFamily="34" charset="-120"/>
-              </a:rPr>
-              <a:t>04. </a:t>
-            </a:r>
-            <a:r>
-              <a:rPr lang="zh-CN" altLang="en-US" sz="3000" b="1" dirty="0">
-                <a:solidFill>
-                  <a:srgbClr val="EFCA81"/>
-                </a:solidFill>
-                <a:latin typeface="微软雅黑" panose="020B0503020204020204" pitchFamily="34" charset="-122"/>
-                <a:ea typeface="微软雅黑" panose="020B0503020204020204" pitchFamily="34" charset="-122"/>
-                <a:cs typeface="微软雅黑" panose="020B0503020204020204" pitchFamily="34" charset="-120"/>
-              </a:rPr>
-              <a:t>难点攻克</a:t>
-            </a:r>
-            <a:endParaRPr lang="en-US" sz="1500" dirty="0"/>
-          </a:p>
-        </p:txBody>
-      </p:sp>
       <p:pic>
         <p:nvPicPr>
-          <p:cNvPr id="25" name="Image 14" descr="preencoded.png"/>
+          <p:cNvPr id="26" name="Image 15" descr="preencoded.png"/>
           <p:cNvPicPr>
             <a:picLocks noChangeAspect="1"/>
           </p:cNvPicPr>
@@ -8948,7 +8952,7 @@
         </p:blipFill>
         <p:spPr>
           <a:xfrm>
-            <a:off x="8305477" y="6189560"/>
+            <a:off x="8537731" y="6189560"/>
             <a:ext cx="554827" cy="554827"/>
           </a:xfrm>
           <a:prstGeom prst="rect">
@@ -8956,19 +8960,43 @@
           </a:prstGeom>
         </p:spPr>
       </p:pic>
+      <p:sp>
+        <p:nvSpPr>
+          <p:cNvPr id="27" name="Text 9"/>
+          <p:cNvSpPr/>
+          <p:nvPr/>
+        </p:nvSpPr>
+        <p:spPr>
+          <a:xfrm>
+            <a:off x="8524396" y="5910795"/>
+            <a:ext cx="554827" cy="554827"/>
+          </a:xfrm>
+          <a:prstGeom prst="rect">
+            <a:avLst/>
+          </a:prstGeom>
+          <a:noFill/>
+        </p:spPr>
+        <p:txBody>
+          <a:bodyPr wrap="square" rtlCol="0" anchor="ctr"/>
+          <a:lstStyle/>
+          <a:p>
+            <a:endParaRPr lang="en-US" sz="1500" dirty="0"/>
+          </a:p>
+        </p:txBody>
+      </p:sp>
       <p:pic>
         <p:nvPicPr>
-          <p:cNvPr id="26" name="Image 15" descr="preencoded.png"/>
+          <p:cNvPr id="28" name="Image 16" descr="preencoded.png"/>
           <p:cNvPicPr>
             <a:picLocks noChangeAspect="1"/>
           </p:cNvPicPr>
           <p:nvPr/>
         </p:nvPicPr>
         <p:blipFill>
-          <a:blip r:embed="rId15">
+          <a:blip r:embed="rId9">
             <a:extLst>
               <a:ext uri="{96DAC541-7B7A-43D3-8B79-37D633B846F1}">
-                <asvg:svgBlip xmlns:asvg="http://schemas.microsoft.com/office/drawing/2016/SVG/main" r:embed="rId16"/>
+                <asvg:svgBlip xmlns:asvg="http://schemas.microsoft.com/office/drawing/2016/SVG/main" r:embed="rId10"/>
               </a:ext>
             </a:extLst>
           </a:blip>
@@ -8978,8 +9006,8 @@
         </p:blipFill>
         <p:spPr>
           <a:xfrm>
-            <a:off x="8537731" y="6189560"/>
-            <a:ext cx="554827" cy="554827"/>
+            <a:off x="9264276" y="7167337"/>
+            <a:ext cx="6050938" cy="975144"/>
           </a:xfrm>
           <a:prstGeom prst="rect">
             <a:avLst/>
@@ -8988,14 +9016,14 @@
       </p:pic>
       <p:sp>
         <p:nvSpPr>
-          <p:cNvPr id="27" name="Text 9"/>
+          <p:cNvPr id="29" name="Text 10"/>
           <p:cNvSpPr/>
           <p:nvPr/>
         </p:nvSpPr>
         <p:spPr>
           <a:xfrm>
-            <a:off x="8524396" y="5910795"/>
-            <a:ext cx="554827" cy="554827"/>
+            <a:off x="9264276" y="7167337"/>
+            <a:ext cx="6050938" cy="975144"/>
           </a:xfrm>
           <a:prstGeom prst="rect">
             <a:avLst/>
@@ -9006,13 +9034,46 @@
           <a:bodyPr wrap="square" rtlCol="0" anchor="ctr"/>
           <a:lstStyle/>
           <a:p>
+            <a:r>
+              <a:rPr lang="en-US" sz="3000" b="1" dirty="0">
+                <a:solidFill>
+                  <a:srgbClr val="EFCA81"/>
+                </a:solidFill>
+                <a:latin typeface="微软雅黑" panose="020B0503020204020204" pitchFamily="34" charset="-122"/>
+                <a:ea typeface="微软雅黑" panose="020B0503020204020204" pitchFamily="34" charset="-122"/>
+                <a:cs typeface="微软雅黑" panose="020B0503020204020204" pitchFamily="34" charset="-120"/>
+              </a:rPr>
+              <a:t>05. </a:t>
+            </a:r>
+            <a:r>
+              <a:rPr lang="en-US" sz="3000" b="1" dirty="0" err="1">
+                <a:solidFill>
+                  <a:srgbClr val="EFCA81"/>
+                </a:solidFill>
+                <a:latin typeface="微软雅黑" panose="020B0503020204020204" pitchFamily="34" charset="-122"/>
+                <a:ea typeface="微软雅黑" panose="020B0503020204020204" pitchFamily="34" charset="-122"/>
+                <a:cs typeface="微软雅黑" panose="020B0503020204020204" pitchFamily="34" charset="-120"/>
+              </a:rPr>
+              <a:t>总结</a:t>
+            </a:r>
+            <a:r>
+              <a:rPr lang="zh-CN" altLang="en-US" sz="3000" b="1" dirty="0">
+                <a:solidFill>
+                  <a:srgbClr val="EFCA81"/>
+                </a:solidFill>
+                <a:latin typeface="微软雅黑" panose="020B0503020204020204" pitchFamily="34" charset="-122"/>
+                <a:ea typeface="微软雅黑" panose="020B0503020204020204" pitchFamily="34" charset="-122"/>
+                <a:cs typeface="微软雅黑" panose="020B0503020204020204" pitchFamily="34" charset="-120"/>
+              </a:rPr>
+              <a:t>与建议</a:t>
+            </a:r>
             <a:endParaRPr lang="en-US" sz="1500" dirty="0"/>
           </a:p>
         </p:txBody>
       </p:sp>
       <p:pic>
         <p:nvPicPr>
-          <p:cNvPr id="28" name="Image 16" descr="preencoded.png"/>
+          <p:cNvPr id="30" name="Image 17" descr="preencoded.png"/>
           <p:cNvPicPr>
             <a:picLocks noChangeAspect="1"/>
           </p:cNvPicPr>
@@ -9032,93 +9093,6 @@
         </p:blipFill>
         <p:spPr>
           <a:xfrm>
-            <a:off x="9264276" y="7167337"/>
-            <a:ext cx="6050938" cy="975144"/>
-          </a:xfrm>
-          <a:prstGeom prst="rect">
-            <a:avLst/>
-          </a:prstGeom>
-        </p:spPr>
-      </p:pic>
-      <p:sp>
-        <p:nvSpPr>
-          <p:cNvPr id="29" name="Text 10"/>
-          <p:cNvSpPr/>
-          <p:nvPr/>
-        </p:nvSpPr>
-        <p:spPr>
-          <a:xfrm>
-            <a:off x="9264276" y="7167337"/>
-            <a:ext cx="6050938" cy="975144"/>
-          </a:xfrm>
-          <a:prstGeom prst="rect">
-            <a:avLst/>
-          </a:prstGeom>
-          <a:noFill/>
-        </p:spPr>
-        <p:txBody>
-          <a:bodyPr wrap="square" rtlCol="0" anchor="ctr"/>
-          <a:lstStyle/>
-          <a:p>
-            <a:r>
-              <a:rPr lang="en-US" sz="3000" b="1" dirty="0">
-                <a:solidFill>
-                  <a:srgbClr val="EFCA81"/>
-                </a:solidFill>
-                <a:latin typeface="微软雅黑" panose="020B0503020204020204" pitchFamily="34" charset="-122"/>
-                <a:ea typeface="微软雅黑" panose="020B0503020204020204" pitchFamily="34" charset="-122"/>
-                <a:cs typeface="微软雅黑" panose="020B0503020204020204" pitchFamily="34" charset="-120"/>
-              </a:rPr>
-              <a:t>05. </a:t>
-            </a:r>
-            <a:r>
-              <a:rPr lang="en-US" sz="3000" b="1" dirty="0" err="1">
-                <a:solidFill>
-                  <a:srgbClr val="EFCA81"/>
-                </a:solidFill>
-                <a:latin typeface="微软雅黑" panose="020B0503020204020204" pitchFamily="34" charset="-122"/>
-                <a:ea typeface="微软雅黑" panose="020B0503020204020204" pitchFamily="34" charset="-122"/>
-                <a:cs typeface="微软雅黑" panose="020B0503020204020204" pitchFamily="34" charset="-120"/>
-              </a:rPr>
-              <a:t>总结</a:t>
-            </a:r>
-            <a:r>
-              <a:rPr lang="zh-CN" altLang="en-US" sz="3000" b="1" dirty="0">
-                <a:solidFill>
-                  <a:srgbClr val="EFCA81"/>
-                </a:solidFill>
-                <a:latin typeface="微软雅黑" panose="020B0503020204020204" pitchFamily="34" charset="-122"/>
-                <a:ea typeface="微软雅黑" panose="020B0503020204020204" pitchFamily="34" charset="-122"/>
-                <a:cs typeface="微软雅黑" panose="020B0503020204020204" pitchFamily="34" charset="-120"/>
-              </a:rPr>
-              <a:t>与建议</a:t>
-            </a:r>
-            <a:endParaRPr lang="en-US" sz="1500" dirty="0"/>
-          </a:p>
-        </p:txBody>
-      </p:sp>
-      <p:pic>
-        <p:nvPicPr>
-          <p:cNvPr id="30" name="Image 17" descr="preencoded.png"/>
-          <p:cNvPicPr>
-            <a:picLocks noChangeAspect="1"/>
-          </p:cNvPicPr>
-          <p:nvPr/>
-        </p:nvPicPr>
-        <p:blipFill>
-          <a:blip r:embed="rId13">
-            <a:extLst>
-              <a:ext uri="{96DAC541-7B7A-43D3-8B79-37D633B846F1}">
-                <asvg:svgBlip xmlns:asvg="http://schemas.microsoft.com/office/drawing/2016/SVG/main" r:embed="rId14"/>
-              </a:ext>
-            </a:extLst>
-          </a:blip>
-          <a:stretch>
-            <a:fillRect/>
-          </a:stretch>
-        </p:blipFill>
-        <p:spPr>
-          <a:xfrm>
             <a:off x="8305477" y="7387486"/>
             <a:ext cx="554827" cy="554827"/>
           </a:xfrm>
@@ -9136,10 +9110,10 @@
           <p:nvPr/>
         </p:nvPicPr>
         <p:blipFill>
-          <a:blip r:embed="rId15">
+          <a:blip r:embed="rId13">
             <a:extLst>
               <a:ext uri="{96DAC541-7B7A-43D3-8B79-37D633B846F1}">
-                <asvg:svgBlip xmlns:asvg="http://schemas.microsoft.com/office/drawing/2016/SVG/main" r:embed="rId16"/>
+                <asvg:svgBlip xmlns:asvg="http://schemas.microsoft.com/office/drawing/2016/SVG/main" r:embed="rId14"/>
               </a:ext>
             </a:extLst>
           </a:blip>
@@ -9215,10 +9189,10 @@
           <p:nvPr/>
         </p:nvPicPr>
         <p:blipFill>
-          <a:blip r:embed="rId2">
+          <a:blip r:embed="rId1">
             <a:extLst>
               <a:ext uri="{96DAC541-7B7A-43D3-8B79-37D633B846F1}">
-                <asvg:svgBlip xmlns:asvg="http://schemas.microsoft.com/office/drawing/2016/SVG/main" r:embed="rId3"/>
+                <asvg:svgBlip xmlns:asvg="http://schemas.microsoft.com/office/drawing/2016/SVG/main" r:embed="rId2"/>
               </a:ext>
             </a:extLst>
           </a:blip>
@@ -9245,10 +9219,10 @@
           <p:nvPr/>
         </p:nvPicPr>
         <p:blipFill>
-          <a:blip r:embed="rId4">
+          <a:blip r:embed="rId3">
             <a:extLst>
               <a:ext uri="{96DAC541-7B7A-43D3-8B79-37D633B846F1}">
-                <asvg:svgBlip xmlns:asvg="http://schemas.microsoft.com/office/drawing/2016/SVG/main" r:embed="rId5"/>
+                <asvg:svgBlip xmlns:asvg="http://schemas.microsoft.com/office/drawing/2016/SVG/main" r:embed="rId4"/>
               </a:ext>
             </a:extLst>
           </a:blip>
@@ -9275,10 +9249,10 @@
           <p:nvPr/>
         </p:nvPicPr>
         <p:blipFill>
-          <a:blip r:embed="rId6">
+          <a:blip r:embed="rId5">
             <a:extLst>
               <a:ext uri="{96DAC541-7B7A-43D3-8B79-37D633B846F1}">
-                <asvg:svgBlip xmlns:asvg="http://schemas.microsoft.com/office/drawing/2016/SVG/main" r:embed="rId7"/>
+                <asvg:svgBlip xmlns:asvg="http://schemas.microsoft.com/office/drawing/2016/SVG/main" r:embed="rId6"/>
               </a:ext>
             </a:extLst>
           </a:blip>
@@ -9305,10 +9279,10 @@
           <p:nvPr/>
         </p:nvPicPr>
         <p:blipFill>
-          <a:blip r:embed="rId4">
+          <a:blip r:embed="rId3">
             <a:extLst>
               <a:ext uri="{96DAC541-7B7A-43D3-8B79-37D633B846F1}">
-                <asvg:svgBlip xmlns:asvg="http://schemas.microsoft.com/office/drawing/2016/SVG/main" r:embed="rId5"/>
+                <asvg:svgBlip xmlns:asvg="http://schemas.microsoft.com/office/drawing/2016/SVG/main" r:embed="rId4"/>
               </a:ext>
             </a:extLst>
           </a:blip>
@@ -9335,10 +9309,10 @@
           <p:nvPr/>
         </p:nvPicPr>
         <p:blipFill>
-          <a:blip r:embed="rId6">
+          <a:blip r:embed="rId5">
             <a:extLst>
               <a:ext uri="{96DAC541-7B7A-43D3-8B79-37D633B846F1}">
-                <asvg:svgBlip xmlns:asvg="http://schemas.microsoft.com/office/drawing/2016/SVG/main" r:embed="rId7"/>
+                <asvg:svgBlip xmlns:asvg="http://schemas.microsoft.com/office/drawing/2016/SVG/main" r:embed="rId6"/>
               </a:ext>
             </a:extLst>
           </a:blip>
@@ -9449,11 +9423,6 @@
         </p:txBody>
       </p:sp>
     </p:spTree>
-    <p:extLst>
-      <p:ext uri="{BB962C8B-B14F-4D97-AF65-F5344CB8AC3E}">
-        <p14:creationId xmlns:p14="http://schemas.microsoft.com/office/powerpoint/2010/main" val="2101245084"/>
-      </p:ext>
-    </p:extLst>
   </p:cSld>
   <p:clrMapOvr>
     <a:masterClrMapping/>
@@ -9487,7 +9456,7 @@
           <p:nvPr/>
         </p:nvPicPr>
         <p:blipFill>
-          <a:blip r:embed="rId2"/>
+          <a:blip r:embed="rId1"/>
           <a:stretch>
             <a:fillRect/>
           </a:stretch>
@@ -9504,13 +9473,7 @@
       </p:pic>
       <p:sp>
         <p:nvSpPr>
-          <p:cNvPr id="8" name="Title 1">
-            <a:extLst>
-              <a:ext uri="{FF2B5EF4-FFF2-40B4-BE49-F238E27FC236}">
-                <a16:creationId xmlns:a16="http://schemas.microsoft.com/office/drawing/2014/main" id="{E0263F5F-4F1E-1577-0E9F-D5BA4A4863C7}"/>
-              </a:ext>
-            </a:extLst>
-          </p:cNvPr>
+          <p:cNvPr id="8" name="Title 1"/>
           <p:cNvSpPr>
             <a:spLocks noGrp="1"/>
           </p:cNvSpPr>
@@ -9533,6 +9496,7 @@
               <a:rPr lang="zh-CN" altLang="en-US" dirty="0"/>
               <a:t>可视化代码：</a:t>
             </a:r>
+            <a:endParaRPr lang="zh-CN" altLang="en-US" dirty="0"/>
           </a:p>
         </p:txBody>
       </p:sp>
@@ -9586,6 +9550,7 @@
               <a:rPr lang="zh-CN" altLang="en-US" dirty="0"/>
               <a:t>可视化结果：</a:t>
             </a:r>
+            <a:endParaRPr lang="zh-CN" altLang="en-US" dirty="0"/>
           </a:p>
         </p:txBody>
       </p:sp>
@@ -9620,6 +9585,7 @@
               <a:rPr lang="zh-CN" altLang="en-US" dirty="0"/>
               <a:t>：</a:t>
             </a:r>
+            <a:endParaRPr lang="zh-CN" altLang="en-US" dirty="0"/>
           </a:p>
           <a:p>
             <a:pPr marL="0" algn="l">
@@ -9640,7 +9606,7 @@
           <p:nvPr/>
         </p:nvPicPr>
         <p:blipFill>
-          <a:blip r:embed="rId2"/>
+          <a:blip r:embed="rId1"/>
           <a:stretch>
             <a:fillRect/>
           </a:stretch>
@@ -9685,6 +9651,7 @@
               <a:rPr lang="zh-CN" altLang="en-US" sz="2400" b="1" dirty="0"/>
               <a:t>：</a:t>
             </a:r>
+            <a:endParaRPr lang="zh-CN" altLang="en-US" sz="2400" b="1" dirty="0"/>
           </a:p>
         </p:txBody>
       </p:sp>
@@ -9697,7 +9664,7 @@
           <p:nvPr/>
         </p:nvPicPr>
         <p:blipFill>
-          <a:blip r:embed="rId3"/>
+          <a:blip r:embed="rId2"/>
           <a:stretch>
             <a:fillRect/>
           </a:stretch>
@@ -9784,7 +9751,7 @@
           <p:nvPr/>
         </p:nvPicPr>
         <p:blipFill>
-          <a:blip r:embed="rId2"/>
+          <a:blip r:embed="rId1"/>
           <a:stretch>
             <a:fillRect/>
           </a:stretch>
@@ -9841,7 +9808,7 @@
           <p:nvPr/>
         </p:nvPicPr>
         <p:blipFill>
-          <a:blip r:embed="rId3"/>
+          <a:blip r:embed="rId1"/>
           <a:stretch>
             <a:fillRect/>
           </a:stretch>
@@ -9865,7 +9832,7 @@
           <p:nvPr/>
         </p:nvPicPr>
         <p:blipFill>
-          <a:blip r:embed="rId4"/>
+          <a:blip r:embed="rId2"/>
           <a:stretch>
             <a:fillRect/>
           </a:stretch>
@@ -9889,7 +9856,7 @@
           <p:nvPr/>
         </p:nvPicPr>
         <p:blipFill>
-          <a:blip r:embed="rId5"/>
+          <a:blip r:embed="rId3"/>
           <a:stretch>
             <a:fillRect/>
           </a:stretch>
@@ -9913,7 +9880,7 @@
           <p:nvPr/>
         </p:nvPicPr>
         <p:blipFill>
-          <a:blip r:embed="rId4"/>
+          <a:blip r:embed="rId2"/>
           <a:stretch>
             <a:fillRect/>
           </a:stretch>
@@ -9937,7 +9904,7 @@
           <p:nvPr/>
         </p:nvPicPr>
         <p:blipFill>
-          <a:blip r:embed="rId5"/>
+          <a:blip r:embed="rId3"/>
           <a:stretch>
             <a:fillRect/>
           </a:stretch>
@@ -10071,13 +10038,7 @@
       </p:grpSpPr>
       <p:sp>
         <p:nvSpPr>
-          <p:cNvPr id="6" name="文本框 5">
-            <a:extLst>
-              <a:ext uri="{FF2B5EF4-FFF2-40B4-BE49-F238E27FC236}">
-                <a16:creationId xmlns:a16="http://schemas.microsoft.com/office/drawing/2014/main" id="{DCF6A5F2-1014-3C7F-9AC3-815914B64224}"/>
-              </a:ext>
-            </a:extLst>
-          </p:cNvPr>
+          <p:cNvPr id="6" name="文本框 5"/>
           <p:cNvSpPr txBox="1"/>
           <p:nvPr/>
         </p:nvSpPr>
@@ -10127,6 +10088,13 @@
               </a:rPr>
               <a:t>过大</a:t>
             </a:r>
+            <a:endParaRPr lang="zh-CN" altLang="en-US" sz="3200" b="1" i="0" dirty="0">
+              <a:solidFill>
+                <a:srgbClr val="40485B"/>
+              </a:solidFill>
+              <a:effectLst/>
+              <a:latin typeface="-apple-system"/>
+            </a:endParaRPr>
           </a:p>
           <a:p>
             <a:pPr algn="l"/>
@@ -10250,6 +10218,13 @@
               </a:rPr>
               <a:t>需求不明确</a:t>
             </a:r>
+            <a:endParaRPr lang="zh-CN" altLang="en-US" sz="3200" b="1" i="0" dirty="0">
+              <a:solidFill>
+                <a:srgbClr val="40485B"/>
+              </a:solidFill>
+              <a:effectLst/>
+              <a:latin typeface="-apple-system"/>
+            </a:endParaRPr>
           </a:p>
           <a:p>
             <a:r>
@@ -10305,6 +10280,13 @@
               </a:rPr>
               <a:t>兼容性问题</a:t>
             </a:r>
+            <a:endParaRPr lang="zh-CN" altLang="en-US" sz="3200" b="1" i="0" dirty="0">
+              <a:solidFill>
+                <a:srgbClr val="40485B"/>
+              </a:solidFill>
+              <a:effectLst/>
+              <a:latin typeface="-apple-system"/>
+            </a:endParaRPr>
           </a:p>
           <a:p>
             <a:r>
@@ -10378,6 +10360,13 @@
               </a:rPr>
               <a:t>队友之间不易配合</a:t>
             </a:r>
+            <a:endParaRPr lang="zh-CN" altLang="en-US" sz="3200" b="1" i="0" dirty="0">
+              <a:solidFill>
+                <a:srgbClr val="40485B"/>
+              </a:solidFill>
+              <a:effectLst/>
+              <a:latin typeface="-apple-system"/>
+            </a:endParaRPr>
           </a:p>
           <a:p>
             <a:r>
@@ -10389,6 +10378,12 @@
               </a:rPr>
               <a:t>解决方法：先一起讨论出框架，由一个人构建出来，其他成员在已有的框架上完成部分算法</a:t>
             </a:r>
+            <a:endParaRPr lang="zh-CN" altLang="en-US" sz="2400" dirty="0">
+              <a:solidFill>
+                <a:srgbClr val="40485B"/>
+              </a:solidFill>
+              <a:latin typeface="-apple-system"/>
+            </a:endParaRPr>
           </a:p>
           <a:p>
             <a:endParaRPr lang="zh-CN" altLang="en-US" dirty="0"/>
@@ -10429,7 +10424,7 @@
           <p:nvPr/>
         </p:nvPicPr>
         <p:blipFill>
-          <a:blip r:embed="rId3"/>
+          <a:blip r:embed="rId1"/>
           <a:stretch>
             <a:fillRect/>
           </a:stretch>
@@ -10453,7 +10448,7 @@
           <p:nvPr/>
         </p:nvPicPr>
         <p:blipFill>
-          <a:blip r:embed="rId4"/>
+          <a:blip r:embed="rId2"/>
           <a:stretch>
             <a:fillRect/>
           </a:stretch>
@@ -10477,7 +10472,7 @@
           <p:nvPr/>
         </p:nvPicPr>
         <p:blipFill>
-          <a:blip r:embed="rId5"/>
+          <a:blip r:embed="rId3"/>
           <a:stretch>
             <a:fillRect/>
           </a:stretch>
@@ -10501,7 +10496,7 @@
           <p:nvPr/>
         </p:nvPicPr>
         <p:blipFill>
-          <a:blip r:embed="rId6"/>
+          <a:blip r:embed="rId4"/>
           <a:stretch>
             <a:fillRect/>
           </a:stretch>
@@ -10525,7 +10520,7 @@
           <p:nvPr/>
         </p:nvPicPr>
         <p:blipFill>
-          <a:blip r:embed="rId6"/>
+          <a:blip r:embed="rId4"/>
           <a:stretch>
             <a:fillRect/>
           </a:stretch>
@@ -10549,7 +10544,7 @@
           <p:nvPr/>
         </p:nvPicPr>
         <p:blipFill>
-          <a:blip r:embed="rId6"/>
+          <a:blip r:embed="rId4"/>
           <a:stretch>
             <a:fillRect/>
           </a:stretch>
@@ -10573,7 +10568,7 @@
           <p:nvPr/>
         </p:nvPicPr>
         <p:blipFill>
-          <a:blip r:embed="rId6"/>
+          <a:blip r:embed="rId4"/>
           <a:stretch>
             <a:fillRect/>
           </a:stretch>
@@ -10597,7 +10592,7 @@
           <p:nvPr/>
         </p:nvPicPr>
         <p:blipFill>
-          <a:blip r:embed="rId7"/>
+          <a:blip r:embed="rId5"/>
           <a:stretch>
             <a:fillRect/>
           </a:stretch>
@@ -10711,7 +10706,7 @@
           <p:nvPr/>
         </p:nvPicPr>
         <p:blipFill>
-          <a:blip r:embed="rId8"/>
+          <a:blip r:embed="rId6"/>
           <a:stretch>
             <a:fillRect/>
           </a:stretch>
@@ -10735,7 +10730,7 @@
           <p:nvPr/>
         </p:nvPicPr>
         <p:blipFill>
-          <a:blip r:embed="rId9"/>
+          <a:blip r:embed="rId7"/>
           <a:stretch>
             <a:fillRect/>
           </a:stretch>
@@ -10783,7 +10778,7 @@
           <p:nvPr/>
         </p:nvPicPr>
         <p:blipFill>
-          <a:blip r:embed="rId8"/>
+          <a:blip r:embed="rId6"/>
           <a:stretch>
             <a:fillRect/>
           </a:stretch>
@@ -10807,7 +10802,7 @@
           <p:nvPr/>
         </p:nvPicPr>
         <p:blipFill>
-          <a:blip r:embed="rId9"/>
+          <a:blip r:embed="rId7"/>
           <a:stretch>
             <a:fillRect/>
           </a:stretch>
@@ -10888,6 +10883,36 @@
           <p:nvPr/>
         </p:nvPicPr>
         <p:blipFill>
+          <a:blip r:embed="rId1">
+            <a:extLst>
+              <a:ext uri="{96DAC541-7B7A-43D3-8B79-37D633B846F1}">
+                <asvg:svgBlip xmlns:asvg="http://schemas.microsoft.com/office/drawing/2016/SVG/main" r:embed="rId2"/>
+              </a:ext>
+            </a:extLst>
+          </a:blip>
+          <a:stretch>
+            <a:fillRect/>
+          </a:stretch>
+        </p:blipFill>
+        <p:spPr>
+          <a:xfrm>
+            <a:off x="-211287" y="2812091"/>
+            <a:ext cx="17979054" cy="4251338"/>
+          </a:xfrm>
+          <a:prstGeom prst="rect">
+            <a:avLst/>
+          </a:prstGeom>
+        </p:spPr>
+      </p:pic>
+      <p:pic>
+        <p:nvPicPr>
+          <p:cNvPr id="3" name="Image 1" descr="preencoded.png"/>
+          <p:cNvPicPr>
+            <a:picLocks noChangeAspect="1"/>
+          </p:cNvPicPr>
+          <p:nvPr/>
+        </p:nvPicPr>
+        <p:blipFill>
           <a:blip r:embed="rId3">
             <a:extLst>
               <a:ext uri="{96DAC541-7B7A-43D3-8B79-37D633B846F1}">
@@ -10901,8 +10926,8 @@
         </p:blipFill>
         <p:spPr>
           <a:xfrm>
-            <a:off x="-211287" y="2812091"/>
-            <a:ext cx="17979054" cy="4251338"/>
+            <a:off x="7160150" y="-280376"/>
+            <a:ext cx="3236179" cy="859785"/>
           </a:xfrm>
           <a:prstGeom prst="rect">
             <a:avLst/>
@@ -10911,7 +10936,7 @@
       </p:pic>
       <p:pic>
         <p:nvPicPr>
-          <p:cNvPr id="3" name="Image 1" descr="preencoded.png"/>
+          <p:cNvPr id="4" name="Image 2" descr="preencoded.png"/>
           <p:cNvPicPr>
             <a:picLocks noChangeAspect="1"/>
           </p:cNvPicPr>
@@ -10931,8 +10956,8 @@
         </p:blipFill>
         <p:spPr>
           <a:xfrm>
-            <a:off x="7160150" y="-280376"/>
-            <a:ext cx="3236179" cy="859785"/>
+            <a:off x="7160150" y="669504"/>
+            <a:ext cx="3236179" cy="144559"/>
           </a:xfrm>
           <a:prstGeom prst="rect">
             <a:avLst/>
@@ -10941,17 +10966,17 @@
       </p:pic>
       <p:pic>
         <p:nvPicPr>
-          <p:cNvPr id="4" name="Image 2" descr="preencoded.png"/>
+          <p:cNvPr id="5" name="Image 3" descr="preencoded.png"/>
           <p:cNvPicPr>
             <a:picLocks noChangeAspect="1"/>
           </p:cNvPicPr>
           <p:nvPr/>
         </p:nvPicPr>
         <p:blipFill>
-          <a:blip r:embed="rId7">
+          <a:blip r:embed="rId3">
             <a:extLst>
               <a:ext uri="{96DAC541-7B7A-43D3-8B79-37D633B846F1}">
-                <asvg:svgBlip xmlns:asvg="http://schemas.microsoft.com/office/drawing/2016/SVG/main" r:embed="rId8"/>
+                <asvg:svgBlip xmlns:asvg="http://schemas.microsoft.com/office/drawing/2016/SVG/main" r:embed="rId4"/>
               </a:ext>
             </a:extLst>
           </a:blip>
@@ -10961,36 +10986,6 @@
         </p:blipFill>
         <p:spPr>
           <a:xfrm>
-            <a:off x="7160150" y="669504"/>
-            <a:ext cx="3236179" cy="144559"/>
-          </a:xfrm>
-          <a:prstGeom prst="rect">
-            <a:avLst/>
-          </a:prstGeom>
-        </p:spPr>
-      </p:pic>
-      <p:pic>
-        <p:nvPicPr>
-          <p:cNvPr id="5" name="Image 3" descr="preencoded.png"/>
-          <p:cNvPicPr>
-            <a:picLocks noChangeAspect="1"/>
-          </p:cNvPicPr>
-          <p:nvPr/>
-        </p:nvPicPr>
-        <p:blipFill>
-          <a:blip r:embed="rId5">
-            <a:extLst>
-              <a:ext uri="{96DAC541-7B7A-43D3-8B79-37D633B846F1}">
-                <asvg:svgBlip xmlns:asvg="http://schemas.microsoft.com/office/drawing/2016/SVG/main" r:embed="rId6"/>
-              </a:ext>
-            </a:extLst>
-          </a:blip>
-          <a:stretch>
-            <a:fillRect/>
-          </a:stretch>
-        </p:blipFill>
-        <p:spPr>
-          <a:xfrm>
             <a:off x="7160150" y="9445628"/>
             <a:ext cx="3236179" cy="859785"/>
           </a:xfrm>
@@ -11008,10 +11003,10 @@
           <p:nvPr/>
         </p:nvPicPr>
         <p:blipFill>
-          <a:blip r:embed="rId7">
+          <a:blip r:embed="rId5">
             <a:extLst>
               <a:ext uri="{96DAC541-7B7A-43D3-8B79-37D633B846F1}">
-                <asvg:svgBlip xmlns:asvg="http://schemas.microsoft.com/office/drawing/2016/SVG/main" r:embed="rId8"/>
+                <asvg:svgBlip xmlns:asvg="http://schemas.microsoft.com/office/drawing/2016/SVG/main" r:embed="rId6"/>
               </a:ext>
             </a:extLst>
           </a:blip>
@@ -11149,13 +11144,7 @@
       </p:grpSpPr>
       <p:sp>
         <p:nvSpPr>
-          <p:cNvPr id="35" name="矩形 34">
-            <a:extLst>
-              <a:ext uri="{FF2B5EF4-FFF2-40B4-BE49-F238E27FC236}">
-                <a16:creationId xmlns:a16="http://schemas.microsoft.com/office/drawing/2014/main" id="{660051E1-43E3-5503-2970-4B27E61A2BEE}"/>
-              </a:ext>
-            </a:extLst>
-          </p:cNvPr>
+          <p:cNvPr id="35" name="矩形 34"/>
           <p:cNvSpPr/>
           <p:nvPr/>
         </p:nvSpPr>
@@ -11209,8 +11198,8 @@
                   <a:srgbClr val="191919"/>
                 </a:solidFill>
                 <a:effectLst/>
-                <a:latin typeface="Microsoft YaHei" panose="020B0503020204020204" pitchFamily="34" charset="-122"/>
-                <a:ea typeface="Microsoft YaHei" panose="020B0503020204020204" pitchFamily="34" charset="-122"/>
+                <a:latin typeface="微软雅黑" panose="020B0503020204020204" pitchFamily="34" charset="-122"/>
+                <a:ea typeface="微软雅黑" panose="020B0503020204020204" pitchFamily="34" charset="-122"/>
               </a:rPr>
               <a:t>构建</a:t>
             </a:r>
@@ -11220,8 +11209,8 @@
                   <a:srgbClr val="191919"/>
                 </a:solidFill>
                 <a:effectLst/>
-                <a:latin typeface="Microsoft YaHei" panose="020B0503020204020204" pitchFamily="34" charset="-122"/>
-                <a:ea typeface="Microsoft YaHei" panose="020B0503020204020204" pitchFamily="34" charset="-122"/>
+                <a:latin typeface="微软雅黑" panose="020B0503020204020204" pitchFamily="34" charset="-122"/>
+                <a:ea typeface="微软雅黑" panose="020B0503020204020204" pitchFamily="34" charset="-122"/>
               </a:rPr>
               <a:t>follow</a:t>
             </a:r>
@@ -11231,8 +11220,8 @@
                   <a:srgbClr val="191919"/>
                 </a:solidFill>
                 <a:effectLst/>
-                <a:latin typeface="Microsoft YaHei" panose="020B0503020204020204" pitchFamily="34" charset="-122"/>
-                <a:ea typeface="Microsoft YaHei" panose="020B0503020204020204" pitchFamily="34" charset="-122"/>
+                <a:latin typeface="微软雅黑" panose="020B0503020204020204" pitchFamily="34" charset="-122"/>
+                <a:ea typeface="微软雅黑" panose="020B0503020204020204" pitchFamily="34" charset="-122"/>
               </a:rPr>
               <a:t>集</a:t>
             </a:r>
@@ -11242,13 +11231,7 @@
       </p:sp>
       <p:sp>
         <p:nvSpPr>
-          <p:cNvPr id="28" name="矩形 27">
-            <a:extLst>
-              <a:ext uri="{FF2B5EF4-FFF2-40B4-BE49-F238E27FC236}">
-                <a16:creationId xmlns:a16="http://schemas.microsoft.com/office/drawing/2014/main" id="{CCE278BB-D979-3310-078C-2E2EC19EFDA9}"/>
-              </a:ext>
-            </a:extLst>
-          </p:cNvPr>
+          <p:cNvPr id="28" name="矩形 27"/>
           <p:cNvSpPr/>
           <p:nvPr/>
         </p:nvSpPr>
@@ -11311,8 +11294,8 @@
                   <a:srgbClr val="191919"/>
                 </a:solidFill>
                 <a:effectLst/>
-                <a:latin typeface="Microsoft YaHei" panose="020B0503020204020204" pitchFamily="34" charset="-122"/>
-                <a:ea typeface="Microsoft YaHei" panose="020B0503020204020204" pitchFamily="34" charset="-122"/>
+                <a:latin typeface="微软雅黑" panose="020B0503020204020204" pitchFamily="34" charset="-122"/>
+                <a:ea typeface="微软雅黑" panose="020B0503020204020204" pitchFamily="34" charset="-122"/>
               </a:rPr>
               <a:t>根据</a:t>
             </a:r>
@@ -11322,8 +11305,8 @@
                   <a:srgbClr val="191919"/>
                 </a:solidFill>
                 <a:effectLst/>
-                <a:latin typeface="Microsoft YaHei" panose="020B0503020204020204" pitchFamily="34" charset="-122"/>
-                <a:ea typeface="Microsoft YaHei" panose="020B0503020204020204" pitchFamily="34" charset="-122"/>
+                <a:latin typeface="微软雅黑" panose="020B0503020204020204" pitchFamily="34" charset="-122"/>
+                <a:ea typeface="微软雅黑" panose="020B0503020204020204" pitchFamily="34" charset="-122"/>
               </a:rPr>
               <a:t>c—</a:t>
             </a:r>
@@ -11333,8 +11316,8 @@
                   <a:srgbClr val="191919"/>
                 </a:solidFill>
                 <a:effectLst/>
-                <a:latin typeface="Microsoft YaHei" panose="020B0503020204020204" pitchFamily="34" charset="-122"/>
-                <a:ea typeface="Microsoft YaHei" panose="020B0503020204020204" pitchFamily="34" charset="-122"/>
+                <a:latin typeface="微软雅黑" panose="020B0503020204020204" pitchFamily="34" charset="-122"/>
+                <a:ea typeface="微软雅黑" panose="020B0503020204020204" pitchFamily="34" charset="-122"/>
               </a:rPr>
               <a:t>的</a:t>
             </a:r>
@@ -11344,8 +11327,8 @@
                   <a:srgbClr val="191919"/>
                 </a:solidFill>
                 <a:effectLst/>
-                <a:latin typeface="Microsoft YaHei" panose="020B0503020204020204" pitchFamily="34" charset="-122"/>
-                <a:ea typeface="Microsoft YaHei" panose="020B0503020204020204" pitchFamily="34" charset="-122"/>
+                <a:latin typeface="微软雅黑" panose="020B0503020204020204" pitchFamily="34" charset="-122"/>
+                <a:ea typeface="微软雅黑" panose="020B0503020204020204" pitchFamily="34" charset="-122"/>
               </a:rPr>
               <a:t>dfa</a:t>
             </a:r>
@@ -11355,8 +11338,8 @@
                   <a:srgbClr val="191919"/>
                 </a:solidFill>
                 <a:effectLst/>
-                <a:latin typeface="Microsoft YaHei" panose="020B0503020204020204" pitchFamily="34" charset="-122"/>
-                <a:ea typeface="Microsoft YaHei" panose="020B0503020204020204" pitchFamily="34" charset="-122"/>
+                <a:latin typeface="微软雅黑" panose="020B0503020204020204" pitchFamily="34" charset="-122"/>
+                <a:ea typeface="微软雅黑" panose="020B0503020204020204" pitchFamily="34" charset="-122"/>
               </a:rPr>
               <a:t>分析源程序，获得</a:t>
             </a:r>
@@ -11366,8 +11349,8 @@
                   <a:srgbClr val="191919"/>
                 </a:solidFill>
                 <a:effectLst/>
-                <a:latin typeface="Microsoft YaHei" panose="020B0503020204020204" pitchFamily="34" charset="-122"/>
-                <a:ea typeface="Microsoft YaHei" panose="020B0503020204020204" pitchFamily="34" charset="-122"/>
+                <a:latin typeface="微软雅黑" panose="020B0503020204020204" pitchFamily="34" charset="-122"/>
+                <a:ea typeface="微软雅黑" panose="020B0503020204020204" pitchFamily="34" charset="-122"/>
               </a:rPr>
               <a:t>tokens</a:t>
             </a:r>
@@ -11377,8 +11360,8 @@
                   <a:srgbClr val="191919"/>
                 </a:solidFill>
                 <a:effectLst/>
-                <a:latin typeface="Microsoft YaHei" panose="020B0503020204020204" pitchFamily="34" charset="-122"/>
-                <a:ea typeface="Microsoft YaHei" panose="020B0503020204020204" pitchFamily="34" charset="-122"/>
+                <a:latin typeface="微软雅黑" panose="020B0503020204020204" pitchFamily="34" charset="-122"/>
+                <a:ea typeface="微软雅黑" panose="020B0503020204020204" pitchFamily="34" charset="-122"/>
               </a:rPr>
             </a:br>
             <a:endParaRPr lang="zh-CN" altLang="en-US" dirty="0"/>
@@ -11387,13 +11370,7 @@
       </p:sp>
       <p:sp>
         <p:nvSpPr>
-          <p:cNvPr id="31" name="矩形 30">
-            <a:extLst>
-              <a:ext uri="{FF2B5EF4-FFF2-40B4-BE49-F238E27FC236}">
-                <a16:creationId xmlns:a16="http://schemas.microsoft.com/office/drawing/2014/main" id="{DAE44E11-7C8B-5D00-197B-F2FD50CD781C}"/>
-              </a:ext>
-            </a:extLst>
-          </p:cNvPr>
+          <p:cNvPr id="31" name="矩形 30"/>
           <p:cNvSpPr/>
           <p:nvPr/>
         </p:nvSpPr>
@@ -11447,8 +11424,8 @@
                   <a:srgbClr val="191919"/>
                 </a:solidFill>
                 <a:effectLst/>
-                <a:latin typeface="Microsoft YaHei" panose="020B0503020204020204" pitchFamily="34" charset="-122"/>
-                <a:ea typeface="Microsoft YaHei" panose="020B0503020204020204" pitchFamily="34" charset="-122"/>
+                <a:latin typeface="微软雅黑" panose="020B0503020204020204" pitchFamily="34" charset="-122"/>
+                <a:ea typeface="微软雅黑" panose="020B0503020204020204" pitchFamily="34" charset="-122"/>
               </a:rPr>
               <a:t>根据后缀表达式，记录每一个状态的转换规则</a:t>
             </a:r>
@@ -11458,13 +11435,7 @@
       </p:sp>
       <p:sp>
         <p:nvSpPr>
-          <p:cNvPr id="32" name="矩形 31">
-            <a:extLst>
-              <a:ext uri="{FF2B5EF4-FFF2-40B4-BE49-F238E27FC236}">
-                <a16:creationId xmlns:a16="http://schemas.microsoft.com/office/drawing/2014/main" id="{25DB56EF-F271-6372-291D-78E94A5CB942}"/>
-              </a:ext>
-            </a:extLst>
-          </p:cNvPr>
+          <p:cNvPr id="32" name="矩形 31"/>
           <p:cNvSpPr/>
           <p:nvPr/>
         </p:nvSpPr>
@@ -11518,8 +11489,8 @@
                   <a:srgbClr val="191919"/>
                 </a:solidFill>
                 <a:effectLst/>
-                <a:latin typeface="Microsoft YaHei" panose="020B0503020204020204" pitchFamily="34" charset="-122"/>
-                <a:ea typeface="Microsoft YaHei" panose="020B0503020204020204" pitchFamily="34" charset="-122"/>
+                <a:latin typeface="微软雅黑" panose="020B0503020204020204" pitchFamily="34" charset="-122"/>
+                <a:ea typeface="微软雅黑" panose="020B0503020204020204" pitchFamily="34" charset="-122"/>
               </a:rPr>
               <a:t>通过转换规则获得</a:t>
             </a:r>
@@ -11529,8 +11500,8 @@
                   <a:srgbClr val="191919"/>
                 </a:solidFill>
                 <a:effectLst/>
-                <a:latin typeface="Microsoft YaHei" panose="020B0503020204020204" pitchFamily="34" charset="-122"/>
-                <a:ea typeface="Microsoft YaHei" panose="020B0503020204020204" pitchFamily="34" charset="-122"/>
+                <a:latin typeface="微软雅黑" panose="020B0503020204020204" pitchFamily="34" charset="-122"/>
+                <a:ea typeface="微软雅黑" panose="020B0503020204020204" pitchFamily="34" charset="-122"/>
               </a:rPr>
               <a:t>c--</a:t>
             </a:r>
@@ -11540,8 +11511,8 @@
                   <a:srgbClr val="191919"/>
                 </a:solidFill>
                 <a:effectLst/>
-                <a:latin typeface="Microsoft YaHei" panose="020B0503020204020204" pitchFamily="34" charset="-122"/>
-                <a:ea typeface="Microsoft YaHei" panose="020B0503020204020204" pitchFamily="34" charset="-122"/>
+                <a:latin typeface="微软雅黑" panose="020B0503020204020204" pitchFamily="34" charset="-122"/>
+                <a:ea typeface="微软雅黑" panose="020B0503020204020204" pitchFamily="34" charset="-122"/>
               </a:rPr>
               <a:t>的</a:t>
             </a:r>
@@ -11551,8 +11522,8 @@
                   <a:srgbClr val="191919"/>
                 </a:solidFill>
                 <a:effectLst/>
-                <a:latin typeface="Microsoft YaHei" panose="020B0503020204020204" pitchFamily="34" charset="-122"/>
-                <a:ea typeface="Microsoft YaHei" panose="020B0503020204020204" pitchFamily="34" charset="-122"/>
+                <a:latin typeface="微软雅黑" panose="020B0503020204020204" pitchFamily="34" charset="-122"/>
+                <a:ea typeface="微软雅黑" panose="020B0503020204020204" pitchFamily="34" charset="-122"/>
               </a:rPr>
               <a:t>fa</a:t>
             </a:r>
@@ -11562,13 +11533,7 @@
       </p:sp>
       <p:sp>
         <p:nvSpPr>
-          <p:cNvPr id="34" name="矩形 33">
-            <a:extLst>
-              <a:ext uri="{FF2B5EF4-FFF2-40B4-BE49-F238E27FC236}">
-                <a16:creationId xmlns:a16="http://schemas.microsoft.com/office/drawing/2014/main" id="{EAE1A5F8-DD42-C26C-C8BB-83C8ECED3238}"/>
-              </a:ext>
-            </a:extLst>
-          </p:cNvPr>
+          <p:cNvPr id="34" name="矩形 33"/>
           <p:cNvSpPr/>
           <p:nvPr/>
         </p:nvSpPr>
@@ -11622,8 +11587,8 @@
                   <a:srgbClr val="191919"/>
                 </a:solidFill>
                 <a:effectLst/>
-                <a:latin typeface="Microsoft YaHei" panose="020B0503020204020204" pitchFamily="34" charset="-122"/>
-                <a:ea typeface="Microsoft YaHei" panose="020B0503020204020204" pitchFamily="34" charset="-122"/>
+                <a:latin typeface="微软雅黑" panose="020B0503020204020204" pitchFamily="34" charset="-122"/>
+                <a:ea typeface="微软雅黑" panose="020B0503020204020204" pitchFamily="34" charset="-122"/>
               </a:rPr>
               <a:t>dfa</a:t>
             </a:r>
@@ -11633,8 +11598,8 @@
                   <a:srgbClr val="191919"/>
                 </a:solidFill>
                 <a:effectLst/>
-                <a:latin typeface="Microsoft YaHei" panose="020B0503020204020204" pitchFamily="34" charset="-122"/>
-                <a:ea typeface="Microsoft YaHei" panose="020B0503020204020204" pitchFamily="34" charset="-122"/>
+                <a:latin typeface="微软雅黑" panose="020B0503020204020204" pitchFamily="34" charset="-122"/>
+                <a:ea typeface="微软雅黑" panose="020B0503020204020204" pitchFamily="34" charset="-122"/>
               </a:rPr>
               <a:t>的最小化</a:t>
             </a:r>
@@ -11644,13 +11609,7 @@
       </p:sp>
       <p:sp>
         <p:nvSpPr>
-          <p:cNvPr id="33" name="矩形 32">
-            <a:extLst>
-              <a:ext uri="{FF2B5EF4-FFF2-40B4-BE49-F238E27FC236}">
-                <a16:creationId xmlns:a16="http://schemas.microsoft.com/office/drawing/2014/main" id="{769AD017-D09D-BCBF-16F5-85ED90580B8E}"/>
-              </a:ext>
-            </a:extLst>
-          </p:cNvPr>
+          <p:cNvPr id="33" name="矩形 32"/>
           <p:cNvSpPr/>
           <p:nvPr/>
         </p:nvSpPr>
@@ -11704,8 +11663,8 @@
                   <a:srgbClr val="191919"/>
                 </a:solidFill>
                 <a:effectLst/>
-                <a:latin typeface="Microsoft YaHei" panose="020B0503020204020204" pitchFamily="34" charset="-122"/>
-                <a:ea typeface="Microsoft YaHei" panose="020B0503020204020204" pitchFamily="34" charset="-122"/>
+                <a:latin typeface="微软雅黑" panose="020B0503020204020204" pitchFamily="34" charset="-122"/>
+                <a:ea typeface="微软雅黑" panose="020B0503020204020204" pitchFamily="34" charset="-122"/>
               </a:rPr>
               <a:t>fa</a:t>
             </a:r>
@@ -11715,8 +11674,8 @@
                   <a:srgbClr val="191919"/>
                 </a:solidFill>
                 <a:effectLst/>
-                <a:latin typeface="Microsoft YaHei" panose="020B0503020204020204" pitchFamily="34" charset="-122"/>
-                <a:ea typeface="Microsoft YaHei" panose="020B0503020204020204" pitchFamily="34" charset="-122"/>
+                <a:latin typeface="微软雅黑" panose="020B0503020204020204" pitchFamily="34" charset="-122"/>
+                <a:ea typeface="微软雅黑" panose="020B0503020204020204" pitchFamily="34" charset="-122"/>
               </a:rPr>
               <a:t>转</a:t>
             </a:r>
@@ -11726,8 +11685,8 @@
                   <a:srgbClr val="191919"/>
                 </a:solidFill>
                 <a:effectLst/>
-                <a:latin typeface="Microsoft YaHei" panose="020B0503020204020204" pitchFamily="34" charset="-122"/>
-                <a:ea typeface="Microsoft YaHei" panose="020B0503020204020204" pitchFamily="34" charset="-122"/>
+                <a:latin typeface="微软雅黑" panose="020B0503020204020204" pitchFamily="34" charset="-122"/>
+                <a:ea typeface="微软雅黑" panose="020B0503020204020204" pitchFamily="34" charset="-122"/>
               </a:rPr>
               <a:t>dfa</a:t>
             </a:r>
@@ -11737,13 +11696,7 @@
       </p:sp>
       <p:sp>
         <p:nvSpPr>
-          <p:cNvPr id="15" name="矩形 14">
-            <a:extLst>
-              <a:ext uri="{FF2B5EF4-FFF2-40B4-BE49-F238E27FC236}">
-                <a16:creationId xmlns:a16="http://schemas.microsoft.com/office/drawing/2014/main" id="{947493A8-3ACC-63E8-0F48-C3C78A5D5F22}"/>
-              </a:ext>
-            </a:extLst>
-          </p:cNvPr>
+          <p:cNvPr id="15" name="矩形 14"/>
           <p:cNvSpPr/>
           <p:nvPr/>
         </p:nvSpPr>
@@ -11797,8 +11750,8 @@
                   <a:srgbClr val="191919"/>
                 </a:solidFill>
                 <a:effectLst/>
-                <a:latin typeface="Microsoft YaHei" panose="020B0503020204020204" pitchFamily="34" charset="-122"/>
-                <a:ea typeface="Microsoft YaHei" panose="020B0503020204020204" pitchFamily="34" charset="-122"/>
+                <a:latin typeface="微软雅黑" panose="020B0503020204020204" pitchFamily="34" charset="-122"/>
+                <a:ea typeface="微软雅黑" panose="020B0503020204020204" pitchFamily="34" charset="-122"/>
               </a:rPr>
               <a:t>消除文法左递归</a:t>
             </a:r>
@@ -11808,13 +11761,7 @@
       </p:sp>
       <p:sp>
         <p:nvSpPr>
-          <p:cNvPr id="4" name="矩形 3">
-            <a:extLst>
-              <a:ext uri="{FF2B5EF4-FFF2-40B4-BE49-F238E27FC236}">
-                <a16:creationId xmlns:a16="http://schemas.microsoft.com/office/drawing/2014/main" id="{E398E73A-208C-2B7F-7211-F982CBBA884D}"/>
-              </a:ext>
-            </a:extLst>
-          </p:cNvPr>
+          <p:cNvPr id="4" name="矩形 3"/>
           <p:cNvSpPr/>
           <p:nvPr/>
         </p:nvSpPr>
@@ -11868,8 +11815,8 @@
                   <a:srgbClr val="191919"/>
                 </a:solidFill>
                 <a:effectLst/>
-                <a:latin typeface="Microsoft YaHei" panose="020B0503020204020204" pitchFamily="34" charset="-122"/>
-                <a:ea typeface="Microsoft YaHei" panose="020B0503020204020204" pitchFamily="34" charset="-122"/>
+                <a:latin typeface="微软雅黑" panose="020B0503020204020204" pitchFamily="34" charset="-122"/>
+                <a:ea typeface="微软雅黑" panose="020B0503020204020204" pitchFamily="34" charset="-122"/>
               </a:rPr>
               <a:t>消除文法的回溯 </a:t>
             </a:r>
@@ -11879,13 +11826,7 @@
       </p:sp>
       <p:sp>
         <p:nvSpPr>
-          <p:cNvPr id="29" name="矩形 28">
-            <a:extLst>
-              <a:ext uri="{FF2B5EF4-FFF2-40B4-BE49-F238E27FC236}">
-                <a16:creationId xmlns:a16="http://schemas.microsoft.com/office/drawing/2014/main" id="{33A3FC58-E10C-2961-1E5E-19EA72547FB6}"/>
-              </a:ext>
-            </a:extLst>
-          </p:cNvPr>
+          <p:cNvPr id="29" name="矩形 28"/>
           <p:cNvSpPr/>
           <p:nvPr/>
         </p:nvSpPr>
@@ -11939,8 +11880,8 @@
                   <a:srgbClr val="191919"/>
                 </a:solidFill>
                 <a:effectLst/>
-                <a:latin typeface="Microsoft YaHei" panose="020B0503020204020204" pitchFamily="34" charset="-122"/>
-                <a:ea typeface="Microsoft YaHei" panose="020B0503020204020204" pitchFamily="34" charset="-122"/>
+                <a:latin typeface="微软雅黑" panose="020B0503020204020204" pitchFamily="34" charset="-122"/>
+                <a:ea typeface="微软雅黑" panose="020B0503020204020204" pitchFamily="34" charset="-122"/>
               </a:rPr>
               <a:t>构造</a:t>
             </a:r>
@@ -11950,8 +11891,8 @@
                   <a:srgbClr val="191919"/>
                 </a:solidFill>
                 <a:effectLst/>
-                <a:latin typeface="Microsoft YaHei" panose="020B0503020204020204" pitchFamily="34" charset="-122"/>
-                <a:ea typeface="Microsoft YaHei" panose="020B0503020204020204" pitchFamily="34" charset="-122"/>
+                <a:latin typeface="微软雅黑" panose="020B0503020204020204" pitchFamily="34" charset="-122"/>
+                <a:ea typeface="微软雅黑" panose="020B0503020204020204" pitchFamily="34" charset="-122"/>
               </a:rPr>
               <a:t>c--</a:t>
             </a:r>
@@ -11961,8 +11902,8 @@
                   <a:srgbClr val="191919"/>
                 </a:solidFill>
                 <a:effectLst/>
-                <a:latin typeface="Microsoft YaHei" panose="020B0503020204020204" pitchFamily="34" charset="-122"/>
-                <a:ea typeface="Microsoft YaHei" panose="020B0503020204020204" pitchFamily="34" charset="-122"/>
+                <a:latin typeface="微软雅黑" panose="020B0503020204020204" pitchFamily="34" charset="-122"/>
+                <a:ea typeface="微软雅黑" panose="020B0503020204020204" pitchFamily="34" charset="-122"/>
               </a:rPr>
               <a:t>的正则表达式</a:t>
             </a:r>
@@ -11972,13 +11913,7 @@
       </p:sp>
       <p:sp>
         <p:nvSpPr>
-          <p:cNvPr id="6" name="矩形 5">
-            <a:extLst>
-              <a:ext uri="{FF2B5EF4-FFF2-40B4-BE49-F238E27FC236}">
-                <a16:creationId xmlns:a16="http://schemas.microsoft.com/office/drawing/2014/main" id="{F44687EB-F330-2C02-1F48-74900210EA6E}"/>
-              </a:ext>
-            </a:extLst>
-          </p:cNvPr>
+          <p:cNvPr id="6" name="矩形 5"/>
           <p:cNvSpPr/>
           <p:nvPr/>
         </p:nvSpPr>
@@ -12032,8 +11967,8 @@
                   <a:srgbClr val="191919"/>
                 </a:solidFill>
                 <a:effectLst/>
-                <a:latin typeface="Microsoft YaHei" panose="020B0503020204020204" pitchFamily="34" charset="-122"/>
-                <a:ea typeface="Microsoft YaHei" panose="020B0503020204020204" pitchFamily="34" charset="-122"/>
+                <a:latin typeface="微软雅黑" panose="020B0503020204020204" pitchFamily="34" charset="-122"/>
+                <a:ea typeface="微软雅黑" panose="020B0503020204020204" pitchFamily="34" charset="-122"/>
               </a:rPr>
               <a:t>源程序</a:t>
             </a:r>
@@ -12173,6 +12108,11 @@
               </a:rPr>
               <a:t>- 定义dfa、文法</a:t>
             </a:r>
+            <a:endParaRPr lang="zh-CN" altLang="en-US" sz="2400" dirty="0">
+              <a:solidFill>
+                <a:srgbClr val="C00000"/>
+              </a:solidFill>
+            </a:endParaRPr>
           </a:p>
           <a:p>
             <a:r>
@@ -12183,6 +12123,11 @@
               </a:rPr>
               <a:t>- 后缀表达式到dfa的转换</a:t>
             </a:r>
+            <a:endParaRPr lang="zh-CN" altLang="en-US" sz="2400" dirty="0">
+              <a:solidFill>
+                <a:srgbClr val="C00000"/>
+              </a:solidFill>
+            </a:endParaRPr>
           </a:p>
           <a:p>
             <a:r>
@@ -12193,6 +12138,11 @@
               </a:rPr>
               <a:t>- first集</a:t>
             </a:r>
+            <a:endParaRPr lang="zh-CN" altLang="en-US" sz="2400" dirty="0">
+              <a:solidFill>
+                <a:srgbClr val="C00000"/>
+              </a:solidFill>
+            </a:endParaRPr>
           </a:p>
           <a:p>
             <a:r>
@@ -12203,6 +12153,11 @@
               </a:rPr>
               <a:t>- LL1文法的检查</a:t>
             </a:r>
+            <a:endParaRPr lang="zh-CN" altLang="en-US" sz="2400" dirty="0">
+              <a:solidFill>
+                <a:srgbClr val="C00000"/>
+              </a:solidFill>
+            </a:endParaRPr>
           </a:p>
           <a:p>
             <a:r>
@@ -12213,6 +12168,11 @@
               </a:rPr>
               <a:t>- 基于LL1文法的语法分析</a:t>
             </a:r>
+            <a:endParaRPr lang="zh-CN" altLang="en-US" sz="2400" dirty="0">
+              <a:solidFill>
+                <a:srgbClr val="C00000"/>
+              </a:solidFill>
+            </a:endParaRPr>
           </a:p>
           <a:p>
             <a:r>
@@ -12223,6 +12183,11 @@
               </a:rPr>
               <a:t>- 调试整合各部分代码</a:t>
             </a:r>
+            <a:endParaRPr lang="zh-CN" altLang="en-US" sz="2400" dirty="0">
+              <a:solidFill>
+                <a:srgbClr val="C00000"/>
+              </a:solidFill>
+            </a:endParaRPr>
           </a:p>
           <a:p>
             <a:r>
@@ -12233,6 +12198,11 @@
               </a:rPr>
               <a:t>- 报告编写</a:t>
             </a:r>
+            <a:endParaRPr lang="zh-CN" altLang="en-US" sz="2400" dirty="0">
+              <a:solidFill>
+                <a:srgbClr val="C00000"/>
+              </a:solidFill>
+            </a:endParaRPr>
           </a:p>
           <a:p>
             <a:r>
@@ -12259,6 +12229,11 @@
               </a:rPr>
               <a:t>同学负责</a:t>
             </a:r>
+            <a:endParaRPr lang="zh-CN" altLang="en-US" sz="2400" dirty="0">
+              <a:solidFill>
+                <a:srgbClr val="C00000"/>
+              </a:solidFill>
+            </a:endParaRPr>
           </a:p>
         </p:txBody>
       </p:sp>
@@ -12535,6 +12510,11 @@
               </a:rPr>
               <a:t>同学负责</a:t>
             </a:r>
+            <a:endParaRPr lang="zh-CN" altLang="en-US" sz="2400" dirty="0">
+              <a:solidFill>
+                <a:srgbClr val="00B050"/>
+              </a:solidFill>
+            </a:endParaRPr>
           </a:p>
         </p:txBody>
       </p:sp>
@@ -12614,6 +12594,11 @@
               </a:rPr>
               <a:t>- 初版dfa最小化算法</a:t>
             </a:r>
+            <a:endParaRPr lang="zh-CN" altLang="en-US" sz="2400" dirty="0">
+              <a:solidFill>
+                <a:srgbClr val="FFC000"/>
+              </a:solidFill>
+            </a:endParaRPr>
           </a:p>
           <a:p>
             <a:r>
@@ -12624,6 +12609,11 @@
               </a:rPr>
               <a:t>- ppt制作</a:t>
             </a:r>
+            <a:endParaRPr lang="zh-CN" altLang="en-US" sz="2400" dirty="0">
+              <a:solidFill>
+                <a:srgbClr val="FFC000"/>
+              </a:solidFill>
+            </a:endParaRPr>
           </a:p>
           <a:p>
             <a:r>
@@ -12634,6 +12624,11 @@
               </a:rPr>
               <a:t>- 报告编写</a:t>
             </a:r>
+            <a:endParaRPr lang="zh-CN" altLang="en-US" sz="2400" dirty="0">
+              <a:solidFill>
+                <a:srgbClr val="FFC000"/>
+              </a:solidFill>
+            </a:endParaRPr>
           </a:p>
           <a:p>
             <a:r>
@@ -13106,18 +13101,17 @@
               </a:rPr>
               <a:t>同学负责</a:t>
             </a:r>
+            <a:endParaRPr lang="zh-CN" altLang="en-US" sz="2400" dirty="0">
+              <a:solidFill>
+                <a:srgbClr val="00B0F0"/>
+              </a:solidFill>
+            </a:endParaRPr>
           </a:p>
         </p:txBody>
       </p:sp>
       <p:sp>
         <p:nvSpPr>
-          <p:cNvPr id="5" name="矩形 4">
-            <a:extLst>
-              <a:ext uri="{FF2B5EF4-FFF2-40B4-BE49-F238E27FC236}">
-                <a16:creationId xmlns:a16="http://schemas.microsoft.com/office/drawing/2014/main" id="{631208B6-668E-E43F-BF6E-DA42AA68D57E}"/>
-              </a:ext>
-            </a:extLst>
-          </p:cNvPr>
+          <p:cNvPr id="5" name="矩形 4"/>
           <p:cNvSpPr/>
           <p:nvPr/>
         </p:nvSpPr>
@@ -13171,8 +13165,8 @@
                   <a:srgbClr val="191919"/>
                 </a:solidFill>
                 <a:effectLst/>
-                <a:latin typeface="Microsoft YaHei" panose="020B0503020204020204" pitchFamily="34" charset="-122"/>
-                <a:ea typeface="Microsoft YaHei" panose="020B0503020204020204" pitchFamily="34" charset="-122"/>
+                <a:latin typeface="微软雅黑" panose="020B0503020204020204" pitchFamily="34" charset="-122"/>
+                <a:ea typeface="微软雅黑" panose="020B0503020204020204" pitchFamily="34" charset="-122"/>
               </a:rPr>
               <a:t>构建</a:t>
             </a:r>
@@ -13182,8 +13176,8 @@
                   <a:srgbClr val="191919"/>
                 </a:solidFill>
                 <a:effectLst/>
-                <a:latin typeface="Microsoft YaHei" panose="020B0503020204020204" pitchFamily="34" charset="-122"/>
-                <a:ea typeface="Microsoft YaHei" panose="020B0503020204020204" pitchFamily="34" charset="-122"/>
+                <a:latin typeface="微软雅黑" panose="020B0503020204020204" pitchFamily="34" charset="-122"/>
+                <a:ea typeface="微软雅黑" panose="020B0503020204020204" pitchFamily="34" charset="-122"/>
               </a:rPr>
               <a:t>first</a:t>
             </a:r>
@@ -13193,8 +13187,8 @@
                   <a:srgbClr val="191919"/>
                 </a:solidFill>
                 <a:effectLst/>
-                <a:latin typeface="Microsoft YaHei" panose="020B0503020204020204" pitchFamily="34" charset="-122"/>
-                <a:ea typeface="Microsoft YaHei" panose="020B0503020204020204" pitchFamily="34" charset="-122"/>
+                <a:latin typeface="微软雅黑" panose="020B0503020204020204" pitchFamily="34" charset="-122"/>
+                <a:ea typeface="微软雅黑" panose="020B0503020204020204" pitchFamily="34" charset="-122"/>
               </a:rPr>
               <a:t>集</a:t>
             </a:r>
@@ -13204,13 +13198,7 @@
       </p:sp>
       <p:sp>
         <p:nvSpPr>
-          <p:cNvPr id="16" name="矩形 15">
-            <a:extLst>
-              <a:ext uri="{FF2B5EF4-FFF2-40B4-BE49-F238E27FC236}">
-                <a16:creationId xmlns:a16="http://schemas.microsoft.com/office/drawing/2014/main" id="{9D3B69DD-7256-D6D7-AEFC-A433FD1C0F91}"/>
-              </a:ext>
-            </a:extLst>
-          </p:cNvPr>
+          <p:cNvPr id="16" name="矩形 15"/>
           <p:cNvSpPr/>
           <p:nvPr/>
         </p:nvSpPr>
@@ -13264,8 +13252,8 @@
                   <a:srgbClr val="191919"/>
                 </a:solidFill>
                 <a:effectLst/>
-                <a:latin typeface="Microsoft YaHei" panose="020B0503020204020204" pitchFamily="34" charset="-122"/>
-                <a:ea typeface="Microsoft YaHei" panose="020B0503020204020204" pitchFamily="34" charset="-122"/>
+                <a:latin typeface="微软雅黑" panose="020B0503020204020204" pitchFamily="34" charset="-122"/>
+                <a:ea typeface="微软雅黑" panose="020B0503020204020204" pitchFamily="34" charset="-122"/>
               </a:rPr>
               <a:t>c--</a:t>
             </a:r>
@@ -13275,8 +13263,8 @@
                   <a:srgbClr val="191919"/>
                 </a:solidFill>
                 <a:effectLst/>
-                <a:latin typeface="Microsoft YaHei" panose="020B0503020204020204" pitchFamily="34" charset="-122"/>
-                <a:ea typeface="Microsoft YaHei" panose="020B0503020204020204" pitchFamily="34" charset="-122"/>
+                <a:latin typeface="微软雅黑" panose="020B0503020204020204" pitchFamily="34" charset="-122"/>
+                <a:ea typeface="微软雅黑" panose="020B0503020204020204" pitchFamily="34" charset="-122"/>
               </a:rPr>
               <a:t>的文法 </a:t>
             </a:r>
@@ -13286,13 +13274,7 @@
       </p:sp>
       <p:sp>
         <p:nvSpPr>
-          <p:cNvPr id="17" name="矩形 16">
-            <a:extLst>
-              <a:ext uri="{FF2B5EF4-FFF2-40B4-BE49-F238E27FC236}">
-                <a16:creationId xmlns:a16="http://schemas.microsoft.com/office/drawing/2014/main" id="{C2472C21-0771-D014-834B-189B69F73420}"/>
-              </a:ext>
-            </a:extLst>
-          </p:cNvPr>
+          <p:cNvPr id="17" name="矩形 16"/>
           <p:cNvSpPr/>
           <p:nvPr/>
         </p:nvSpPr>
@@ -13346,8 +13328,8 @@
                   <a:srgbClr val="191919"/>
                 </a:solidFill>
                 <a:effectLst/>
-                <a:latin typeface="Microsoft YaHei" panose="020B0503020204020204" pitchFamily="34" charset="-122"/>
-                <a:ea typeface="Microsoft YaHei" panose="020B0503020204020204" pitchFamily="34" charset="-122"/>
+                <a:latin typeface="微软雅黑" panose="020B0503020204020204" pitchFamily="34" charset="-122"/>
+                <a:ea typeface="微软雅黑" panose="020B0503020204020204" pitchFamily="34" charset="-122"/>
               </a:rPr>
               <a:t>编译器入口</a:t>
             </a:r>
@@ -13357,13 +13339,7 @@
       </p:sp>
       <p:sp>
         <p:nvSpPr>
-          <p:cNvPr id="30" name="矩形 29">
-            <a:extLst>
-              <a:ext uri="{FF2B5EF4-FFF2-40B4-BE49-F238E27FC236}">
-                <a16:creationId xmlns:a16="http://schemas.microsoft.com/office/drawing/2014/main" id="{302547E0-AEF3-5D07-CA70-B7D32A324C1E}"/>
-              </a:ext>
-            </a:extLst>
-          </p:cNvPr>
+          <p:cNvPr id="30" name="矩形 29"/>
           <p:cNvSpPr/>
           <p:nvPr/>
         </p:nvSpPr>
@@ -13417,8 +13393,8 @@
                   <a:srgbClr val="191919"/>
                 </a:solidFill>
                 <a:effectLst/>
-                <a:latin typeface="Microsoft YaHei" panose="020B0503020204020204" pitchFamily="34" charset="-122"/>
-                <a:ea typeface="Microsoft YaHei" panose="020B0503020204020204" pitchFamily="34" charset="-122"/>
+                <a:latin typeface="微软雅黑" panose="020B0503020204020204" pitchFamily="34" charset="-122"/>
+                <a:ea typeface="微软雅黑" panose="020B0503020204020204" pitchFamily="34" charset="-122"/>
               </a:rPr>
               <a:t>正则表达式转后缀表达式</a:t>
             </a:r>
@@ -13428,13 +13404,7 @@
       </p:sp>
       <p:sp>
         <p:nvSpPr>
-          <p:cNvPr id="37" name="矩形 36">
-            <a:extLst>
-              <a:ext uri="{FF2B5EF4-FFF2-40B4-BE49-F238E27FC236}">
-                <a16:creationId xmlns:a16="http://schemas.microsoft.com/office/drawing/2014/main" id="{3316CA8F-DF9B-431B-D832-58342041D27A}"/>
-              </a:ext>
-            </a:extLst>
-          </p:cNvPr>
+          <p:cNvPr id="37" name="矩形 36"/>
           <p:cNvSpPr/>
           <p:nvPr/>
         </p:nvSpPr>
@@ -13488,8 +13458,8 @@
                   <a:srgbClr val="191919"/>
                 </a:solidFill>
                 <a:effectLst/>
-                <a:latin typeface="Microsoft YaHei" panose="020B0503020204020204" pitchFamily="34" charset="-122"/>
-                <a:ea typeface="Microsoft YaHei" panose="020B0503020204020204" pitchFamily="34" charset="-122"/>
+                <a:latin typeface="微软雅黑" panose="020B0503020204020204" pitchFamily="34" charset="-122"/>
+                <a:ea typeface="微软雅黑" panose="020B0503020204020204" pitchFamily="34" charset="-122"/>
               </a:rPr>
               <a:t>分析</a:t>
             </a:r>
@@ -13499,8 +13469,8 @@
                   <a:srgbClr val="191919"/>
                 </a:solidFill>
                 <a:effectLst/>
-                <a:latin typeface="Microsoft YaHei" panose="020B0503020204020204" pitchFamily="34" charset="-122"/>
-                <a:ea typeface="Microsoft YaHei" panose="020B0503020204020204" pitchFamily="34" charset="-122"/>
+                <a:latin typeface="微软雅黑" panose="020B0503020204020204" pitchFamily="34" charset="-122"/>
+                <a:ea typeface="微软雅黑" panose="020B0503020204020204" pitchFamily="34" charset="-122"/>
               </a:rPr>
               <a:t>tokens</a:t>
             </a:r>
@@ -13510,13 +13480,7 @@
       </p:sp>
       <p:cxnSp>
         <p:nvCxnSpPr>
-          <p:cNvPr id="38" name="Straight Connector 1">
-            <a:extLst>
-              <a:ext uri="{FF2B5EF4-FFF2-40B4-BE49-F238E27FC236}">
-                <a16:creationId xmlns:a16="http://schemas.microsoft.com/office/drawing/2014/main" id="{DCC249B9-7EFF-5A80-96BB-3717C512F643}"/>
-              </a:ext>
-            </a:extLst>
-          </p:cNvPr>
+          <p:cNvPr id="38" name="Straight Connector 1"/>
           <p:cNvCxnSpPr/>
           <p:nvPr/>
         </p:nvCxnSpPr>
@@ -13551,15 +13515,8 @@
       </p:cxnSp>
       <p:cxnSp>
         <p:nvCxnSpPr>
-          <p:cNvPr id="40" name="直接箭头连接符 39">
-            <a:extLst>
-              <a:ext uri="{FF2B5EF4-FFF2-40B4-BE49-F238E27FC236}">
-                <a16:creationId xmlns:a16="http://schemas.microsoft.com/office/drawing/2014/main" id="{D4DD33B9-8D44-AF5E-B5E5-26311F4DC967}"/>
-              </a:ext>
-            </a:extLst>
-          </p:cNvPr>
+          <p:cNvPr id="40" name="直接箭头连接符 39"/>
           <p:cNvCxnSpPr>
-            <a:cxnSpLocks/>
             <a:stCxn id="10" idx="3"/>
             <a:endCxn id="150" idx="1"/>
           </p:cNvCxnSpPr>
@@ -13594,15 +13551,8 @@
       </p:cxnSp>
       <p:cxnSp>
         <p:nvCxnSpPr>
-          <p:cNvPr id="43" name="直接箭头连接符 42">
-            <a:extLst>
-              <a:ext uri="{FF2B5EF4-FFF2-40B4-BE49-F238E27FC236}">
-                <a16:creationId xmlns:a16="http://schemas.microsoft.com/office/drawing/2014/main" id="{437B9A28-AFF6-287D-8477-CBF065241A2B}"/>
-              </a:ext>
-            </a:extLst>
-          </p:cNvPr>
+          <p:cNvPr id="43" name="直接箭头连接符 42"/>
           <p:cNvCxnSpPr>
-            <a:cxnSpLocks/>
             <a:stCxn id="6" idx="3"/>
             <a:endCxn id="10" idx="1"/>
           </p:cNvCxnSpPr>
@@ -13637,13 +13587,7 @@
       </p:cxnSp>
       <p:sp>
         <p:nvSpPr>
-          <p:cNvPr id="48" name="矩形 47">
-            <a:extLst>
-              <a:ext uri="{FF2B5EF4-FFF2-40B4-BE49-F238E27FC236}">
-                <a16:creationId xmlns:a16="http://schemas.microsoft.com/office/drawing/2014/main" id="{C2E4C6E0-3B82-DAD3-706F-DA2A1527CB5F}"/>
-              </a:ext>
-            </a:extLst>
-          </p:cNvPr>
+          <p:cNvPr id="48" name="矩形 47"/>
           <p:cNvSpPr/>
           <p:nvPr/>
         </p:nvSpPr>
@@ -13697,8 +13641,8 @@
                   <a:srgbClr val="191919"/>
                 </a:solidFill>
                 <a:effectLst/>
-                <a:latin typeface="Microsoft YaHei" panose="020B0503020204020204" pitchFamily="34" charset="-122"/>
-                <a:ea typeface="Microsoft YaHei" panose="020B0503020204020204" pitchFamily="34" charset="-122"/>
+                <a:latin typeface="微软雅黑" panose="020B0503020204020204" pitchFamily="34" charset="-122"/>
+                <a:ea typeface="微软雅黑" panose="020B0503020204020204" pitchFamily="34" charset="-122"/>
               </a:rPr>
               <a:t>前端的其余部分</a:t>
             </a:r>
@@ -13708,15 +13652,8 @@
       </p:sp>
       <p:cxnSp>
         <p:nvCxnSpPr>
-          <p:cNvPr id="53" name="直接箭头连接符 52">
-            <a:extLst>
-              <a:ext uri="{FF2B5EF4-FFF2-40B4-BE49-F238E27FC236}">
-                <a16:creationId xmlns:a16="http://schemas.microsoft.com/office/drawing/2014/main" id="{C0A149ED-1C2A-CE12-5C97-F5575E250304}"/>
-              </a:ext>
-            </a:extLst>
-          </p:cNvPr>
+          <p:cNvPr id="53" name="直接箭头连接符 52"/>
           <p:cNvCxnSpPr>
-            <a:cxnSpLocks/>
             <a:endCxn id="48" idx="1"/>
           </p:cNvCxnSpPr>
           <p:nvPr/>
@@ -13750,13 +13687,7 @@
       </p:cxnSp>
       <p:cxnSp>
         <p:nvCxnSpPr>
-          <p:cNvPr id="55" name="直接箭头连接符 54">
-            <a:extLst>
-              <a:ext uri="{FF2B5EF4-FFF2-40B4-BE49-F238E27FC236}">
-                <a16:creationId xmlns:a16="http://schemas.microsoft.com/office/drawing/2014/main" id="{B90D2A7F-36ED-234A-F9AD-EB4EBF4C96A3}"/>
-              </a:ext>
-            </a:extLst>
-          </p:cNvPr>
+          <p:cNvPr id="55" name="直接箭头连接符 54"/>
           <p:cNvCxnSpPr>
             <a:stCxn id="48" idx="3"/>
           </p:cNvCxnSpPr>
@@ -13791,13 +13722,7 @@
       </p:cxnSp>
       <p:sp>
         <p:nvSpPr>
-          <p:cNvPr id="58" name="文本框 57">
-            <a:extLst>
-              <a:ext uri="{FF2B5EF4-FFF2-40B4-BE49-F238E27FC236}">
-                <a16:creationId xmlns:a16="http://schemas.microsoft.com/office/drawing/2014/main" id="{3661BD82-3936-1024-4D6A-1D053043E05F}"/>
-              </a:ext>
-            </a:extLst>
-          </p:cNvPr>
+          <p:cNvPr id="58" name="文本框 57"/>
           <p:cNvSpPr txBox="1"/>
           <p:nvPr/>
         </p:nvSpPr>
@@ -13821,18 +13746,13 @@
               <a:rPr lang="zh-CN" altLang="en-US" dirty="0"/>
               <a:t>中间表示</a:t>
             </a:r>
+            <a:endParaRPr lang="zh-CN" altLang="en-US" dirty="0"/>
           </a:p>
         </p:txBody>
       </p:sp>
       <p:sp>
         <p:nvSpPr>
-          <p:cNvPr id="60" name="文本框 59">
-            <a:extLst>
-              <a:ext uri="{FF2B5EF4-FFF2-40B4-BE49-F238E27FC236}">
-                <a16:creationId xmlns:a16="http://schemas.microsoft.com/office/drawing/2014/main" id="{5A7F25DD-A358-216E-B00A-2E6231DCF077}"/>
-              </a:ext>
-            </a:extLst>
-          </p:cNvPr>
+          <p:cNvPr id="60" name="文本框 59"/>
           <p:cNvSpPr txBox="1"/>
           <p:nvPr/>
         </p:nvSpPr>
@@ -13858,8 +13778,8 @@
                   <a:srgbClr val="191919"/>
                 </a:solidFill>
                 <a:effectLst/>
-                <a:latin typeface="Microsoft YaHei" panose="020B0503020204020204" pitchFamily="34" charset="-122"/>
-                <a:ea typeface="Microsoft YaHei" panose="020B0503020204020204" pitchFamily="34" charset="-122"/>
+                <a:latin typeface="微软雅黑" panose="020B0503020204020204" pitchFamily="34" charset="-122"/>
+                <a:ea typeface="微软雅黑" panose="020B0503020204020204" pitchFamily="34" charset="-122"/>
               </a:rPr>
               <a:t>语法树</a:t>
             </a:r>
@@ -13869,13 +13789,7 @@
       </p:sp>
       <p:sp>
         <p:nvSpPr>
-          <p:cNvPr id="62" name="文本框 61">
-            <a:extLst>
-              <a:ext uri="{FF2B5EF4-FFF2-40B4-BE49-F238E27FC236}">
-                <a16:creationId xmlns:a16="http://schemas.microsoft.com/office/drawing/2014/main" id="{3EB62894-5406-CB90-12C4-6B8084595763}"/>
-              </a:ext>
-            </a:extLst>
-          </p:cNvPr>
+          <p:cNvPr id="62" name="文本框 61"/>
           <p:cNvSpPr txBox="1"/>
           <p:nvPr/>
         </p:nvSpPr>
@@ -13901,8 +13815,8 @@
                   <a:srgbClr val="191919"/>
                 </a:solidFill>
                 <a:effectLst/>
-                <a:latin typeface="Microsoft YaHei" panose="020B0503020204020204" pitchFamily="34" charset="-122"/>
-                <a:ea typeface="Microsoft YaHei" panose="020B0503020204020204" pitchFamily="34" charset="-122"/>
+                <a:latin typeface="微软雅黑" panose="020B0503020204020204" pitchFamily="34" charset="-122"/>
+                <a:ea typeface="微软雅黑" panose="020B0503020204020204" pitchFamily="34" charset="-122"/>
               </a:rPr>
               <a:t>单词符号</a:t>
             </a:r>
@@ -13912,13 +13826,7 @@
       </p:sp>
       <p:sp>
         <p:nvSpPr>
-          <p:cNvPr id="83" name="矩形 82">
-            <a:extLst>
-              <a:ext uri="{FF2B5EF4-FFF2-40B4-BE49-F238E27FC236}">
-                <a16:creationId xmlns:a16="http://schemas.microsoft.com/office/drawing/2014/main" id="{90AC75B7-6952-F107-078F-AC43A1756838}"/>
-              </a:ext>
-            </a:extLst>
-          </p:cNvPr>
+          <p:cNvPr id="83" name="矩形 82"/>
           <p:cNvSpPr/>
           <p:nvPr/>
         </p:nvSpPr>
@@ -13971,8 +13879,8 @@
                 <a:solidFill>
                   <a:srgbClr val="191919"/>
                 </a:solidFill>
-                <a:latin typeface="Microsoft YaHei" panose="020B0503020204020204" pitchFamily="34" charset="-122"/>
-                <a:ea typeface="Microsoft YaHei" panose="020B0503020204020204" pitchFamily="34" charset="-122"/>
+                <a:latin typeface="微软雅黑" panose="020B0503020204020204" pitchFamily="34" charset="-122"/>
+                <a:ea typeface="微软雅黑" panose="020B0503020204020204" pitchFamily="34" charset="-122"/>
               </a:rPr>
               <a:t>符号表</a:t>
             </a:r>
@@ -13982,16 +13890,8 @@
       </p:sp>
       <p:cxnSp>
         <p:nvCxnSpPr>
-          <p:cNvPr id="87" name="直接箭头连接符 86">
-            <a:extLst>
-              <a:ext uri="{FF2B5EF4-FFF2-40B4-BE49-F238E27FC236}">
-                <a16:creationId xmlns:a16="http://schemas.microsoft.com/office/drawing/2014/main" id="{92CC943A-2D68-04BE-66DB-03D62B9A712D}"/>
-              </a:ext>
-            </a:extLst>
-          </p:cNvPr>
-          <p:cNvCxnSpPr>
-            <a:cxnSpLocks/>
-          </p:cNvCxnSpPr>
+          <p:cNvPr id="87" name="直接箭头连接符 86"/>
+          <p:cNvCxnSpPr/>
           <p:nvPr/>
         </p:nvCxnSpPr>
         <p:spPr>
@@ -14023,13 +13923,7 @@
       </p:cxnSp>
       <p:sp>
         <p:nvSpPr>
-          <p:cNvPr id="89" name="文本框 88">
-            <a:extLst>
-              <a:ext uri="{FF2B5EF4-FFF2-40B4-BE49-F238E27FC236}">
-                <a16:creationId xmlns:a16="http://schemas.microsoft.com/office/drawing/2014/main" id="{26E1535E-F92F-B8E3-43E9-5571F7DD5D21}"/>
-              </a:ext>
-            </a:extLst>
-          </p:cNvPr>
+          <p:cNvPr id="89" name="文本框 88"/>
           <p:cNvSpPr txBox="1"/>
           <p:nvPr/>
         </p:nvSpPr>
@@ -14055,8 +13949,8 @@
                   <a:srgbClr val="191919"/>
                 </a:solidFill>
                 <a:effectLst/>
-                <a:latin typeface="Microsoft YaHei" panose="020B0503020204020204" pitchFamily="34" charset="-122"/>
-                <a:ea typeface="Microsoft YaHei" panose="020B0503020204020204" pitchFamily="34" charset="-122"/>
+                <a:latin typeface="微软雅黑" panose="020B0503020204020204" pitchFamily="34" charset="-122"/>
+                <a:ea typeface="微软雅黑" panose="020B0503020204020204" pitchFamily="34" charset="-122"/>
               </a:rPr>
               <a:t>取下一个单词符号</a:t>
             </a:r>
@@ -14066,13 +13960,7 @@
       </p:sp>
       <p:cxnSp>
         <p:nvCxnSpPr>
-          <p:cNvPr id="95" name="直接箭头连接符 94">
-            <a:extLst>
-              <a:ext uri="{FF2B5EF4-FFF2-40B4-BE49-F238E27FC236}">
-                <a16:creationId xmlns:a16="http://schemas.microsoft.com/office/drawing/2014/main" id="{E9DEBFFA-2C77-9FD7-E6A7-93E68FEC9CC8}"/>
-              </a:ext>
-            </a:extLst>
-          </p:cNvPr>
+          <p:cNvPr id="95" name="直接箭头连接符 94"/>
           <p:cNvCxnSpPr>
             <a:stCxn id="29" idx="2"/>
             <a:endCxn id="30" idx="0"/>
@@ -14108,13 +13996,7 @@
       </p:cxnSp>
       <p:cxnSp>
         <p:nvCxnSpPr>
-          <p:cNvPr id="97" name="直接箭头连接符 96">
-            <a:extLst>
-              <a:ext uri="{FF2B5EF4-FFF2-40B4-BE49-F238E27FC236}">
-                <a16:creationId xmlns:a16="http://schemas.microsoft.com/office/drawing/2014/main" id="{25497124-1BE6-3647-842F-8372308B0132}"/>
-              </a:ext>
-            </a:extLst>
-          </p:cNvPr>
+          <p:cNvPr id="97" name="直接箭头连接符 96"/>
           <p:cNvCxnSpPr>
             <a:stCxn id="30" idx="2"/>
             <a:endCxn id="31" idx="0"/>
@@ -14150,13 +14032,7 @@
       </p:cxnSp>
       <p:cxnSp>
         <p:nvCxnSpPr>
-          <p:cNvPr id="99" name="直接箭头连接符 98">
-            <a:extLst>
-              <a:ext uri="{FF2B5EF4-FFF2-40B4-BE49-F238E27FC236}">
-                <a16:creationId xmlns:a16="http://schemas.microsoft.com/office/drawing/2014/main" id="{80EE9EAA-1DEE-55DE-969A-0CA7081A9EB5}"/>
-              </a:ext>
-            </a:extLst>
-          </p:cNvPr>
+          <p:cNvPr id="99" name="直接箭头连接符 98"/>
           <p:cNvCxnSpPr>
             <a:stCxn id="31" idx="2"/>
             <a:endCxn id="32" idx="0"/>
@@ -14192,15 +14068,8 @@
       </p:cxnSp>
       <p:cxnSp>
         <p:nvCxnSpPr>
-          <p:cNvPr id="101" name="直接箭头连接符 100">
-            <a:extLst>
-              <a:ext uri="{FF2B5EF4-FFF2-40B4-BE49-F238E27FC236}">
-                <a16:creationId xmlns:a16="http://schemas.microsoft.com/office/drawing/2014/main" id="{1FF6C02C-4576-D4CA-A27B-ED67369F83BD}"/>
-              </a:ext>
-            </a:extLst>
-          </p:cNvPr>
+          <p:cNvPr id="101" name="直接箭头连接符 100"/>
           <p:cNvCxnSpPr>
-            <a:cxnSpLocks/>
             <a:stCxn id="32" idx="2"/>
             <a:endCxn id="33" idx="0"/>
           </p:cNvCxnSpPr>
@@ -14235,13 +14104,7 @@
       </p:cxnSp>
       <p:cxnSp>
         <p:nvCxnSpPr>
-          <p:cNvPr id="107" name="直接箭头连接符 106">
-            <a:extLst>
-              <a:ext uri="{FF2B5EF4-FFF2-40B4-BE49-F238E27FC236}">
-                <a16:creationId xmlns:a16="http://schemas.microsoft.com/office/drawing/2014/main" id="{EE6F73EC-589A-BC03-4EC7-C85AB4FE0E73}"/>
-              </a:ext>
-            </a:extLst>
-          </p:cNvPr>
+          <p:cNvPr id="107" name="直接箭头连接符 106"/>
           <p:cNvCxnSpPr>
             <a:stCxn id="33" idx="2"/>
             <a:endCxn id="34" idx="0"/>
@@ -14277,13 +14140,7 @@
       </p:cxnSp>
       <p:cxnSp>
         <p:nvCxnSpPr>
-          <p:cNvPr id="109" name="直接箭头连接符 108">
-            <a:extLst>
-              <a:ext uri="{FF2B5EF4-FFF2-40B4-BE49-F238E27FC236}">
-                <a16:creationId xmlns:a16="http://schemas.microsoft.com/office/drawing/2014/main" id="{A0172A8F-836A-4352-B6B6-FCCEE3925CEF}"/>
-              </a:ext>
-            </a:extLst>
-          </p:cNvPr>
+          <p:cNvPr id="109" name="直接箭头连接符 108"/>
           <p:cNvCxnSpPr>
             <a:stCxn id="34" idx="2"/>
             <a:endCxn id="28" idx="0"/>
@@ -14319,13 +14176,7 @@
       </p:cxnSp>
       <p:cxnSp>
         <p:nvCxnSpPr>
-          <p:cNvPr id="125" name="直接箭头连接符 124">
-            <a:extLst>
-              <a:ext uri="{FF2B5EF4-FFF2-40B4-BE49-F238E27FC236}">
-                <a16:creationId xmlns:a16="http://schemas.microsoft.com/office/drawing/2014/main" id="{C549B6F1-8E8C-159C-56DD-D94FDFA082D5}"/>
-              </a:ext>
-            </a:extLst>
-          </p:cNvPr>
+          <p:cNvPr id="125" name="直接箭头连接符 124"/>
           <p:cNvCxnSpPr>
             <a:stCxn id="17" idx="2"/>
             <a:endCxn id="16" idx="0"/>
@@ -14361,13 +14212,7 @@
       </p:cxnSp>
       <p:cxnSp>
         <p:nvCxnSpPr>
-          <p:cNvPr id="127" name="直接箭头连接符 126">
-            <a:extLst>
-              <a:ext uri="{FF2B5EF4-FFF2-40B4-BE49-F238E27FC236}">
-                <a16:creationId xmlns:a16="http://schemas.microsoft.com/office/drawing/2014/main" id="{BCC76A0E-C3B3-D539-C9A1-60A41482B49B}"/>
-              </a:ext>
-            </a:extLst>
-          </p:cNvPr>
+          <p:cNvPr id="127" name="直接箭头连接符 126"/>
           <p:cNvCxnSpPr>
             <a:stCxn id="16" idx="2"/>
             <a:endCxn id="15" idx="0"/>
@@ -14403,13 +14248,7 @@
       </p:cxnSp>
       <p:cxnSp>
         <p:nvCxnSpPr>
-          <p:cNvPr id="129" name="直接箭头连接符 128">
-            <a:extLst>
-              <a:ext uri="{FF2B5EF4-FFF2-40B4-BE49-F238E27FC236}">
-                <a16:creationId xmlns:a16="http://schemas.microsoft.com/office/drawing/2014/main" id="{AD944415-C43F-D050-2F09-789AAF9172B8}"/>
-              </a:ext>
-            </a:extLst>
-          </p:cNvPr>
+          <p:cNvPr id="129" name="直接箭头连接符 128"/>
           <p:cNvCxnSpPr>
             <a:stCxn id="15" idx="2"/>
             <a:endCxn id="4" idx="0"/>
@@ -14445,13 +14284,7 @@
       </p:cxnSp>
       <p:cxnSp>
         <p:nvCxnSpPr>
-          <p:cNvPr id="131" name="直接箭头连接符 130">
-            <a:extLst>
-              <a:ext uri="{FF2B5EF4-FFF2-40B4-BE49-F238E27FC236}">
-                <a16:creationId xmlns:a16="http://schemas.microsoft.com/office/drawing/2014/main" id="{286002E5-C14B-3AC4-884E-213500B61B23}"/>
-              </a:ext>
-            </a:extLst>
-          </p:cNvPr>
+          <p:cNvPr id="131" name="直接箭头连接符 130"/>
           <p:cNvCxnSpPr>
             <a:stCxn id="4" idx="2"/>
             <a:endCxn id="5" idx="0"/>
@@ -14487,13 +14320,7 @@
       </p:cxnSp>
       <p:cxnSp>
         <p:nvCxnSpPr>
-          <p:cNvPr id="133" name="直接箭头连接符 132">
-            <a:extLst>
-              <a:ext uri="{FF2B5EF4-FFF2-40B4-BE49-F238E27FC236}">
-                <a16:creationId xmlns:a16="http://schemas.microsoft.com/office/drawing/2014/main" id="{27E0F85A-78FD-7A0A-BA77-FD7383CC5658}"/>
-              </a:ext>
-            </a:extLst>
-          </p:cNvPr>
+          <p:cNvPr id="133" name="直接箭头连接符 132"/>
           <p:cNvCxnSpPr>
             <a:stCxn id="5" idx="2"/>
             <a:endCxn id="35" idx="0"/>
@@ -14529,13 +14356,7 @@
       </p:cxnSp>
       <p:cxnSp>
         <p:nvCxnSpPr>
-          <p:cNvPr id="135" name="直接箭头连接符 134">
-            <a:extLst>
-              <a:ext uri="{FF2B5EF4-FFF2-40B4-BE49-F238E27FC236}">
-                <a16:creationId xmlns:a16="http://schemas.microsoft.com/office/drawing/2014/main" id="{28AFEC94-516E-1078-2D54-20869A6B3F39}"/>
-              </a:ext>
-            </a:extLst>
-          </p:cNvPr>
+          <p:cNvPr id="135" name="直接箭头连接符 134"/>
           <p:cNvCxnSpPr>
             <a:stCxn id="35" idx="2"/>
             <a:endCxn id="37" idx="0"/>
@@ -14571,13 +14392,7 @@
       </p:cxnSp>
       <p:sp>
         <p:nvSpPr>
-          <p:cNvPr id="150" name="矩形 149">
-            <a:extLst>
-              <a:ext uri="{FF2B5EF4-FFF2-40B4-BE49-F238E27FC236}">
-                <a16:creationId xmlns:a16="http://schemas.microsoft.com/office/drawing/2014/main" id="{7B8F0289-0389-2599-428B-ABA3371D9BA4}"/>
-              </a:ext>
-            </a:extLst>
-          </p:cNvPr>
+          <p:cNvPr id="150" name="矩形 149"/>
           <p:cNvSpPr/>
           <p:nvPr/>
         </p:nvSpPr>
@@ -15159,6 +14974,36 @@
           <p:nvPr/>
         </p:nvPicPr>
         <p:blipFill>
+          <a:blip r:embed="rId1">
+            <a:extLst>
+              <a:ext uri="{96DAC541-7B7A-43D3-8B79-37D633B846F1}">
+                <asvg:svgBlip xmlns:asvg="http://schemas.microsoft.com/office/drawing/2016/SVG/main" r:embed="rId2"/>
+              </a:ext>
+            </a:extLst>
+          </a:blip>
+          <a:stretch>
+            <a:fillRect/>
+          </a:stretch>
+        </p:blipFill>
+        <p:spPr>
+          <a:xfrm>
+            <a:off x="-211287" y="2812091"/>
+            <a:ext cx="17979054" cy="4251338"/>
+          </a:xfrm>
+          <a:prstGeom prst="rect">
+            <a:avLst/>
+          </a:prstGeom>
+        </p:spPr>
+      </p:pic>
+      <p:pic>
+        <p:nvPicPr>
+          <p:cNvPr id="3" name="Image 1" descr="preencoded.png"/>
+          <p:cNvPicPr>
+            <a:picLocks noChangeAspect="1"/>
+          </p:cNvPicPr>
+          <p:nvPr/>
+        </p:nvPicPr>
+        <p:blipFill>
           <a:blip r:embed="rId3">
             <a:extLst>
               <a:ext uri="{96DAC541-7B7A-43D3-8B79-37D633B846F1}">
@@ -15172,8 +15017,8 @@
         </p:blipFill>
         <p:spPr>
           <a:xfrm>
-            <a:off x="-211287" y="2812091"/>
-            <a:ext cx="17979054" cy="4251338"/>
+            <a:off x="7160150" y="-280376"/>
+            <a:ext cx="3236179" cy="859785"/>
           </a:xfrm>
           <a:prstGeom prst="rect">
             <a:avLst/>
@@ -15182,7 +15027,7 @@
       </p:pic>
       <p:pic>
         <p:nvPicPr>
-          <p:cNvPr id="3" name="Image 1" descr="preencoded.png"/>
+          <p:cNvPr id="4" name="Image 2" descr="preencoded.png"/>
           <p:cNvPicPr>
             <a:picLocks noChangeAspect="1"/>
           </p:cNvPicPr>
@@ -15202,8 +15047,8 @@
         </p:blipFill>
         <p:spPr>
           <a:xfrm>
-            <a:off x="7160150" y="-280376"/>
-            <a:ext cx="3236179" cy="859785"/>
+            <a:off x="7160150" y="669504"/>
+            <a:ext cx="3236179" cy="144559"/>
           </a:xfrm>
           <a:prstGeom prst="rect">
             <a:avLst/>
@@ -15212,17 +15057,17 @@
       </p:pic>
       <p:pic>
         <p:nvPicPr>
-          <p:cNvPr id="4" name="Image 2" descr="preencoded.png"/>
+          <p:cNvPr id="5" name="Image 3" descr="preencoded.png"/>
           <p:cNvPicPr>
             <a:picLocks noChangeAspect="1"/>
           </p:cNvPicPr>
           <p:nvPr/>
         </p:nvPicPr>
         <p:blipFill>
-          <a:blip r:embed="rId7">
+          <a:blip r:embed="rId3">
             <a:extLst>
               <a:ext uri="{96DAC541-7B7A-43D3-8B79-37D633B846F1}">
-                <asvg:svgBlip xmlns:asvg="http://schemas.microsoft.com/office/drawing/2016/SVG/main" r:embed="rId8"/>
+                <asvg:svgBlip xmlns:asvg="http://schemas.microsoft.com/office/drawing/2016/SVG/main" r:embed="rId4"/>
               </a:ext>
             </a:extLst>
           </a:blip>
@@ -15232,36 +15077,6 @@
         </p:blipFill>
         <p:spPr>
           <a:xfrm>
-            <a:off x="7160150" y="669504"/>
-            <a:ext cx="3236179" cy="144559"/>
-          </a:xfrm>
-          <a:prstGeom prst="rect">
-            <a:avLst/>
-          </a:prstGeom>
-        </p:spPr>
-      </p:pic>
-      <p:pic>
-        <p:nvPicPr>
-          <p:cNvPr id="5" name="Image 3" descr="preencoded.png"/>
-          <p:cNvPicPr>
-            <a:picLocks noChangeAspect="1"/>
-          </p:cNvPicPr>
-          <p:nvPr/>
-        </p:nvPicPr>
-        <p:blipFill>
-          <a:blip r:embed="rId5">
-            <a:extLst>
-              <a:ext uri="{96DAC541-7B7A-43D3-8B79-37D633B846F1}">
-                <asvg:svgBlip xmlns:asvg="http://schemas.microsoft.com/office/drawing/2016/SVG/main" r:embed="rId6"/>
-              </a:ext>
-            </a:extLst>
-          </a:blip>
-          <a:stretch>
-            <a:fillRect/>
-          </a:stretch>
-        </p:blipFill>
-        <p:spPr>
-          <a:xfrm>
             <a:off x="7160150" y="9445628"/>
             <a:ext cx="3236179" cy="859785"/>
           </a:xfrm>
@@ -15279,10 +15094,10 @@
           <p:nvPr/>
         </p:nvPicPr>
         <p:blipFill>
-          <a:blip r:embed="rId7">
+          <a:blip r:embed="rId5">
             <a:extLst>
               <a:ext uri="{96DAC541-7B7A-43D3-8B79-37D633B846F1}">
-                <asvg:svgBlip xmlns:asvg="http://schemas.microsoft.com/office/drawing/2016/SVG/main" r:embed="rId8"/>
+                <asvg:svgBlip xmlns:asvg="http://schemas.microsoft.com/office/drawing/2016/SVG/main" r:embed="rId6"/>
               </a:ext>
             </a:extLst>
           </a:blip>
@@ -15419,13 +15234,7 @@
       </p:grpSpPr>
       <p:sp>
         <p:nvSpPr>
-          <p:cNvPr id="23" name="矩形: 圆角 22">
-            <a:extLst>
-              <a:ext uri="{FF2B5EF4-FFF2-40B4-BE49-F238E27FC236}">
-                <a16:creationId xmlns:a16="http://schemas.microsoft.com/office/drawing/2014/main" id="{D554455D-F31D-171E-57FA-B7329F6224DB}"/>
-              </a:ext>
-            </a:extLst>
-          </p:cNvPr>
+          <p:cNvPr id="23" name="矩形: 圆角 22"/>
           <p:cNvSpPr/>
           <p:nvPr/>
         </p:nvSpPr>
@@ -15469,8 +15278,8 @@
               <a:solidFill>
                 <a:srgbClr val="191919"/>
               </a:solidFill>
-              <a:latin typeface="Microsoft YaHei" panose="020B0503020204020204" pitchFamily="34" charset="-122"/>
-              <a:ea typeface="Microsoft YaHei" panose="020B0503020204020204" pitchFamily="34" charset="-122"/>
+              <a:latin typeface="微软雅黑" panose="020B0503020204020204" pitchFamily="34" charset="-122"/>
+              <a:ea typeface="微软雅黑" panose="020B0503020204020204" pitchFamily="34" charset="-122"/>
             </a:endParaRPr>
           </a:p>
           <a:p>
@@ -15479,8 +15288,8 @@
               <a:solidFill>
                 <a:srgbClr val="191919"/>
               </a:solidFill>
-              <a:latin typeface="Microsoft YaHei" panose="020B0503020204020204" pitchFamily="34" charset="-122"/>
-              <a:ea typeface="Microsoft YaHei" panose="020B0503020204020204" pitchFamily="34" charset="-122"/>
+              <a:latin typeface="微软雅黑" panose="020B0503020204020204" pitchFamily="34" charset="-122"/>
+              <a:ea typeface="微软雅黑" panose="020B0503020204020204" pitchFamily="34" charset="-122"/>
             </a:endParaRPr>
           </a:p>
           <a:p>
@@ -15489,8 +15298,8 @@
               <a:solidFill>
                 <a:srgbClr val="191919"/>
               </a:solidFill>
-              <a:latin typeface="Microsoft YaHei" panose="020B0503020204020204" pitchFamily="34" charset="-122"/>
-              <a:ea typeface="Microsoft YaHei" panose="020B0503020204020204" pitchFamily="34" charset="-122"/>
+              <a:latin typeface="微软雅黑" panose="020B0503020204020204" pitchFamily="34" charset="-122"/>
+              <a:ea typeface="微软雅黑" panose="020B0503020204020204" pitchFamily="34" charset="-122"/>
             </a:endParaRPr>
           </a:p>
           <a:p>
@@ -15499,8 +15308,8 @@
               <a:solidFill>
                 <a:srgbClr val="191919"/>
               </a:solidFill>
-              <a:latin typeface="Microsoft YaHei" panose="020B0503020204020204" pitchFamily="34" charset="-122"/>
-              <a:ea typeface="Microsoft YaHei" panose="020B0503020204020204" pitchFamily="34" charset="-122"/>
+              <a:latin typeface="微软雅黑" panose="020B0503020204020204" pitchFamily="34" charset="-122"/>
+              <a:ea typeface="微软雅黑" panose="020B0503020204020204" pitchFamily="34" charset="-122"/>
             </a:endParaRPr>
           </a:p>
           <a:p>
@@ -15510,8 +15319,8 @@
                 <a:solidFill>
                   <a:srgbClr val="191919"/>
                 </a:solidFill>
-                <a:latin typeface="Microsoft YaHei" panose="020B0503020204020204" pitchFamily="34" charset="-122"/>
-                <a:ea typeface="Microsoft YaHei" panose="020B0503020204020204" pitchFamily="34" charset="-122"/>
+                <a:latin typeface="微软雅黑" panose="020B0503020204020204" pitchFamily="34" charset="-122"/>
+                <a:ea typeface="微软雅黑" panose="020B0503020204020204" pitchFamily="34" charset="-122"/>
               </a:rPr>
               <a:t>对传入符号针对处理</a:t>
             </a:r>
@@ -15519,8 +15328,8 @@
               <a:solidFill>
                 <a:srgbClr val="191919"/>
               </a:solidFill>
-              <a:latin typeface="Microsoft YaHei" panose="020B0503020204020204" pitchFamily="34" charset="-122"/>
-              <a:ea typeface="Microsoft YaHei" panose="020B0503020204020204" pitchFamily="34" charset="-122"/>
+              <a:latin typeface="微软雅黑" panose="020B0503020204020204" pitchFamily="34" charset="-122"/>
+              <a:ea typeface="微软雅黑" panose="020B0503020204020204" pitchFamily="34" charset="-122"/>
             </a:endParaRPr>
           </a:p>
           <a:p>
@@ -15529,8 +15338,8 @@
               <a:solidFill>
                 <a:srgbClr val="191919"/>
               </a:solidFill>
-              <a:latin typeface="Microsoft YaHei" panose="020B0503020204020204" pitchFamily="34" charset="-122"/>
-              <a:ea typeface="Microsoft YaHei" panose="020B0503020204020204" pitchFamily="34" charset="-122"/>
+              <a:latin typeface="微软雅黑" panose="020B0503020204020204" pitchFamily="34" charset="-122"/>
+              <a:ea typeface="微软雅黑" panose="020B0503020204020204" pitchFamily="34" charset="-122"/>
             </a:endParaRPr>
           </a:p>
           <a:p>
@@ -15540,8 +15349,8 @@
                 <a:srgbClr val="191919"/>
               </a:solidFill>
               <a:effectLst/>
-              <a:latin typeface="Microsoft YaHei" panose="020B0503020204020204" pitchFamily="34" charset="-122"/>
-              <a:ea typeface="Microsoft YaHei" panose="020B0503020204020204" pitchFamily="34" charset="-122"/>
+              <a:latin typeface="微软雅黑" panose="020B0503020204020204" pitchFamily="34" charset="-122"/>
+              <a:ea typeface="微软雅黑" panose="020B0503020204020204" pitchFamily="34" charset="-122"/>
             </a:endParaRPr>
           </a:p>
           <a:p>
@@ -15552,8 +15361,8 @@
                   <a:srgbClr val="191919"/>
                 </a:solidFill>
                 <a:effectLst/>
-                <a:latin typeface="Microsoft YaHei" panose="020B0503020204020204" pitchFamily="34" charset="-122"/>
-                <a:ea typeface="Microsoft YaHei" panose="020B0503020204020204" pitchFamily="34" charset="-122"/>
+                <a:latin typeface="微软雅黑" panose="020B0503020204020204" pitchFamily="34" charset="-122"/>
+                <a:ea typeface="微软雅黑" panose="020B0503020204020204" pitchFamily="34" charset="-122"/>
               </a:rPr>
               <a:t>Init_by_re_postfix</a:t>
             </a:r>
@@ -15562,8 +15371,8 @@
                 <a:srgbClr val="191919"/>
               </a:solidFill>
               <a:effectLst/>
-              <a:latin typeface="Microsoft YaHei" panose="020B0503020204020204" pitchFamily="34" charset="-122"/>
-              <a:ea typeface="Microsoft YaHei" panose="020B0503020204020204" pitchFamily="34" charset="-122"/>
+              <a:latin typeface="微软雅黑" panose="020B0503020204020204" pitchFamily="34" charset="-122"/>
+              <a:ea typeface="微软雅黑" panose="020B0503020204020204" pitchFamily="34" charset="-122"/>
             </a:endParaRPr>
           </a:p>
           <a:p>
@@ -15573,8 +15382,8 @@
                 <a:srgbClr val="191919"/>
               </a:solidFill>
               <a:effectLst/>
-              <a:latin typeface="Microsoft YaHei" panose="020B0503020204020204" pitchFamily="34" charset="-122"/>
-              <a:ea typeface="Microsoft YaHei" panose="020B0503020204020204" pitchFamily="34" charset="-122"/>
+              <a:latin typeface="微软雅黑" panose="020B0503020204020204" pitchFamily="34" charset="-122"/>
+              <a:ea typeface="微软雅黑" panose="020B0503020204020204" pitchFamily="34" charset="-122"/>
             </a:endParaRPr>
           </a:p>
           <a:p>
@@ -15583,8 +15392,8 @@
               <a:solidFill>
                 <a:srgbClr val="191919"/>
               </a:solidFill>
-              <a:latin typeface="Microsoft YaHei" panose="020B0503020204020204" pitchFamily="34" charset="-122"/>
-              <a:ea typeface="Microsoft YaHei" panose="020B0503020204020204" pitchFamily="34" charset="-122"/>
+              <a:latin typeface="微软雅黑" panose="020B0503020204020204" pitchFamily="34" charset="-122"/>
+              <a:ea typeface="微软雅黑" panose="020B0503020204020204" pitchFamily="34" charset="-122"/>
             </a:endParaRPr>
           </a:p>
           <a:p>
@@ -15594,8 +15403,8 @@
                 <a:solidFill>
                   <a:srgbClr val="191919"/>
                 </a:solidFill>
-                <a:latin typeface="Microsoft YaHei" panose="020B0503020204020204" pitchFamily="34" charset="-122"/>
-                <a:ea typeface="Microsoft YaHei" panose="020B0503020204020204" pitchFamily="34" charset="-122"/>
+                <a:latin typeface="微软雅黑" panose="020B0503020204020204" pitchFamily="34" charset="-122"/>
+                <a:ea typeface="微软雅黑" panose="020B0503020204020204" pitchFamily="34" charset="-122"/>
               </a:rPr>
               <a:t>get_rules_c_minus</a:t>
             </a:r>
@@ -15604,8 +15413,8 @@
                 <a:solidFill>
                   <a:srgbClr val="191919"/>
                 </a:solidFill>
-                <a:latin typeface="Microsoft YaHei" panose="020B0503020204020204" pitchFamily="34" charset="-122"/>
-                <a:ea typeface="Microsoft YaHei" panose="020B0503020204020204" pitchFamily="34" charset="-122"/>
+                <a:latin typeface="微软雅黑" panose="020B0503020204020204" pitchFamily="34" charset="-122"/>
+                <a:ea typeface="微软雅黑" panose="020B0503020204020204" pitchFamily="34" charset="-122"/>
               </a:rPr>
               <a:t>(c--</a:t>
             </a:r>
@@ -15614,8 +15423,8 @@
                 <a:solidFill>
                   <a:srgbClr val="191919"/>
                 </a:solidFill>
-                <a:latin typeface="Microsoft YaHei" panose="020B0503020204020204" pitchFamily="34" charset="-122"/>
-                <a:ea typeface="Microsoft YaHei" panose="020B0503020204020204" pitchFamily="34" charset="-122"/>
+                <a:latin typeface="微软雅黑" panose="020B0503020204020204" pitchFamily="34" charset="-122"/>
+                <a:ea typeface="微软雅黑" panose="020B0503020204020204" pitchFamily="34" charset="-122"/>
               </a:rPr>
               <a:t>的后缀表达式</a:t>
             </a:r>
@@ -15624,8 +15433,8 @@
                 <a:solidFill>
                   <a:srgbClr val="191919"/>
                 </a:solidFill>
-                <a:latin typeface="Microsoft YaHei" panose="020B0503020204020204" pitchFamily="34" charset="-122"/>
-                <a:ea typeface="Microsoft YaHei" panose="020B0503020204020204" pitchFamily="34" charset="-122"/>
+                <a:latin typeface="微软雅黑" panose="020B0503020204020204" pitchFamily="34" charset="-122"/>
+                <a:ea typeface="微软雅黑" panose="020B0503020204020204" pitchFamily="34" charset="-122"/>
               </a:rPr>
               <a:t>)</a:t>
             </a:r>
@@ -15634,8 +15443,8 @@
                 <a:srgbClr val="191919"/>
               </a:solidFill>
               <a:effectLst/>
-              <a:latin typeface="Microsoft YaHei" panose="020B0503020204020204" pitchFamily="34" charset="-122"/>
-              <a:ea typeface="Microsoft YaHei" panose="020B0503020204020204" pitchFamily="34" charset="-122"/>
+              <a:latin typeface="微软雅黑" panose="020B0503020204020204" pitchFamily="34" charset="-122"/>
+              <a:ea typeface="微软雅黑" panose="020B0503020204020204" pitchFamily="34" charset="-122"/>
             </a:endParaRPr>
           </a:p>
           <a:p>
@@ -15645,21 +15454,15 @@
                 <a:srgbClr val="191919"/>
               </a:solidFill>
               <a:effectLst/>
-              <a:latin typeface="Microsoft YaHei" panose="020B0503020204020204" pitchFamily="34" charset="-122"/>
-              <a:ea typeface="Microsoft YaHei" panose="020B0503020204020204" pitchFamily="34" charset="-122"/>
+              <a:latin typeface="微软雅黑" panose="020B0503020204020204" pitchFamily="34" charset="-122"/>
+              <a:ea typeface="微软雅黑" panose="020B0503020204020204" pitchFamily="34" charset="-122"/>
             </a:endParaRPr>
           </a:p>
         </p:txBody>
       </p:sp>
       <p:sp>
         <p:nvSpPr>
-          <p:cNvPr id="3" name="矩形: 圆角 2">
-            <a:extLst>
-              <a:ext uri="{FF2B5EF4-FFF2-40B4-BE49-F238E27FC236}">
-                <a16:creationId xmlns:a16="http://schemas.microsoft.com/office/drawing/2014/main" id="{42297F93-B2E3-0DCD-1EBB-45C431DF59C0}"/>
-              </a:ext>
-            </a:extLst>
-          </p:cNvPr>
+          <p:cNvPr id="3" name="矩形: 圆角 2"/>
           <p:cNvSpPr/>
           <p:nvPr/>
         </p:nvSpPr>
@@ -15705,8 +15508,8 @@
                   <a:srgbClr val="191919"/>
                 </a:solidFill>
                 <a:effectLst/>
-                <a:latin typeface="Microsoft YaHei" panose="020B0503020204020204" pitchFamily="34" charset="-122"/>
-                <a:ea typeface="Microsoft YaHei" panose="020B0503020204020204" pitchFamily="34" charset="-122"/>
+                <a:latin typeface="微软雅黑" panose="020B0503020204020204" pitchFamily="34" charset="-122"/>
+                <a:ea typeface="微软雅黑" panose="020B0503020204020204" pitchFamily="34" charset="-122"/>
               </a:rPr>
               <a:t>get_re_postfix</a:t>
             </a:r>
@@ -15716,8 +15519,8 @@
                   <a:srgbClr val="191919"/>
                 </a:solidFill>
                 <a:effectLst/>
-                <a:latin typeface="Microsoft YaHei" panose="020B0503020204020204" pitchFamily="34" charset="-122"/>
-                <a:ea typeface="Microsoft YaHei" panose="020B0503020204020204" pitchFamily="34" charset="-122"/>
+                <a:latin typeface="微软雅黑" panose="020B0503020204020204" pitchFamily="34" charset="-122"/>
+                <a:ea typeface="微软雅黑" panose="020B0503020204020204" pitchFamily="34" charset="-122"/>
               </a:rPr>
               <a:t>(</a:t>
             </a:r>
@@ -15727,8 +15530,8 @@
                   <a:srgbClr val="191919"/>
                 </a:solidFill>
                 <a:effectLst/>
-                <a:latin typeface="Microsoft YaHei" panose="020B0503020204020204" pitchFamily="34" charset="-122"/>
-                <a:ea typeface="Microsoft YaHei" panose="020B0503020204020204" pitchFamily="34" charset="-122"/>
+                <a:latin typeface="微软雅黑" panose="020B0503020204020204" pitchFamily="34" charset="-122"/>
+                <a:ea typeface="微软雅黑" panose="020B0503020204020204" pitchFamily="34" charset="-122"/>
               </a:rPr>
               <a:t>某个正则表达式</a:t>
             </a:r>
@@ -15738,11 +15541,19 @@
                   <a:srgbClr val="191919"/>
                 </a:solidFill>
                 <a:effectLst/>
-                <a:latin typeface="Microsoft YaHei" panose="020B0503020204020204" pitchFamily="34" charset="-122"/>
-                <a:ea typeface="Microsoft YaHei" panose="020B0503020204020204" pitchFamily="34" charset="-122"/>
+                <a:latin typeface="微软雅黑" panose="020B0503020204020204" pitchFamily="34" charset="-122"/>
+                <a:ea typeface="微软雅黑" panose="020B0503020204020204" pitchFamily="34" charset="-122"/>
               </a:rPr>
               <a:t>)</a:t>
             </a:r>
+            <a:endParaRPr lang="en-US" altLang="zh-CN" sz="1800" dirty="0">
+              <a:solidFill>
+                <a:srgbClr val="191919"/>
+              </a:solidFill>
+              <a:effectLst/>
+              <a:latin typeface="微软雅黑" panose="020B0503020204020204" pitchFamily="34" charset="-122"/>
+              <a:ea typeface="微软雅黑" panose="020B0503020204020204" pitchFamily="34" charset="-122"/>
+            </a:endParaRPr>
           </a:p>
           <a:p>
             <a:pPr algn="ctr"/>
@@ -15751,8 +15562,8 @@
                 <a:srgbClr val="191919"/>
               </a:solidFill>
               <a:effectLst/>
-              <a:latin typeface="Microsoft YaHei" panose="020B0503020204020204" pitchFamily="34" charset="-122"/>
-              <a:ea typeface="Microsoft YaHei" panose="020B0503020204020204" pitchFamily="34" charset="-122"/>
+              <a:latin typeface="微软雅黑" panose="020B0503020204020204" pitchFamily="34" charset="-122"/>
+              <a:ea typeface="微软雅黑" panose="020B0503020204020204" pitchFamily="34" charset="-122"/>
             </a:endParaRPr>
           </a:p>
           <a:p>
@@ -15763,8 +15574,8 @@
                   <a:srgbClr val="191919"/>
                 </a:solidFill>
                 <a:effectLst/>
-                <a:latin typeface="Microsoft YaHei" panose="020B0503020204020204" pitchFamily="34" charset="-122"/>
-                <a:ea typeface="Microsoft YaHei" panose="020B0503020204020204" pitchFamily="34" charset="-122"/>
+                <a:latin typeface="微软雅黑" panose="020B0503020204020204" pitchFamily="34" charset="-122"/>
+                <a:ea typeface="微软雅黑" panose="020B0503020204020204" pitchFamily="34" charset="-122"/>
               </a:rPr>
               <a:t>           返回给</a:t>
             </a:r>
@@ -15773,8 +15584,8 @@
                 <a:srgbClr val="191919"/>
               </a:solidFill>
               <a:effectLst/>
-              <a:latin typeface="Microsoft YaHei" panose="020B0503020204020204" pitchFamily="34" charset="-122"/>
-              <a:ea typeface="Microsoft YaHei" panose="020B0503020204020204" pitchFamily="34" charset="-122"/>
+              <a:latin typeface="微软雅黑" panose="020B0503020204020204" pitchFamily="34" charset="-122"/>
+              <a:ea typeface="微软雅黑" panose="020B0503020204020204" pitchFamily="34" charset="-122"/>
             </a:endParaRPr>
           </a:p>
           <a:p>
@@ -15784,8 +15595,8 @@
                 <a:srgbClr val="191919"/>
               </a:solidFill>
               <a:effectLst/>
-              <a:latin typeface="Microsoft YaHei" panose="020B0503020204020204" pitchFamily="34" charset="-122"/>
-              <a:ea typeface="Microsoft YaHei" panose="020B0503020204020204" pitchFamily="34" charset="-122"/>
+              <a:latin typeface="微软雅黑" panose="020B0503020204020204" pitchFamily="34" charset="-122"/>
+              <a:ea typeface="微软雅黑" panose="020B0503020204020204" pitchFamily="34" charset="-122"/>
             </a:endParaRPr>
           </a:p>
           <a:p>
@@ -15796,8 +15607,8 @@
                   <a:srgbClr val="191919"/>
                 </a:solidFill>
                 <a:effectLst/>
-                <a:latin typeface="Microsoft YaHei" panose="020B0503020204020204" pitchFamily="34" charset="-122"/>
-                <a:ea typeface="Microsoft YaHei" panose="020B0503020204020204" pitchFamily="34" charset="-122"/>
+                <a:latin typeface="微软雅黑" panose="020B0503020204020204" pitchFamily="34" charset="-122"/>
+                <a:ea typeface="微软雅黑" panose="020B0503020204020204" pitchFamily="34" charset="-122"/>
               </a:rPr>
               <a:t>get_re_postfix_c_minus</a:t>
             </a:r>
@@ -15814,7 +15625,7 @@
           <p:nvPr/>
         </p:nvPicPr>
         <p:blipFill>
-          <a:blip r:embed="rId2"/>
+          <a:blip r:embed="rId1"/>
           <a:stretch>
             <a:fillRect/>
           </a:stretch>
@@ -15855,6 +15666,7 @@
               <a:rPr lang="zh-CN" altLang="en-US" dirty="0"/>
               <a:t>静态方法</a:t>
             </a:r>
+            <a:endParaRPr lang="zh-CN" altLang="en-US" dirty="0"/>
           </a:p>
         </p:txBody>
       </p:sp>
@@ -15959,9 +15771,7 @@
       <p:cxnSp>
         <p:nvCxnSpPr>
           <p:cNvPr id="17" name="直接连接符 16"/>
-          <p:cNvCxnSpPr>
-            <a:cxnSpLocks/>
-          </p:cNvCxnSpPr>
+          <p:cNvCxnSpPr/>
           <p:nvPr/>
         </p:nvCxnSpPr>
         <p:spPr>
@@ -16059,6 +15869,11 @@
               </a:rPr>
               <a:t>将正则表达式转换为后缀表达式</a:t>
             </a:r>
+            <a:endParaRPr lang="zh-CN" altLang="en-US" dirty="0">
+              <a:solidFill>
+                <a:srgbClr val="7030A0"/>
+              </a:solidFill>
+            </a:endParaRPr>
           </a:p>
         </p:txBody>
       </p:sp>
@@ -16124,6 +15939,11 @@
               </a:rPr>
               <a:t>）的转换规则</a:t>
             </a:r>
+            <a:endParaRPr lang="zh-CN" altLang="en-US" b="1" dirty="0">
+              <a:solidFill>
+                <a:srgbClr val="7030A0"/>
+              </a:solidFill>
+            </a:endParaRPr>
           </a:p>
         </p:txBody>
       </p:sp>
@@ -16212,16 +16032,8 @@
       </p:sp>
       <p:cxnSp>
         <p:nvCxnSpPr>
-          <p:cNvPr id="13" name="直接连接符 12">
-            <a:extLst>
-              <a:ext uri="{FF2B5EF4-FFF2-40B4-BE49-F238E27FC236}">
-                <a16:creationId xmlns:a16="http://schemas.microsoft.com/office/drawing/2014/main" id="{17524FE6-46C4-FDFD-E814-6015C6040E34}"/>
-              </a:ext>
-            </a:extLst>
-          </p:cNvPr>
-          <p:cNvCxnSpPr>
-            <a:cxnSpLocks/>
-          </p:cNvCxnSpPr>
+          <p:cNvPr id="13" name="直接连接符 12"/>
+          <p:cNvCxnSpPr/>
           <p:nvPr/>
         </p:nvCxnSpPr>
         <p:spPr>
@@ -16255,13 +16067,7 @@
       </p:cxnSp>
       <p:sp>
         <p:nvSpPr>
-          <p:cNvPr id="20" name="文本框 19">
-            <a:extLst>
-              <a:ext uri="{FF2B5EF4-FFF2-40B4-BE49-F238E27FC236}">
-                <a16:creationId xmlns:a16="http://schemas.microsoft.com/office/drawing/2014/main" id="{2A181062-740F-C5BD-B047-1D139759E755}"/>
-              </a:ext>
-            </a:extLst>
-          </p:cNvPr>
+          <p:cNvPr id="20" name="文本框 19"/>
           <p:cNvSpPr txBox="1"/>
           <p:nvPr/>
         </p:nvSpPr>
@@ -16291,16 +16097,8 @@
       </p:sp>
       <p:cxnSp>
         <p:nvCxnSpPr>
-          <p:cNvPr id="26" name="直接连接符 25">
-            <a:extLst>
-              <a:ext uri="{FF2B5EF4-FFF2-40B4-BE49-F238E27FC236}">
-                <a16:creationId xmlns:a16="http://schemas.microsoft.com/office/drawing/2014/main" id="{A50B10A8-7E9C-DBFF-B6AF-6B8B2F7675A6}"/>
-              </a:ext>
-            </a:extLst>
-          </p:cNvPr>
-          <p:cNvCxnSpPr>
-            <a:cxnSpLocks/>
-          </p:cNvCxnSpPr>
+          <p:cNvPr id="26" name="直接连接符 25"/>
+          <p:cNvCxnSpPr/>
           <p:nvPr/>
         </p:nvCxnSpPr>
         <p:spPr>
@@ -16334,13 +16132,7 @@
       </p:cxnSp>
       <p:cxnSp>
         <p:nvCxnSpPr>
-          <p:cNvPr id="36" name="直接箭头连接符 35">
-            <a:extLst>
-              <a:ext uri="{FF2B5EF4-FFF2-40B4-BE49-F238E27FC236}">
-                <a16:creationId xmlns:a16="http://schemas.microsoft.com/office/drawing/2014/main" id="{58A5BD0C-A162-617D-DE2E-79644C5BFE21}"/>
-              </a:ext>
-            </a:extLst>
-          </p:cNvPr>
+          <p:cNvPr id="36" name="直接箭头连接符 35"/>
           <p:cNvCxnSpPr/>
           <p:nvPr/>
         </p:nvCxnSpPr>
@@ -16373,13 +16165,7 @@
       </p:cxnSp>
       <p:sp>
         <p:nvSpPr>
-          <p:cNvPr id="44" name="文本框 43">
-            <a:extLst>
-              <a:ext uri="{FF2B5EF4-FFF2-40B4-BE49-F238E27FC236}">
-                <a16:creationId xmlns:a16="http://schemas.microsoft.com/office/drawing/2014/main" id="{5A2ABAAF-C47B-F39E-639B-B306AF2896E5}"/>
-              </a:ext>
-            </a:extLst>
-          </p:cNvPr>
+          <p:cNvPr id="44" name="文本框 43"/>
           <p:cNvSpPr txBox="1"/>
           <p:nvPr/>
         </p:nvSpPr>
@@ -16409,13 +16195,7 @@
       </p:sp>
       <p:sp>
         <p:nvSpPr>
-          <p:cNvPr id="45" name="矩形 44">
-            <a:extLst>
-              <a:ext uri="{FF2B5EF4-FFF2-40B4-BE49-F238E27FC236}">
-                <a16:creationId xmlns:a16="http://schemas.microsoft.com/office/drawing/2014/main" id="{A814E17C-3076-4071-43F1-2CF6EFE94356}"/>
-              </a:ext>
-            </a:extLst>
-          </p:cNvPr>
+          <p:cNvPr id="45" name="矩形 44"/>
           <p:cNvSpPr/>
           <p:nvPr/>
         </p:nvSpPr>
@@ -16521,13 +16301,7 @@
       </p:sp>
       <p:sp>
         <p:nvSpPr>
-          <p:cNvPr id="47" name="矩形: 圆角 46">
-            <a:extLst>
-              <a:ext uri="{FF2B5EF4-FFF2-40B4-BE49-F238E27FC236}">
-                <a16:creationId xmlns:a16="http://schemas.microsoft.com/office/drawing/2014/main" id="{B2EC7660-60FA-B115-554C-C9D6E950AFE1}"/>
-              </a:ext>
-            </a:extLst>
-          </p:cNvPr>
+          <p:cNvPr id="47" name="矩形: 圆角 46"/>
           <p:cNvSpPr/>
           <p:nvPr/>
         </p:nvSpPr>
@@ -16571,8 +16345,8 @@
               <a:solidFill>
                 <a:srgbClr val="191919"/>
               </a:solidFill>
-              <a:latin typeface="Microsoft YaHei" panose="020B0503020204020204" pitchFamily="34" charset="-122"/>
-              <a:ea typeface="Microsoft YaHei" panose="020B0503020204020204" pitchFamily="34" charset="-122"/>
+              <a:latin typeface="微软雅黑" panose="020B0503020204020204" pitchFamily="34" charset="-122"/>
+              <a:ea typeface="微软雅黑" panose="020B0503020204020204" pitchFamily="34" charset="-122"/>
             </a:endParaRPr>
           </a:p>
           <a:p>
@@ -16581,8 +16355,8 @@
               <a:solidFill>
                 <a:srgbClr val="191919"/>
               </a:solidFill>
-              <a:latin typeface="Microsoft YaHei" panose="020B0503020204020204" pitchFamily="34" charset="-122"/>
-              <a:ea typeface="Microsoft YaHei" panose="020B0503020204020204" pitchFamily="34" charset="-122"/>
+              <a:latin typeface="微软雅黑" panose="020B0503020204020204" pitchFamily="34" charset="-122"/>
+              <a:ea typeface="微软雅黑" panose="020B0503020204020204" pitchFamily="34" charset="-122"/>
             </a:endParaRPr>
           </a:p>
           <a:p>
@@ -16592,8 +16366,8 @@
                 <a:srgbClr val="191919"/>
               </a:solidFill>
               <a:effectLst/>
-              <a:latin typeface="Microsoft YaHei" panose="020B0503020204020204" pitchFamily="34" charset="-122"/>
-              <a:ea typeface="Microsoft YaHei" panose="020B0503020204020204" pitchFamily="34" charset="-122"/>
+              <a:latin typeface="微软雅黑" panose="020B0503020204020204" pitchFamily="34" charset="-122"/>
+              <a:ea typeface="微软雅黑" panose="020B0503020204020204" pitchFamily="34" charset="-122"/>
             </a:endParaRPr>
           </a:p>
           <a:p>
@@ -16608,8 +16382,8 @@
                   <a:srgbClr val="191919"/>
                 </a:solidFill>
                 <a:effectLst/>
-                <a:latin typeface="Microsoft YaHei" panose="020B0503020204020204" pitchFamily="34" charset="-122"/>
-                <a:ea typeface="Microsoft YaHei" panose="020B0503020204020204" pitchFamily="34" charset="-122"/>
+                <a:latin typeface="微软雅黑" panose="020B0503020204020204" pitchFamily="34" charset="-122"/>
+                <a:ea typeface="微软雅黑" panose="020B0503020204020204" pitchFamily="34" charset="-122"/>
               </a:rPr>
               <a:t>_Flag</a:t>
             </a:r>
@@ -16629,8 +16403,8 @@
                   <a:srgbClr val="191919"/>
                 </a:solidFill>
                 <a:effectLst/>
-                <a:latin typeface="Microsoft YaHei" panose="020B0503020204020204" pitchFamily="34" charset="-122"/>
-                <a:ea typeface="Microsoft YaHei" panose="020B0503020204020204" pitchFamily="34" charset="-122"/>
+                <a:latin typeface="微软雅黑" panose="020B0503020204020204" pitchFamily="34" charset="-122"/>
+                <a:ea typeface="微软雅黑" panose="020B0503020204020204" pitchFamily="34" charset="-122"/>
               </a:rPr>
               <a:t>_STATE_ALL</a:t>
             </a:r>
@@ -16650,8 +16424,8 @@
                   <a:srgbClr val="191919"/>
                 </a:solidFill>
                 <a:effectLst/>
-                <a:latin typeface="Microsoft YaHei" panose="020B0503020204020204" pitchFamily="34" charset="-122"/>
-                <a:ea typeface="Microsoft YaHei" panose="020B0503020204020204" pitchFamily="34" charset="-122"/>
+                <a:latin typeface="微软雅黑" panose="020B0503020204020204" pitchFamily="34" charset="-122"/>
+                <a:ea typeface="微软雅黑" panose="020B0503020204020204" pitchFamily="34" charset="-122"/>
               </a:rPr>
               <a:t>transitions</a:t>
             </a:r>
@@ -16666,8 +16440,8 @@
                   <a:srgbClr val="191919"/>
                 </a:solidFill>
                 <a:effectLst/>
-                <a:latin typeface="Microsoft YaHei" panose="020B0503020204020204" pitchFamily="34" charset="-122"/>
-                <a:ea typeface="Microsoft YaHei" panose="020B0503020204020204" pitchFamily="34" charset="-122"/>
+                <a:latin typeface="微软雅黑" panose="020B0503020204020204" pitchFamily="34" charset="-122"/>
+                <a:ea typeface="微软雅黑" panose="020B0503020204020204" pitchFamily="34" charset="-122"/>
               </a:rPr>
               <a:t>        </a:t>
             </a:r>
@@ -16677,8 +16451,8 @@
                   <a:srgbClr val="191919"/>
                 </a:solidFill>
                 <a:effectLst/>
-                <a:latin typeface="Microsoft YaHei" panose="020B0503020204020204" pitchFamily="34" charset="-122"/>
-                <a:ea typeface="Microsoft YaHei" panose="020B0503020204020204" pitchFamily="34" charset="-122"/>
+                <a:latin typeface="微软雅黑" panose="020B0503020204020204" pitchFamily="34" charset="-122"/>
+                <a:ea typeface="微软雅黑" panose="020B0503020204020204" pitchFamily="34" charset="-122"/>
               </a:rPr>
               <a:t>epsilonTransitions</a:t>
             </a:r>
@@ -16687,24 +16461,16 @@
                 <a:srgbClr val="191919"/>
               </a:solidFill>
               <a:effectLst/>
-              <a:latin typeface="Microsoft YaHei" panose="020B0503020204020204" pitchFamily="34" charset="-122"/>
-              <a:ea typeface="Microsoft YaHei" panose="020B0503020204020204" pitchFamily="34" charset="-122"/>
+              <a:latin typeface="微软雅黑" panose="020B0503020204020204" pitchFamily="34" charset="-122"/>
+              <a:ea typeface="微软雅黑" panose="020B0503020204020204" pitchFamily="34" charset="-122"/>
             </a:endParaRPr>
           </a:p>
         </p:txBody>
       </p:sp>
       <p:cxnSp>
         <p:nvCxnSpPr>
-          <p:cNvPr id="48" name="直接连接符 47">
-            <a:extLst>
-              <a:ext uri="{FF2B5EF4-FFF2-40B4-BE49-F238E27FC236}">
-                <a16:creationId xmlns:a16="http://schemas.microsoft.com/office/drawing/2014/main" id="{901DBF80-E9B9-DB4D-CB10-25CB3F8667E6}"/>
-              </a:ext>
-            </a:extLst>
-          </p:cNvPr>
-          <p:cNvCxnSpPr>
-            <a:cxnSpLocks/>
-          </p:cNvCxnSpPr>
+          <p:cNvPr id="48" name="直接连接符 47"/>
+          <p:cNvCxnSpPr/>
           <p:nvPr/>
         </p:nvCxnSpPr>
         <p:spPr>
@@ -16738,13 +16504,7 @@
       </p:cxnSp>
       <p:sp>
         <p:nvSpPr>
-          <p:cNvPr id="49" name="文本框 48">
-            <a:extLst>
-              <a:ext uri="{FF2B5EF4-FFF2-40B4-BE49-F238E27FC236}">
-                <a16:creationId xmlns:a16="http://schemas.microsoft.com/office/drawing/2014/main" id="{AD544139-F9CD-0DD7-3705-1228C43C849F}"/>
-              </a:ext>
-            </a:extLst>
-          </p:cNvPr>
+          <p:cNvPr id="49" name="文本框 48"/>
           <p:cNvSpPr txBox="1"/>
           <p:nvPr/>
         </p:nvSpPr>
@@ -16774,16 +16534,8 @@
       </p:sp>
       <p:cxnSp>
         <p:nvCxnSpPr>
-          <p:cNvPr id="58" name="直接箭头连接符 57">
-            <a:extLst>
-              <a:ext uri="{FF2B5EF4-FFF2-40B4-BE49-F238E27FC236}">
-                <a16:creationId xmlns:a16="http://schemas.microsoft.com/office/drawing/2014/main" id="{A9AC546C-FEC9-4064-AACD-E029F86DE087}"/>
-              </a:ext>
-            </a:extLst>
-          </p:cNvPr>
-          <p:cNvCxnSpPr>
-            <a:cxnSpLocks/>
-          </p:cNvCxnSpPr>
+          <p:cNvPr id="58" name="直接箭头连接符 57"/>
+          <p:cNvCxnSpPr/>
           <p:nvPr/>
         </p:nvCxnSpPr>
         <p:spPr>
@@ -16815,13 +16567,7 @@
       </p:cxnSp>
       <p:sp>
         <p:nvSpPr>
-          <p:cNvPr id="59" name="菱形 58">
-            <a:extLst>
-              <a:ext uri="{FF2B5EF4-FFF2-40B4-BE49-F238E27FC236}">
-                <a16:creationId xmlns:a16="http://schemas.microsoft.com/office/drawing/2014/main" id="{D881511E-8315-A111-1F1A-AFF8E39388B7}"/>
-              </a:ext>
-            </a:extLst>
-          </p:cNvPr>
+          <p:cNvPr id="59" name="菱形 58"/>
           <p:cNvSpPr/>
           <p:nvPr/>
         </p:nvSpPr>
@@ -16862,13 +16608,7 @@
       </p:sp>
       <p:cxnSp>
         <p:nvCxnSpPr>
-          <p:cNvPr id="63" name="直接连接符 62">
-            <a:extLst>
-              <a:ext uri="{FF2B5EF4-FFF2-40B4-BE49-F238E27FC236}">
-                <a16:creationId xmlns:a16="http://schemas.microsoft.com/office/drawing/2014/main" id="{44964416-CDDD-669D-D7E8-059D18E34316}"/>
-              </a:ext>
-            </a:extLst>
-          </p:cNvPr>
+          <p:cNvPr id="63" name="直接连接符 62"/>
           <p:cNvCxnSpPr>
             <a:stCxn id="8" idx="6"/>
             <a:endCxn id="45" idx="1"/>
@@ -16901,13 +16641,7 @@
       </p:cxnSp>
       <p:cxnSp>
         <p:nvCxnSpPr>
-          <p:cNvPr id="65" name="直接箭头连接符 64">
-            <a:extLst>
-              <a:ext uri="{FF2B5EF4-FFF2-40B4-BE49-F238E27FC236}">
-                <a16:creationId xmlns:a16="http://schemas.microsoft.com/office/drawing/2014/main" id="{3FABD77A-EE70-2EF7-541D-6EDCCD1ABF44}"/>
-              </a:ext>
-            </a:extLst>
-          </p:cNvPr>
+          <p:cNvPr id="65" name="直接箭头连接符 64"/>
           <p:cNvCxnSpPr/>
           <p:nvPr/>
         </p:nvCxnSpPr>
@@ -16940,13 +16674,7 @@
       </p:cxnSp>
       <p:sp>
         <p:nvSpPr>
-          <p:cNvPr id="66" name="文本框 65">
-            <a:extLst>
-              <a:ext uri="{FF2B5EF4-FFF2-40B4-BE49-F238E27FC236}">
-                <a16:creationId xmlns:a16="http://schemas.microsoft.com/office/drawing/2014/main" id="{441D4CED-3966-0D7A-9D87-FC60DD509776}"/>
-              </a:ext>
-            </a:extLst>
-          </p:cNvPr>
+          <p:cNvPr id="66" name="文本框 65"/>
           <p:cNvSpPr txBox="1"/>
           <p:nvPr/>
         </p:nvSpPr>
@@ -16970,21 +16698,14 @@
               <a:rPr lang="zh-CN" altLang="en-US" dirty="0"/>
               <a:t>返回给</a:t>
             </a:r>
+            <a:endParaRPr lang="zh-CN" altLang="en-US" dirty="0"/>
           </a:p>
         </p:txBody>
       </p:sp>
       <p:cxnSp>
         <p:nvCxnSpPr>
-          <p:cNvPr id="83" name="直接连接符 82">
-            <a:extLst>
-              <a:ext uri="{FF2B5EF4-FFF2-40B4-BE49-F238E27FC236}">
-                <a16:creationId xmlns:a16="http://schemas.microsoft.com/office/drawing/2014/main" id="{8B84AF0A-4D91-CB26-921B-7CB7D33FACA0}"/>
-              </a:ext>
-            </a:extLst>
-          </p:cNvPr>
-          <p:cNvCxnSpPr>
-            <a:cxnSpLocks/>
-          </p:cNvCxnSpPr>
+          <p:cNvPr id="83" name="直接连接符 82"/>
+          <p:cNvCxnSpPr/>
           <p:nvPr/>
         </p:nvCxnSpPr>
         <p:spPr>
@@ -17013,16 +16734,8 @@
       </p:cxnSp>
       <p:cxnSp>
         <p:nvCxnSpPr>
-          <p:cNvPr id="84" name="直接连接符 83">
-            <a:extLst>
-              <a:ext uri="{FF2B5EF4-FFF2-40B4-BE49-F238E27FC236}">
-                <a16:creationId xmlns:a16="http://schemas.microsoft.com/office/drawing/2014/main" id="{CC0C165B-8E53-3711-4F09-0AD93860A8C5}"/>
-              </a:ext>
-            </a:extLst>
-          </p:cNvPr>
-          <p:cNvCxnSpPr>
-            <a:cxnSpLocks/>
-          </p:cNvCxnSpPr>
+          <p:cNvPr id="84" name="直接连接符 83"/>
+          <p:cNvCxnSpPr/>
           <p:nvPr/>
         </p:nvCxnSpPr>
         <p:spPr>
@@ -17051,13 +16764,7 @@
       </p:cxnSp>
       <p:cxnSp>
         <p:nvCxnSpPr>
-          <p:cNvPr id="85" name="直接连接符 84">
-            <a:extLst>
-              <a:ext uri="{FF2B5EF4-FFF2-40B4-BE49-F238E27FC236}">
-                <a16:creationId xmlns:a16="http://schemas.microsoft.com/office/drawing/2014/main" id="{8999ED34-595F-6ED3-7E6C-7C22BB47F8DD}"/>
-              </a:ext>
-            </a:extLst>
-          </p:cNvPr>
+          <p:cNvPr id="85" name="直接连接符 84"/>
           <p:cNvCxnSpPr/>
           <p:nvPr/>
         </p:nvCxnSpPr>
@@ -17087,13 +16794,7 @@
       </p:cxnSp>
       <p:cxnSp>
         <p:nvCxnSpPr>
-          <p:cNvPr id="86" name="直接连接符 85">
-            <a:extLst>
-              <a:ext uri="{FF2B5EF4-FFF2-40B4-BE49-F238E27FC236}">
-                <a16:creationId xmlns:a16="http://schemas.microsoft.com/office/drawing/2014/main" id="{CBEFA67C-D1A8-3DE9-D4BF-9D66F9719439}"/>
-              </a:ext>
-            </a:extLst>
-          </p:cNvPr>
+          <p:cNvPr id="86" name="直接连接符 85"/>
           <p:cNvCxnSpPr/>
           <p:nvPr/>
         </p:nvCxnSpPr>
@@ -17123,13 +16824,7 @@
       </p:cxnSp>
       <p:cxnSp>
         <p:nvCxnSpPr>
-          <p:cNvPr id="87" name="直接连接符 86">
-            <a:extLst>
-              <a:ext uri="{FF2B5EF4-FFF2-40B4-BE49-F238E27FC236}">
-                <a16:creationId xmlns:a16="http://schemas.microsoft.com/office/drawing/2014/main" id="{4387801C-83BD-BBAE-8736-E9363DFB5F73}"/>
-              </a:ext>
-            </a:extLst>
-          </p:cNvPr>
+          <p:cNvPr id="87" name="直接连接符 86"/>
           <p:cNvCxnSpPr/>
           <p:nvPr/>
         </p:nvCxnSpPr>
@@ -17159,13 +16854,7 @@
       </p:cxnSp>
       <p:cxnSp>
         <p:nvCxnSpPr>
-          <p:cNvPr id="88" name="直接连接符 87">
-            <a:extLst>
-              <a:ext uri="{FF2B5EF4-FFF2-40B4-BE49-F238E27FC236}">
-                <a16:creationId xmlns:a16="http://schemas.microsoft.com/office/drawing/2014/main" id="{19F5D95F-EBB1-C089-F023-88F3C87B74F7}"/>
-              </a:ext>
-            </a:extLst>
-          </p:cNvPr>
+          <p:cNvPr id="88" name="直接连接符 87"/>
           <p:cNvCxnSpPr/>
           <p:nvPr/>
         </p:nvCxnSpPr>
@@ -17195,13 +16884,7 @@
       </p:cxnSp>
       <p:cxnSp>
         <p:nvCxnSpPr>
-          <p:cNvPr id="89" name="直接连接符 88">
-            <a:extLst>
-              <a:ext uri="{FF2B5EF4-FFF2-40B4-BE49-F238E27FC236}">
-                <a16:creationId xmlns:a16="http://schemas.microsoft.com/office/drawing/2014/main" id="{01072624-2C2C-2EFA-236B-343F8F15C585}"/>
-              </a:ext>
-            </a:extLst>
-          </p:cNvPr>
+          <p:cNvPr id="89" name="直接连接符 88"/>
           <p:cNvCxnSpPr/>
           <p:nvPr/>
         </p:nvCxnSpPr>
@@ -17231,13 +16914,7 @@
       </p:cxnSp>
       <p:cxnSp>
         <p:nvCxnSpPr>
-          <p:cNvPr id="91" name="直接连接符 90">
-            <a:extLst>
-              <a:ext uri="{FF2B5EF4-FFF2-40B4-BE49-F238E27FC236}">
-                <a16:creationId xmlns:a16="http://schemas.microsoft.com/office/drawing/2014/main" id="{C3B9A9DD-C18C-47BE-233C-D4DBECA12BD2}"/>
-              </a:ext>
-            </a:extLst>
-          </p:cNvPr>
+          <p:cNvPr id="91" name="直接连接符 90"/>
           <p:cNvCxnSpPr/>
           <p:nvPr/>
         </p:nvCxnSpPr>
@@ -17267,13 +16944,7 @@
       </p:cxnSp>
       <p:sp>
         <p:nvSpPr>
-          <p:cNvPr id="92" name="文本框 91">
-            <a:extLst>
-              <a:ext uri="{FF2B5EF4-FFF2-40B4-BE49-F238E27FC236}">
-                <a16:creationId xmlns:a16="http://schemas.microsoft.com/office/drawing/2014/main" id="{4A6862B6-5363-95E3-F732-70B43D86F91F}"/>
-              </a:ext>
-            </a:extLst>
-          </p:cNvPr>
+          <p:cNvPr id="92" name="文本框 91"/>
           <p:cNvSpPr txBox="1"/>
           <p:nvPr/>
         </p:nvSpPr>
@@ -17317,18 +16988,17 @@
               </a:rPr>
               <a:t>的后缀表达式</a:t>
             </a:r>
+            <a:endParaRPr lang="zh-CN" altLang="en-US" dirty="0">
+              <a:solidFill>
+                <a:srgbClr val="7030A0"/>
+              </a:solidFill>
+            </a:endParaRPr>
           </a:p>
         </p:txBody>
       </p:sp>
       <p:cxnSp>
         <p:nvCxnSpPr>
-          <p:cNvPr id="96" name="直接箭头连接符 95">
-            <a:extLst>
-              <a:ext uri="{FF2B5EF4-FFF2-40B4-BE49-F238E27FC236}">
-                <a16:creationId xmlns:a16="http://schemas.microsoft.com/office/drawing/2014/main" id="{9D56930E-B1CC-5411-A938-6CD15EDB73F0}"/>
-              </a:ext>
-            </a:extLst>
-          </p:cNvPr>
+          <p:cNvPr id="96" name="直接箭头连接符 95"/>
           <p:cNvCxnSpPr/>
           <p:nvPr/>
         </p:nvCxnSpPr>
@@ -17361,16 +17031,8 @@
       </p:cxnSp>
       <p:cxnSp>
         <p:nvCxnSpPr>
-          <p:cNvPr id="98" name="直接箭头连接符 97">
-            <a:extLst>
-              <a:ext uri="{FF2B5EF4-FFF2-40B4-BE49-F238E27FC236}">
-                <a16:creationId xmlns:a16="http://schemas.microsoft.com/office/drawing/2014/main" id="{EFCF79E6-671B-6B06-459B-336601A0E693}"/>
-              </a:ext>
-            </a:extLst>
-          </p:cNvPr>
-          <p:cNvCxnSpPr>
-            <a:cxnSpLocks/>
-          </p:cNvCxnSpPr>
+          <p:cNvPr id="98" name="直接箭头连接符 97"/>
+          <p:cNvCxnSpPr/>
           <p:nvPr/>
         </p:nvCxnSpPr>
         <p:spPr>
@@ -17402,13 +17064,7 @@
       </p:cxnSp>
       <p:sp>
         <p:nvSpPr>
-          <p:cNvPr id="101" name="文本框 100">
-            <a:extLst>
-              <a:ext uri="{FF2B5EF4-FFF2-40B4-BE49-F238E27FC236}">
-                <a16:creationId xmlns:a16="http://schemas.microsoft.com/office/drawing/2014/main" id="{C1B12A00-4509-D835-775F-7B3B18F5DA89}"/>
-              </a:ext>
-            </a:extLst>
-          </p:cNvPr>
+          <p:cNvPr id="101" name="文本框 100"/>
           <p:cNvSpPr txBox="1"/>
           <p:nvPr/>
         </p:nvSpPr>
@@ -17432,6 +17088,7 @@
               <a:rPr lang="zh-CN" altLang="en-US" dirty="0"/>
               <a:t>传递给下一个阶段</a:t>
             </a:r>
+            <a:endParaRPr lang="zh-CN" altLang="en-US" dirty="0"/>
           </a:p>
         </p:txBody>
       </p:sp>
@@ -17785,13 +17442,7 @@
       </p:grpSpPr>
       <p:sp>
         <p:nvSpPr>
-          <p:cNvPr id="9" name="矩形: 圆角 8">
-            <a:extLst>
-              <a:ext uri="{FF2B5EF4-FFF2-40B4-BE49-F238E27FC236}">
-                <a16:creationId xmlns:a16="http://schemas.microsoft.com/office/drawing/2014/main" id="{3A1EFB61-CBDF-C690-2A5A-0F9C424916DD}"/>
-              </a:ext>
-            </a:extLst>
-          </p:cNvPr>
+          <p:cNvPr id="9" name="矩形: 圆角 8"/>
           <p:cNvSpPr/>
           <p:nvPr/>
         </p:nvSpPr>
@@ -17835,8 +17486,8 @@
               <a:solidFill>
                 <a:srgbClr val="191919"/>
               </a:solidFill>
-              <a:latin typeface="Microsoft YaHei" panose="020B0503020204020204" pitchFamily="34" charset="-122"/>
-              <a:ea typeface="Microsoft YaHei" panose="020B0503020204020204" pitchFamily="34" charset="-122"/>
+              <a:latin typeface="微软雅黑" panose="020B0503020204020204" pitchFamily="34" charset="-122"/>
+              <a:ea typeface="微软雅黑" panose="020B0503020204020204" pitchFamily="34" charset="-122"/>
             </a:endParaRPr>
           </a:p>
           <a:p>
@@ -17845,8 +17496,8 @@
               <a:solidFill>
                 <a:srgbClr val="191919"/>
               </a:solidFill>
-              <a:latin typeface="Microsoft YaHei" panose="020B0503020204020204" pitchFamily="34" charset="-122"/>
-              <a:ea typeface="Microsoft YaHei" panose="020B0503020204020204" pitchFamily="34" charset="-122"/>
+              <a:latin typeface="微软雅黑" panose="020B0503020204020204" pitchFamily="34" charset="-122"/>
+              <a:ea typeface="微软雅黑" panose="020B0503020204020204" pitchFamily="34" charset="-122"/>
             </a:endParaRPr>
           </a:p>
           <a:p>
@@ -17855,8 +17506,8 @@
               <a:solidFill>
                 <a:srgbClr val="191919"/>
               </a:solidFill>
-              <a:latin typeface="Microsoft YaHei" panose="020B0503020204020204" pitchFamily="34" charset="-122"/>
-              <a:ea typeface="Microsoft YaHei" panose="020B0503020204020204" pitchFamily="34" charset="-122"/>
+              <a:latin typeface="微软雅黑" panose="020B0503020204020204" pitchFamily="34" charset="-122"/>
+              <a:ea typeface="微软雅黑" panose="020B0503020204020204" pitchFamily="34" charset="-122"/>
             </a:endParaRPr>
           </a:p>
           <a:p>
@@ -17866,8 +17517,8 @@
                 <a:solidFill>
                   <a:srgbClr val="191919"/>
                 </a:solidFill>
-                <a:latin typeface="Microsoft YaHei" panose="020B0503020204020204" pitchFamily="34" charset="-122"/>
-                <a:ea typeface="Microsoft YaHei" panose="020B0503020204020204" pitchFamily="34" charset="-122"/>
+                <a:latin typeface="微软雅黑" panose="020B0503020204020204" pitchFamily="34" charset="-122"/>
+                <a:ea typeface="微软雅黑" panose="020B0503020204020204" pitchFamily="34" charset="-122"/>
               </a:rPr>
               <a:t>Init_by_rules</a:t>
             </a:r>
@@ -17876,11 +17527,18 @@
                 <a:solidFill>
                   <a:srgbClr val="191919"/>
                 </a:solidFill>
-                <a:latin typeface="Microsoft YaHei" panose="020B0503020204020204" pitchFamily="34" charset="-122"/>
-                <a:ea typeface="Microsoft YaHei" panose="020B0503020204020204" pitchFamily="34" charset="-122"/>
+                <a:latin typeface="微软雅黑" panose="020B0503020204020204" pitchFamily="34" charset="-122"/>
+                <a:ea typeface="微软雅黑" panose="020B0503020204020204" pitchFamily="34" charset="-122"/>
               </a:rPr>
               <a:t>(rules)</a:t>
             </a:r>
+            <a:endParaRPr lang="en-US" altLang="zh-CN" dirty="0">
+              <a:solidFill>
+                <a:srgbClr val="191919"/>
+              </a:solidFill>
+              <a:latin typeface="微软雅黑" panose="020B0503020204020204" pitchFamily="34" charset="-122"/>
+              <a:ea typeface="微软雅黑" panose="020B0503020204020204" pitchFamily="34" charset="-122"/>
+            </a:endParaRPr>
           </a:p>
           <a:p>
             <a:pPr algn="ctr"/>
@@ -17889,8 +17547,8 @@
                 <a:srgbClr val="191919"/>
               </a:solidFill>
               <a:effectLst/>
-              <a:latin typeface="Microsoft YaHei" panose="020B0503020204020204" pitchFamily="34" charset="-122"/>
-              <a:ea typeface="Microsoft YaHei" panose="020B0503020204020204" pitchFamily="34" charset="-122"/>
+              <a:latin typeface="微软雅黑" panose="020B0503020204020204" pitchFamily="34" charset="-122"/>
+              <a:ea typeface="微软雅黑" panose="020B0503020204020204" pitchFamily="34" charset="-122"/>
             </a:endParaRPr>
           </a:p>
           <a:p>
@@ -17901,8 +17559,8 @@
                   <a:srgbClr val="191919"/>
                 </a:solidFill>
                 <a:effectLst/>
-                <a:latin typeface="Microsoft YaHei" panose="020B0503020204020204" pitchFamily="34" charset="-122"/>
-                <a:ea typeface="Microsoft YaHei" panose="020B0503020204020204" pitchFamily="34" charset="-122"/>
+                <a:latin typeface="微软雅黑" panose="020B0503020204020204" pitchFamily="34" charset="-122"/>
+                <a:ea typeface="微软雅黑" panose="020B0503020204020204" pitchFamily="34" charset="-122"/>
               </a:rPr>
               <a:t>          返回给</a:t>
             </a:r>
@@ -17911,8 +17569,8 @@
                 <a:srgbClr val="191919"/>
               </a:solidFill>
               <a:effectLst/>
-              <a:latin typeface="Microsoft YaHei" panose="020B0503020204020204" pitchFamily="34" charset="-122"/>
-              <a:ea typeface="Microsoft YaHei" panose="020B0503020204020204" pitchFamily="34" charset="-122"/>
+              <a:latin typeface="微软雅黑" panose="020B0503020204020204" pitchFamily="34" charset="-122"/>
+              <a:ea typeface="微软雅黑" panose="020B0503020204020204" pitchFamily="34" charset="-122"/>
             </a:endParaRPr>
           </a:p>
           <a:p>
@@ -17921,8 +17579,8 @@
               <a:solidFill>
                 <a:srgbClr val="191919"/>
               </a:solidFill>
-              <a:latin typeface="Microsoft YaHei" panose="020B0503020204020204" pitchFamily="34" charset="-122"/>
-              <a:ea typeface="Microsoft YaHei" panose="020B0503020204020204" pitchFamily="34" charset="-122"/>
+              <a:latin typeface="微软雅黑" panose="020B0503020204020204" pitchFamily="34" charset="-122"/>
+              <a:ea typeface="微软雅黑" panose="020B0503020204020204" pitchFamily="34" charset="-122"/>
             </a:endParaRPr>
           </a:p>
           <a:p>
@@ -17932,8 +17590,8 @@
                 <a:solidFill>
                   <a:srgbClr val="191919"/>
                 </a:solidFill>
-                <a:latin typeface="Microsoft YaHei" panose="020B0503020204020204" pitchFamily="34" charset="-122"/>
-                <a:ea typeface="Microsoft YaHei" panose="020B0503020204020204" pitchFamily="34" charset="-122"/>
+                <a:latin typeface="微软雅黑" panose="020B0503020204020204" pitchFamily="34" charset="-122"/>
+                <a:ea typeface="微软雅黑" panose="020B0503020204020204" pitchFamily="34" charset="-122"/>
               </a:rPr>
               <a:t>get_fa_c_minus</a:t>
             </a:r>
@@ -17942,8 +17600,8 @@
                 <a:solidFill>
                   <a:srgbClr val="191919"/>
                 </a:solidFill>
-                <a:latin typeface="Microsoft YaHei" panose="020B0503020204020204" pitchFamily="34" charset="-122"/>
-                <a:ea typeface="Microsoft YaHei" panose="020B0503020204020204" pitchFamily="34" charset="-122"/>
+                <a:latin typeface="微软雅黑" panose="020B0503020204020204" pitchFamily="34" charset="-122"/>
+                <a:ea typeface="微软雅黑" panose="020B0503020204020204" pitchFamily="34" charset="-122"/>
               </a:rPr>
               <a:t>()</a:t>
             </a:r>
@@ -17952,8 +17610,8 @@
                 <a:srgbClr val="191919"/>
               </a:solidFill>
               <a:effectLst/>
-              <a:latin typeface="Microsoft YaHei" panose="020B0503020204020204" pitchFamily="34" charset="-122"/>
-              <a:ea typeface="Microsoft YaHei" panose="020B0503020204020204" pitchFamily="34" charset="-122"/>
+              <a:latin typeface="微软雅黑" panose="020B0503020204020204" pitchFamily="34" charset="-122"/>
+              <a:ea typeface="微软雅黑" panose="020B0503020204020204" pitchFamily="34" charset="-122"/>
             </a:endParaRPr>
           </a:p>
           <a:p>
@@ -17963,21 +17621,15 @@
                 <a:srgbClr val="191919"/>
               </a:solidFill>
               <a:effectLst/>
-              <a:latin typeface="Microsoft YaHei" panose="020B0503020204020204" pitchFamily="34" charset="-122"/>
-              <a:ea typeface="Microsoft YaHei" panose="020B0503020204020204" pitchFamily="34" charset="-122"/>
+              <a:latin typeface="微软雅黑" panose="020B0503020204020204" pitchFamily="34" charset="-122"/>
+              <a:ea typeface="微软雅黑" panose="020B0503020204020204" pitchFamily="34" charset="-122"/>
             </a:endParaRPr>
           </a:p>
         </p:txBody>
       </p:sp>
       <p:sp>
         <p:nvSpPr>
-          <p:cNvPr id="23" name="矩形: 圆角 22">
-            <a:extLst>
-              <a:ext uri="{FF2B5EF4-FFF2-40B4-BE49-F238E27FC236}">
-                <a16:creationId xmlns:a16="http://schemas.microsoft.com/office/drawing/2014/main" id="{5222E8F7-F151-D417-BDAC-3E39174C5DDD}"/>
-              </a:ext>
-            </a:extLst>
-          </p:cNvPr>
+          <p:cNvPr id="23" name="矩形: 圆角 22"/>
           <p:cNvSpPr/>
           <p:nvPr/>
         </p:nvSpPr>
@@ -18021,8 +17673,8 @@
               <a:solidFill>
                 <a:srgbClr val="191919"/>
               </a:solidFill>
-              <a:latin typeface="Microsoft YaHei" panose="020B0503020204020204" pitchFamily="34" charset="-122"/>
-              <a:ea typeface="Microsoft YaHei" panose="020B0503020204020204" pitchFamily="34" charset="-122"/>
+              <a:latin typeface="微软雅黑" panose="020B0503020204020204" pitchFamily="34" charset="-122"/>
+              <a:ea typeface="微软雅黑" panose="020B0503020204020204" pitchFamily="34" charset="-122"/>
             </a:endParaRPr>
           </a:p>
           <a:p>
@@ -18031,8 +17683,8 @@
               <a:solidFill>
                 <a:srgbClr val="191919"/>
               </a:solidFill>
-              <a:latin typeface="Microsoft YaHei" panose="020B0503020204020204" pitchFamily="34" charset="-122"/>
-              <a:ea typeface="Microsoft YaHei" panose="020B0503020204020204" pitchFamily="34" charset="-122"/>
+              <a:latin typeface="微软雅黑" panose="020B0503020204020204" pitchFamily="34" charset="-122"/>
+              <a:ea typeface="微软雅黑" panose="020B0503020204020204" pitchFamily="34" charset="-122"/>
             </a:endParaRPr>
           </a:p>
           <a:p>
@@ -18041,8 +17693,8 @@
               <a:solidFill>
                 <a:srgbClr val="191919"/>
               </a:solidFill>
-              <a:latin typeface="Microsoft YaHei" panose="020B0503020204020204" pitchFamily="34" charset="-122"/>
-              <a:ea typeface="Microsoft YaHei" panose="020B0503020204020204" pitchFamily="34" charset="-122"/>
+              <a:latin typeface="微软雅黑" panose="020B0503020204020204" pitchFamily="34" charset="-122"/>
+              <a:ea typeface="微软雅黑" panose="020B0503020204020204" pitchFamily="34" charset="-122"/>
             </a:endParaRPr>
           </a:p>
           <a:p>
@@ -18052,11 +17704,18 @@
                 <a:solidFill>
                   <a:srgbClr val="191919"/>
                 </a:solidFill>
-                <a:latin typeface="Microsoft YaHei" panose="020B0503020204020204" pitchFamily="34" charset="-122"/>
-                <a:ea typeface="Microsoft YaHei" panose="020B0503020204020204" pitchFamily="34" charset="-122"/>
+                <a:latin typeface="微软雅黑" panose="020B0503020204020204" pitchFamily="34" charset="-122"/>
+                <a:ea typeface="微软雅黑" panose="020B0503020204020204" pitchFamily="34" charset="-122"/>
               </a:rPr>
               <a:t>fa_2_dfa(fa)</a:t>
             </a:r>
+            <a:endParaRPr lang="en-US" altLang="zh-CN" dirty="0">
+              <a:solidFill>
+                <a:srgbClr val="191919"/>
+              </a:solidFill>
+              <a:latin typeface="微软雅黑" panose="020B0503020204020204" pitchFamily="34" charset="-122"/>
+              <a:ea typeface="微软雅黑" panose="020B0503020204020204" pitchFamily="34" charset="-122"/>
+            </a:endParaRPr>
           </a:p>
           <a:p>
             <a:pPr algn="ctr"/>
@@ -18065,8 +17724,8 @@
                 <a:srgbClr val="191919"/>
               </a:solidFill>
               <a:effectLst/>
-              <a:latin typeface="Microsoft YaHei" panose="020B0503020204020204" pitchFamily="34" charset="-122"/>
-              <a:ea typeface="Microsoft YaHei" panose="020B0503020204020204" pitchFamily="34" charset="-122"/>
+              <a:latin typeface="微软雅黑" panose="020B0503020204020204" pitchFamily="34" charset="-122"/>
+              <a:ea typeface="微软雅黑" panose="020B0503020204020204" pitchFamily="34" charset="-122"/>
             </a:endParaRPr>
           </a:p>
           <a:p>
@@ -18077,8 +17736,8 @@
                   <a:srgbClr val="191919"/>
                 </a:solidFill>
                 <a:effectLst/>
-                <a:latin typeface="Microsoft YaHei" panose="020B0503020204020204" pitchFamily="34" charset="-122"/>
-                <a:ea typeface="Microsoft YaHei" panose="020B0503020204020204" pitchFamily="34" charset="-122"/>
+                <a:latin typeface="微软雅黑" panose="020B0503020204020204" pitchFamily="34" charset="-122"/>
+                <a:ea typeface="微软雅黑" panose="020B0503020204020204" pitchFamily="34" charset="-122"/>
               </a:rPr>
               <a:t>                   </a:t>
             </a:r>
@@ -18087,8 +17746,8 @@
                 <a:solidFill>
                   <a:srgbClr val="191919"/>
                 </a:solidFill>
-                <a:latin typeface="Microsoft YaHei" panose="020B0503020204020204" pitchFamily="34" charset="-122"/>
-                <a:ea typeface="Microsoft YaHei" panose="020B0503020204020204" pitchFamily="34" charset="-122"/>
+                <a:latin typeface="微软雅黑" panose="020B0503020204020204" pitchFamily="34" charset="-122"/>
+                <a:ea typeface="微软雅黑" panose="020B0503020204020204" pitchFamily="34" charset="-122"/>
               </a:rPr>
               <a:t>作为参数</a:t>
             </a:r>
@@ -18098,8 +17757,8 @@
                   <a:srgbClr val="191919"/>
                 </a:solidFill>
                 <a:effectLst/>
-                <a:latin typeface="Microsoft YaHei" panose="020B0503020204020204" pitchFamily="34" charset="-122"/>
-                <a:ea typeface="Microsoft YaHei" panose="020B0503020204020204" pitchFamily="34" charset="-122"/>
+                <a:latin typeface="微软雅黑" panose="020B0503020204020204" pitchFamily="34" charset="-122"/>
+                <a:ea typeface="微软雅黑" panose="020B0503020204020204" pitchFamily="34" charset="-122"/>
               </a:rPr>
               <a:t>  </a:t>
             </a:r>
@@ -18108,8 +17767,8 @@
                 <a:srgbClr val="191919"/>
               </a:solidFill>
               <a:effectLst/>
-              <a:latin typeface="Microsoft YaHei" panose="020B0503020204020204" pitchFamily="34" charset="-122"/>
-              <a:ea typeface="Microsoft YaHei" panose="020B0503020204020204" pitchFamily="34" charset="-122"/>
+              <a:latin typeface="微软雅黑" panose="020B0503020204020204" pitchFamily="34" charset="-122"/>
+              <a:ea typeface="微软雅黑" panose="020B0503020204020204" pitchFamily="34" charset="-122"/>
             </a:endParaRPr>
           </a:p>
           <a:p>
@@ -18118,8 +17777,8 @@
               <a:solidFill>
                 <a:srgbClr val="191919"/>
               </a:solidFill>
-              <a:latin typeface="Microsoft YaHei" panose="020B0503020204020204" pitchFamily="34" charset="-122"/>
-              <a:ea typeface="Microsoft YaHei" panose="020B0503020204020204" pitchFamily="34" charset="-122"/>
+              <a:latin typeface="微软雅黑" panose="020B0503020204020204" pitchFamily="34" charset="-122"/>
+              <a:ea typeface="微软雅黑" panose="020B0503020204020204" pitchFamily="34" charset="-122"/>
             </a:endParaRPr>
           </a:p>
           <a:p>
@@ -18129,8 +17788,8 @@
                 <a:solidFill>
                   <a:srgbClr val="191919"/>
                 </a:solidFill>
-                <a:latin typeface="Microsoft YaHei" panose="020B0503020204020204" pitchFamily="34" charset="-122"/>
-                <a:ea typeface="Microsoft YaHei" panose="020B0503020204020204" pitchFamily="34" charset="-122"/>
+                <a:latin typeface="微软雅黑" panose="020B0503020204020204" pitchFamily="34" charset="-122"/>
+                <a:ea typeface="微软雅黑" panose="020B0503020204020204" pitchFamily="34" charset="-122"/>
               </a:rPr>
               <a:t>dfa_minimize</a:t>
             </a:r>
@@ -18139,8 +17798,8 @@
                 <a:solidFill>
                   <a:srgbClr val="191919"/>
                 </a:solidFill>
-                <a:latin typeface="Microsoft YaHei" panose="020B0503020204020204" pitchFamily="34" charset="-122"/>
-                <a:ea typeface="Microsoft YaHei" panose="020B0503020204020204" pitchFamily="34" charset="-122"/>
+                <a:latin typeface="微软雅黑" panose="020B0503020204020204" pitchFamily="34" charset="-122"/>
+                <a:ea typeface="微软雅黑" panose="020B0503020204020204" pitchFamily="34" charset="-122"/>
               </a:rPr>
               <a:t>(</a:t>
             </a:r>
@@ -18149,8 +17808,8 @@
                 <a:solidFill>
                   <a:srgbClr val="191919"/>
                 </a:solidFill>
-                <a:latin typeface="Microsoft YaHei" panose="020B0503020204020204" pitchFamily="34" charset="-122"/>
-                <a:ea typeface="Microsoft YaHei" panose="020B0503020204020204" pitchFamily="34" charset="-122"/>
+                <a:latin typeface="微软雅黑" panose="020B0503020204020204" pitchFamily="34" charset="-122"/>
+                <a:ea typeface="微软雅黑" panose="020B0503020204020204" pitchFamily="34" charset="-122"/>
               </a:rPr>
               <a:t>dfa</a:t>
             </a:r>
@@ -18159,8 +17818,8 @@
                 <a:solidFill>
                   <a:srgbClr val="191919"/>
                 </a:solidFill>
-                <a:latin typeface="Microsoft YaHei" panose="020B0503020204020204" pitchFamily="34" charset="-122"/>
-                <a:ea typeface="Microsoft YaHei" panose="020B0503020204020204" pitchFamily="34" charset="-122"/>
+                <a:latin typeface="微软雅黑" panose="020B0503020204020204" pitchFamily="34" charset="-122"/>
+                <a:ea typeface="微软雅黑" panose="020B0503020204020204" pitchFamily="34" charset="-122"/>
               </a:rPr>
               <a:t>)</a:t>
             </a:r>
@@ -18169,8 +17828,8 @@
                 <a:srgbClr val="191919"/>
               </a:solidFill>
               <a:effectLst/>
-              <a:latin typeface="Microsoft YaHei" panose="020B0503020204020204" pitchFamily="34" charset="-122"/>
-              <a:ea typeface="Microsoft YaHei" panose="020B0503020204020204" pitchFamily="34" charset="-122"/>
+              <a:latin typeface="微软雅黑" panose="020B0503020204020204" pitchFamily="34" charset="-122"/>
+              <a:ea typeface="微软雅黑" panose="020B0503020204020204" pitchFamily="34" charset="-122"/>
             </a:endParaRPr>
           </a:p>
           <a:p>
@@ -18180,8 +17839,8 @@
                 <a:srgbClr val="191919"/>
               </a:solidFill>
               <a:effectLst/>
-              <a:latin typeface="Microsoft YaHei" panose="020B0503020204020204" pitchFamily="34" charset="-122"/>
-              <a:ea typeface="Microsoft YaHei" panose="020B0503020204020204" pitchFamily="34" charset="-122"/>
+              <a:latin typeface="微软雅黑" panose="020B0503020204020204" pitchFamily="34" charset="-122"/>
+              <a:ea typeface="微软雅黑" panose="020B0503020204020204" pitchFamily="34" charset="-122"/>
             </a:endParaRPr>
           </a:p>
         </p:txBody>
@@ -18195,7 +17854,7 @@
           <p:nvPr/>
         </p:nvPicPr>
         <p:blipFill>
-          <a:blip r:embed="rId2"/>
+          <a:blip r:embed="rId1"/>
           <a:stretch>
             <a:fillRect/>
           </a:stretch>
@@ -18251,9 +17910,7 @@
       <p:cxnSp>
         <p:nvCxnSpPr>
           <p:cNvPr id="12" name="直接连接符 11"/>
-          <p:cNvCxnSpPr>
-            <a:cxnSpLocks/>
-          </p:cNvCxnSpPr>
+          <p:cNvCxnSpPr/>
           <p:nvPr/>
         </p:nvCxnSpPr>
         <p:spPr>
@@ -18427,16 +18084,8 @@
       </p:sp>
       <p:cxnSp>
         <p:nvCxnSpPr>
-          <p:cNvPr id="10" name="直接连接符 9">
-            <a:extLst>
-              <a:ext uri="{FF2B5EF4-FFF2-40B4-BE49-F238E27FC236}">
-                <a16:creationId xmlns:a16="http://schemas.microsoft.com/office/drawing/2014/main" id="{BD4370BF-94BE-F4E4-154A-ED0F3C1A170E}"/>
-              </a:ext>
-            </a:extLst>
-          </p:cNvPr>
-          <p:cNvCxnSpPr>
-            <a:cxnSpLocks/>
-          </p:cNvCxnSpPr>
+          <p:cNvPr id="10" name="直接连接符 9"/>
+          <p:cNvCxnSpPr/>
           <p:nvPr/>
         </p:nvCxnSpPr>
         <p:spPr>
@@ -18470,13 +18119,7 @@
       </p:cxnSp>
       <p:sp>
         <p:nvSpPr>
-          <p:cNvPr id="11" name="文本框 10">
-            <a:extLst>
-              <a:ext uri="{FF2B5EF4-FFF2-40B4-BE49-F238E27FC236}">
-                <a16:creationId xmlns:a16="http://schemas.microsoft.com/office/drawing/2014/main" id="{AD342585-C8C9-9E7B-826C-937F22B2E0F9}"/>
-              </a:ext>
-            </a:extLst>
-          </p:cNvPr>
+          <p:cNvPr id="11" name="文本框 10"/>
           <p:cNvSpPr txBox="1"/>
           <p:nvPr/>
         </p:nvSpPr>
@@ -18506,13 +18149,7 @@
       </p:sp>
       <p:cxnSp>
         <p:nvCxnSpPr>
-          <p:cNvPr id="21" name="直接箭头连接符 20">
-            <a:extLst>
-              <a:ext uri="{FF2B5EF4-FFF2-40B4-BE49-F238E27FC236}">
-                <a16:creationId xmlns:a16="http://schemas.microsoft.com/office/drawing/2014/main" id="{1B38FC66-80BF-212D-8628-C16B9DBA4F06}"/>
-              </a:ext>
-            </a:extLst>
-          </p:cNvPr>
+          <p:cNvPr id="21" name="直接箭头连接符 20"/>
           <p:cNvCxnSpPr/>
           <p:nvPr/>
         </p:nvCxnSpPr>
@@ -18545,16 +18182,8 @@
       </p:cxnSp>
       <p:cxnSp>
         <p:nvCxnSpPr>
-          <p:cNvPr id="24" name="直接连接符 23">
-            <a:extLst>
-              <a:ext uri="{FF2B5EF4-FFF2-40B4-BE49-F238E27FC236}">
-                <a16:creationId xmlns:a16="http://schemas.microsoft.com/office/drawing/2014/main" id="{FBB60168-F957-6203-B112-36FC875E3647}"/>
-              </a:ext>
-            </a:extLst>
-          </p:cNvPr>
-          <p:cNvCxnSpPr>
-            <a:cxnSpLocks/>
-          </p:cNvCxnSpPr>
+          <p:cNvPr id="24" name="直接连接符 23"/>
+          <p:cNvCxnSpPr/>
           <p:nvPr/>
         </p:nvCxnSpPr>
         <p:spPr>
@@ -18588,13 +18217,7 @@
       </p:cxnSp>
       <p:sp>
         <p:nvSpPr>
-          <p:cNvPr id="25" name="文本框 24">
-            <a:extLst>
-              <a:ext uri="{FF2B5EF4-FFF2-40B4-BE49-F238E27FC236}">
-                <a16:creationId xmlns:a16="http://schemas.microsoft.com/office/drawing/2014/main" id="{4358D335-3020-BCFD-5F8D-D0EA909EAB6F}"/>
-              </a:ext>
-            </a:extLst>
-          </p:cNvPr>
+          <p:cNvPr id="25" name="文本框 24"/>
           <p:cNvSpPr txBox="1"/>
           <p:nvPr/>
         </p:nvSpPr>
@@ -18624,13 +18247,7 @@
       </p:sp>
       <p:cxnSp>
         <p:nvCxnSpPr>
-          <p:cNvPr id="32" name="直接箭头连接符 31">
-            <a:extLst>
-              <a:ext uri="{FF2B5EF4-FFF2-40B4-BE49-F238E27FC236}">
-                <a16:creationId xmlns:a16="http://schemas.microsoft.com/office/drawing/2014/main" id="{C81CA539-945F-68C9-1F8E-76CA0D8EE37D}"/>
-              </a:ext>
-            </a:extLst>
-          </p:cNvPr>
+          <p:cNvPr id="32" name="直接箭头连接符 31"/>
           <p:cNvCxnSpPr/>
           <p:nvPr/>
         </p:nvCxnSpPr>
@@ -18663,13 +18280,7 @@
       </p:cxnSp>
       <p:cxnSp>
         <p:nvCxnSpPr>
-          <p:cNvPr id="34" name="直接箭头连接符 33">
-            <a:extLst>
-              <a:ext uri="{FF2B5EF4-FFF2-40B4-BE49-F238E27FC236}">
-                <a16:creationId xmlns:a16="http://schemas.microsoft.com/office/drawing/2014/main" id="{49F530FF-310A-9F97-5D3E-8B0D0AF6D826}"/>
-              </a:ext>
-            </a:extLst>
-          </p:cNvPr>
+          <p:cNvPr id="34" name="直接箭头连接符 33"/>
           <p:cNvCxnSpPr>
             <a:stCxn id="16" idx="1"/>
           </p:cNvCxnSpPr>
@@ -18704,13 +18315,7 @@
       </p:cxnSp>
       <p:sp>
         <p:nvSpPr>
-          <p:cNvPr id="35" name="文本框 34">
-            <a:extLst>
-              <a:ext uri="{FF2B5EF4-FFF2-40B4-BE49-F238E27FC236}">
-                <a16:creationId xmlns:a16="http://schemas.microsoft.com/office/drawing/2014/main" id="{A3676A07-1B1A-D733-C446-8621359F839A}"/>
-              </a:ext>
-            </a:extLst>
-          </p:cNvPr>
+          <p:cNvPr id="35" name="文本框 34"/>
           <p:cNvSpPr txBox="1"/>
           <p:nvPr/>
         </p:nvSpPr>
@@ -18734,18 +18339,13 @@
               <a:rPr lang="zh-CN" altLang="en-US" dirty="0"/>
               <a:t>作为参数</a:t>
             </a:r>
+            <a:endParaRPr lang="zh-CN" altLang="en-US" dirty="0"/>
           </a:p>
         </p:txBody>
       </p:sp>
       <p:sp>
         <p:nvSpPr>
-          <p:cNvPr id="36" name="文本框 35">
-            <a:extLst>
-              <a:ext uri="{FF2B5EF4-FFF2-40B4-BE49-F238E27FC236}">
-                <a16:creationId xmlns:a16="http://schemas.microsoft.com/office/drawing/2014/main" id="{534E5594-1484-C2BA-8742-E901AA60A0DB}"/>
-              </a:ext>
-            </a:extLst>
-          </p:cNvPr>
+          <p:cNvPr id="36" name="文本框 35"/>
           <p:cNvSpPr txBox="1"/>
           <p:nvPr/>
         </p:nvSpPr>
@@ -18769,18 +18369,13 @@
               <a:rPr lang="zh-CN" altLang="en-US" dirty="0"/>
               <a:t>传递给下一个阶段</a:t>
             </a:r>
+            <a:endParaRPr lang="zh-CN" altLang="en-US" dirty="0"/>
           </a:p>
         </p:txBody>
       </p:sp>
       <p:cxnSp>
         <p:nvCxnSpPr>
-          <p:cNvPr id="38" name="直接箭头连接符 37">
-            <a:extLst>
-              <a:ext uri="{FF2B5EF4-FFF2-40B4-BE49-F238E27FC236}">
-                <a16:creationId xmlns:a16="http://schemas.microsoft.com/office/drawing/2014/main" id="{1140F282-1E6B-706E-070C-A108277431E2}"/>
-              </a:ext>
-            </a:extLst>
-          </p:cNvPr>
+          <p:cNvPr id="38" name="直接箭头连接符 37"/>
           <p:cNvCxnSpPr/>
           <p:nvPr/>
         </p:nvCxnSpPr>
@@ -19195,39 +18790,39 @@
               <a:rPr lang="en-US" sz="3600" dirty="0">
                 <a:latin typeface="黑体" panose="02010609060101010101" charset="-122"/>
                 <a:ea typeface="黑体" panose="02010609060101010101" charset="-122"/>
-                <a:cs typeface="宋体" panose="02010600030101010101" pitchFamily="2" charset="-122"/>
+                <a:cs typeface="宋体" pitchFamily="2" charset="-122"/>
               </a:rPr>
               <a:t>fa_2_dfa</a:t>
             </a:r>
             <a:r>
               <a:rPr lang="en-US" sz="3600" b="1" dirty="0">
-                <a:latin typeface="宋体" panose="02010600030101010101" pitchFamily="2" charset="-122"/>
-                <a:ea typeface="宋体" panose="02010600030101010101" pitchFamily="2" charset="-122"/>
-                <a:cs typeface="宋体" panose="02010600030101010101" pitchFamily="2" charset="-122"/>
+                <a:latin typeface="宋体" pitchFamily="2" charset="-122"/>
+                <a:ea typeface="宋体" pitchFamily="2" charset="-122"/>
+                <a:cs typeface="宋体" pitchFamily="2" charset="-122"/>
               </a:rPr>
               <a:t>(NFA</a:t>
             </a:r>
             <a:r>
               <a:rPr lang="zh-CN" altLang="en-US" sz="3600" b="1" dirty="0">
-                <a:latin typeface="宋体" panose="02010600030101010101" pitchFamily="2" charset="-122"/>
-                <a:ea typeface="宋体" panose="02010600030101010101" pitchFamily="2" charset="-122"/>
-                <a:cs typeface="宋体" panose="02010600030101010101" pitchFamily="2" charset="-122"/>
+                <a:latin typeface="宋体" pitchFamily="2" charset="-122"/>
+                <a:ea typeface="宋体" pitchFamily="2" charset="-122"/>
+                <a:cs typeface="宋体" pitchFamily="2" charset="-122"/>
               </a:rPr>
               <a:t>确定化</a:t>
             </a:r>
             <a:r>
               <a:rPr lang="en-US" sz="3600" b="1" dirty="0">
-                <a:latin typeface="宋体" panose="02010600030101010101" pitchFamily="2" charset="-122"/>
-                <a:ea typeface="宋体" panose="02010600030101010101" pitchFamily="2" charset="-122"/>
-                <a:cs typeface="宋体" panose="02010600030101010101" pitchFamily="2" charset="-122"/>
+                <a:latin typeface="宋体" pitchFamily="2" charset="-122"/>
+                <a:ea typeface="宋体" pitchFamily="2" charset="-122"/>
+                <a:cs typeface="宋体" pitchFamily="2" charset="-122"/>
               </a:rPr>
               <a:t>)</a:t>
             </a:r>
             <a:r>
               <a:rPr lang="zh-CN" altLang="en-US" sz="3600" b="1" dirty="0">
-                <a:latin typeface="宋体" panose="02010600030101010101" pitchFamily="2" charset="-122"/>
-                <a:ea typeface="宋体" panose="02010600030101010101" pitchFamily="2" charset="-122"/>
-                <a:cs typeface="宋体" panose="02010600030101010101" pitchFamily="2" charset="-122"/>
+                <a:latin typeface="宋体" pitchFamily="2" charset="-122"/>
+                <a:ea typeface="宋体" pitchFamily="2" charset="-122"/>
+                <a:cs typeface="宋体" pitchFamily="2" charset="-122"/>
               </a:rPr>
               <a:t>方法的伪代码</a:t>
             </a:r>
@@ -19235,6 +18830,7 @@
               <a:rPr lang="zh-CN" altLang="en-US" sz="3600" b="1" dirty="0"/>
               <a:t>：</a:t>
             </a:r>
+            <a:endParaRPr lang="zh-CN" altLang="en-US" sz="3600" b="1" dirty="0"/>
           </a:p>
         </p:txBody>
       </p:sp>
@@ -19273,28 +18869,33 @@
             </a:r>
             <a:r>
               <a:rPr lang="en-US" altLang="zh-CN" sz="3600" b="1" dirty="0">
-                <a:latin typeface="宋体" panose="02010600030101010101" pitchFamily="2" charset="-122"/>
-                <a:ea typeface="宋体" panose="02010600030101010101" pitchFamily="2" charset="-122"/>
-                <a:cs typeface="宋体" panose="02010600030101010101" pitchFamily="2" charset="-122"/>
+                <a:latin typeface="宋体" pitchFamily="2" charset="-122"/>
+                <a:ea typeface="宋体" pitchFamily="2" charset="-122"/>
+                <a:cs typeface="宋体" pitchFamily="2" charset="-122"/>
               </a:rPr>
               <a:t>DFA</a:t>
             </a:r>
             <a:r>
               <a:rPr lang="zh-CN" altLang="en-US" sz="3600" b="1" dirty="0">
-                <a:latin typeface="宋体" panose="02010600030101010101" pitchFamily="2" charset="-122"/>
-                <a:ea typeface="宋体" panose="02010600030101010101" pitchFamily="2" charset="-122"/>
-                <a:cs typeface="宋体" panose="02010600030101010101" pitchFamily="2" charset="-122"/>
+                <a:latin typeface="宋体" pitchFamily="2" charset="-122"/>
+                <a:ea typeface="宋体" pitchFamily="2" charset="-122"/>
+                <a:cs typeface="宋体" pitchFamily="2" charset="-122"/>
               </a:rPr>
               <a:t>最小化）方法的伪代码</a:t>
             </a:r>
             <a:r>
               <a:rPr lang="zh-CN" altLang="en-US" sz="3600" dirty="0">
-                <a:latin typeface="宋体" panose="02010600030101010101" pitchFamily="2" charset="-122"/>
-                <a:ea typeface="宋体" panose="02010600030101010101" pitchFamily="2" charset="-122"/>
-                <a:cs typeface="宋体" panose="02010600030101010101" pitchFamily="2" charset="-122"/>
+                <a:latin typeface="宋体" pitchFamily="2" charset="-122"/>
+                <a:ea typeface="宋体" pitchFamily="2" charset="-122"/>
+                <a:cs typeface="宋体" pitchFamily="2" charset="-122"/>
               </a:rPr>
               <a:t>：</a:t>
             </a:r>
+            <a:endParaRPr lang="zh-CN" altLang="en-US" sz="3600" dirty="0">
+              <a:latin typeface="宋体" pitchFamily="2" charset="-122"/>
+              <a:ea typeface="宋体" pitchFamily="2" charset="-122"/>
+              <a:cs typeface="宋体" pitchFamily="2" charset="-122"/>
+            </a:endParaRPr>
           </a:p>
         </p:txBody>
       </p:sp>
@@ -19322,149 +18923,199 @@
           <a:p>
             <a:r>
               <a:rPr lang="en-US" sz="2000" dirty="0">
-                <a:latin typeface="宋体" panose="02010600030101010101" pitchFamily="2" charset="-122"/>
-                <a:ea typeface="宋体" panose="02010600030101010101" pitchFamily="2" charset="-122"/>
-                <a:cs typeface="宋体" panose="02010600030101010101" pitchFamily="2" charset="-122"/>
+                <a:latin typeface="宋体" pitchFamily="2" charset="-122"/>
+                <a:ea typeface="宋体" pitchFamily="2" charset="-122"/>
+                <a:cs typeface="宋体" pitchFamily="2" charset="-122"/>
               </a:rPr>
               <a:t>1.根据传入的DFA构造出划分集合(</a:t>
             </a:r>
             <a:r>
               <a:rPr lang="en-US" sz="2000" dirty="0" err="1">
-                <a:latin typeface="宋体" panose="02010600030101010101" pitchFamily="2" charset="-122"/>
-                <a:ea typeface="宋体" panose="02010600030101010101" pitchFamily="2" charset="-122"/>
-                <a:cs typeface="宋体" panose="02010600030101010101" pitchFamily="2" charset="-122"/>
+                <a:latin typeface="宋体" pitchFamily="2" charset="-122"/>
+                <a:ea typeface="宋体" pitchFamily="2" charset="-122"/>
+                <a:cs typeface="宋体" pitchFamily="2" charset="-122"/>
                 <a:sym typeface="+mn-ea"/>
               </a:rPr>
               <a:t>借助Hopcroft算法实现</a:t>
             </a:r>
             <a:r>
               <a:rPr lang="zh-CN" altLang="en-US" sz="2000" dirty="0">
-                <a:latin typeface="宋体" panose="02010600030101010101" pitchFamily="2" charset="-122"/>
-                <a:ea typeface="宋体" panose="02010600030101010101" pitchFamily="2" charset="-122"/>
-                <a:cs typeface="宋体" panose="02010600030101010101" pitchFamily="2" charset="-122"/>
+                <a:latin typeface="宋体" pitchFamily="2" charset="-122"/>
+                <a:ea typeface="宋体" pitchFamily="2" charset="-122"/>
+                <a:cs typeface="宋体" pitchFamily="2" charset="-122"/>
                 <a:sym typeface="+mn-ea"/>
               </a:rPr>
               <a:t>，如下所示</a:t>
             </a:r>
             <a:r>
               <a:rPr lang="en-US" sz="2000" dirty="0">
-                <a:latin typeface="宋体" panose="02010600030101010101" pitchFamily="2" charset="-122"/>
-                <a:ea typeface="宋体" panose="02010600030101010101" pitchFamily="2" charset="-122"/>
-                <a:cs typeface="宋体" panose="02010600030101010101" pitchFamily="2" charset="-122"/>
+                <a:latin typeface="宋体" pitchFamily="2" charset="-122"/>
+                <a:ea typeface="宋体" pitchFamily="2" charset="-122"/>
+                <a:cs typeface="宋体" pitchFamily="2" charset="-122"/>
               </a:rPr>
               <a:t>)</a:t>
             </a:r>
+            <a:endParaRPr lang="en-US" sz="2000" dirty="0">
+              <a:latin typeface="宋体" pitchFamily="2" charset="-122"/>
+              <a:ea typeface="宋体" pitchFamily="2" charset="-122"/>
+              <a:cs typeface="宋体" pitchFamily="2" charset="-122"/>
+            </a:endParaRPr>
           </a:p>
           <a:p>
             <a:r>
               <a:rPr lang="en-US" sz="2000" dirty="0">
-                <a:latin typeface="宋体" panose="02010600030101010101" pitchFamily="2" charset="-122"/>
-                <a:ea typeface="宋体" panose="02010600030101010101" pitchFamily="2" charset="-122"/>
-                <a:cs typeface="宋体" panose="02010600030101010101" pitchFamily="2" charset="-122"/>
+                <a:latin typeface="宋体" pitchFamily="2" charset="-122"/>
+                <a:ea typeface="宋体" pitchFamily="2" charset="-122"/>
+                <a:cs typeface="宋体" pitchFamily="2" charset="-122"/>
               </a:rPr>
               <a:t>split(S)</a:t>
             </a:r>
+            <a:endParaRPr lang="en-US" sz="2000" dirty="0">
+              <a:latin typeface="宋体" pitchFamily="2" charset="-122"/>
+              <a:ea typeface="宋体" pitchFamily="2" charset="-122"/>
+              <a:cs typeface="宋体" pitchFamily="2" charset="-122"/>
+            </a:endParaRPr>
           </a:p>
           <a:p>
             <a:r>
               <a:rPr lang="en-US" sz="2000" dirty="0">
-                <a:latin typeface="宋体" panose="02010600030101010101" pitchFamily="2" charset="-122"/>
-                <a:ea typeface="宋体" panose="02010600030101010101" pitchFamily="2" charset="-122"/>
-                <a:cs typeface="宋体" panose="02010600030101010101" pitchFamily="2" charset="-122"/>
+                <a:latin typeface="宋体" pitchFamily="2" charset="-122"/>
+                <a:ea typeface="宋体" pitchFamily="2" charset="-122"/>
+                <a:cs typeface="宋体" pitchFamily="2" charset="-122"/>
               </a:rPr>
               <a:t>    foreach(character c)</a:t>
             </a:r>
+            <a:endParaRPr lang="en-US" sz="2000" dirty="0">
+              <a:latin typeface="宋体" pitchFamily="2" charset="-122"/>
+              <a:ea typeface="宋体" pitchFamily="2" charset="-122"/>
+              <a:cs typeface="宋体" pitchFamily="2" charset="-122"/>
+            </a:endParaRPr>
           </a:p>
           <a:p>
             <a:r>
               <a:rPr lang="en-US" sz="2000" dirty="0">
-                <a:latin typeface="宋体" panose="02010600030101010101" pitchFamily="2" charset="-122"/>
-                <a:ea typeface="宋体" panose="02010600030101010101" pitchFamily="2" charset="-122"/>
-                <a:cs typeface="宋体" panose="02010600030101010101" pitchFamily="2" charset="-122"/>
+                <a:latin typeface="宋体" pitchFamily="2" charset="-122"/>
+                <a:ea typeface="宋体" pitchFamily="2" charset="-122"/>
+                <a:cs typeface="宋体" pitchFamily="2" charset="-122"/>
               </a:rPr>
               <a:t>        if(c can split s)</a:t>
             </a:r>
+            <a:endParaRPr lang="en-US" sz="2000" dirty="0">
+              <a:latin typeface="宋体" pitchFamily="2" charset="-122"/>
+              <a:ea typeface="宋体" pitchFamily="2" charset="-122"/>
+              <a:cs typeface="宋体" pitchFamily="2" charset="-122"/>
+            </a:endParaRPr>
           </a:p>
           <a:p>
             <a:r>
               <a:rPr lang="en-US" sz="2000" dirty="0">
-                <a:latin typeface="宋体" panose="02010600030101010101" pitchFamily="2" charset="-122"/>
-                <a:ea typeface="宋体" panose="02010600030101010101" pitchFamily="2" charset="-122"/>
-                <a:cs typeface="宋体" panose="02010600030101010101" pitchFamily="2" charset="-122"/>
+                <a:latin typeface="宋体" pitchFamily="2" charset="-122"/>
+                <a:ea typeface="宋体" pitchFamily="2" charset="-122"/>
+                <a:cs typeface="宋体" pitchFamily="2" charset="-122"/>
               </a:rPr>
               <a:t>            split s into T1, ..., Tk</a:t>
             </a:r>
-          </a:p>
-          <a:p>
             <a:endParaRPr lang="en-US" sz="2000" dirty="0">
-              <a:latin typeface="宋体" panose="02010600030101010101" pitchFamily="2" charset="-122"/>
-              <a:ea typeface="宋体" panose="02010600030101010101" pitchFamily="2" charset="-122"/>
-              <a:cs typeface="宋体" panose="02010600030101010101" pitchFamily="2" charset="-122"/>
+              <a:latin typeface="宋体" pitchFamily="2" charset="-122"/>
+              <a:ea typeface="宋体" pitchFamily="2" charset="-122"/>
+              <a:cs typeface="宋体" pitchFamily="2" charset="-122"/>
             </a:endParaRPr>
           </a:p>
           <a:p>
+            <a:endParaRPr lang="en-US" sz="2000" dirty="0">
+              <a:latin typeface="宋体" pitchFamily="2" charset="-122"/>
+              <a:ea typeface="宋体" pitchFamily="2" charset="-122"/>
+              <a:cs typeface="宋体" pitchFamily="2" charset="-122"/>
+            </a:endParaRPr>
+          </a:p>
+          <a:p>
             <a:r>
               <a:rPr lang="en-US" sz="2000" dirty="0" err="1">
-                <a:latin typeface="宋体" panose="02010600030101010101" pitchFamily="2" charset="-122"/>
-                <a:ea typeface="宋体" panose="02010600030101010101" pitchFamily="2" charset="-122"/>
-                <a:cs typeface="宋体" panose="02010600030101010101" pitchFamily="2" charset="-122"/>
+                <a:latin typeface="宋体" pitchFamily="2" charset="-122"/>
+                <a:ea typeface="宋体" pitchFamily="2" charset="-122"/>
+                <a:cs typeface="宋体" pitchFamily="2" charset="-122"/>
               </a:rPr>
               <a:t>hopcroft</a:t>
             </a:r>
             <a:r>
               <a:rPr lang="en-US" sz="2000" dirty="0">
-                <a:latin typeface="宋体" panose="02010600030101010101" pitchFamily="2" charset="-122"/>
-                <a:ea typeface="宋体" panose="02010600030101010101" pitchFamily="2" charset="-122"/>
-                <a:cs typeface="宋体" panose="02010600030101010101" pitchFamily="2" charset="-122"/>
+                <a:latin typeface="宋体" pitchFamily="2" charset="-122"/>
+                <a:ea typeface="宋体" pitchFamily="2" charset="-122"/>
+                <a:cs typeface="宋体" pitchFamily="2" charset="-122"/>
               </a:rPr>
               <a:t>()</a:t>
             </a:r>
+            <a:endParaRPr lang="en-US" sz="2000" dirty="0">
+              <a:latin typeface="宋体" pitchFamily="2" charset="-122"/>
+              <a:ea typeface="宋体" pitchFamily="2" charset="-122"/>
+              <a:cs typeface="宋体" pitchFamily="2" charset="-122"/>
+            </a:endParaRPr>
           </a:p>
           <a:p>
             <a:r>
               <a:rPr lang="en-US" sz="2000" dirty="0">
-                <a:latin typeface="宋体" panose="02010600030101010101" pitchFamily="2" charset="-122"/>
-                <a:ea typeface="宋体" panose="02010600030101010101" pitchFamily="2" charset="-122"/>
-                <a:cs typeface="宋体" panose="02010600030101010101" pitchFamily="2" charset="-122"/>
+                <a:latin typeface="宋体" pitchFamily="2" charset="-122"/>
+                <a:ea typeface="宋体" pitchFamily="2" charset="-122"/>
+                <a:cs typeface="宋体" pitchFamily="2" charset="-122"/>
               </a:rPr>
               <a:t>    split all nodes into N, A</a:t>
             </a:r>
+            <a:endParaRPr lang="en-US" sz="2000" dirty="0">
+              <a:latin typeface="宋体" pitchFamily="2" charset="-122"/>
+              <a:ea typeface="宋体" pitchFamily="2" charset="-122"/>
+              <a:cs typeface="宋体" pitchFamily="2" charset="-122"/>
+            </a:endParaRPr>
           </a:p>
           <a:p>
             <a:r>
               <a:rPr lang="en-US" sz="2000" dirty="0">
-                <a:latin typeface="宋体" panose="02010600030101010101" pitchFamily="2" charset="-122"/>
-                <a:ea typeface="宋体" panose="02010600030101010101" pitchFamily="2" charset="-122"/>
-                <a:cs typeface="宋体" panose="02010600030101010101" pitchFamily="2" charset="-122"/>
+                <a:latin typeface="宋体" pitchFamily="2" charset="-122"/>
+                <a:ea typeface="宋体" pitchFamily="2" charset="-122"/>
+                <a:cs typeface="宋体" pitchFamily="2" charset="-122"/>
               </a:rPr>
               <a:t>    while(set is still changes)</a:t>
             </a:r>
+            <a:endParaRPr lang="en-US" sz="2000" dirty="0">
+              <a:latin typeface="宋体" pitchFamily="2" charset="-122"/>
+              <a:ea typeface="宋体" pitchFamily="2" charset="-122"/>
+              <a:cs typeface="宋体" pitchFamily="2" charset="-122"/>
+            </a:endParaRPr>
           </a:p>
           <a:p>
             <a:r>
               <a:rPr lang="en-US" sz="2000" dirty="0">
-                <a:latin typeface="宋体" panose="02010600030101010101" pitchFamily="2" charset="-122"/>
-                <a:ea typeface="宋体" panose="02010600030101010101" pitchFamily="2" charset="-122"/>
-                <a:cs typeface="宋体" panose="02010600030101010101" pitchFamily="2" charset="-122"/>
+                <a:latin typeface="宋体" pitchFamily="2" charset="-122"/>
+                <a:ea typeface="宋体" pitchFamily="2" charset="-122"/>
+                <a:cs typeface="宋体" pitchFamily="2" charset="-122"/>
               </a:rPr>
               <a:t>        split(s)</a:t>
             </a:r>
+            <a:endParaRPr lang="en-US" sz="2000" dirty="0">
+              <a:latin typeface="宋体" pitchFamily="2" charset="-122"/>
+              <a:ea typeface="宋体" pitchFamily="2" charset="-122"/>
+              <a:cs typeface="宋体" pitchFamily="2" charset="-122"/>
+            </a:endParaRPr>
           </a:p>
           <a:p>
             <a:r>
               <a:rPr lang="en-US" sz="2000" dirty="0">
-                <a:latin typeface="宋体" panose="02010600030101010101" pitchFamily="2" charset="-122"/>
-                <a:ea typeface="宋体" panose="02010600030101010101" pitchFamily="2" charset="-122"/>
-                <a:cs typeface="宋体" panose="02010600030101010101" pitchFamily="2" charset="-122"/>
+                <a:latin typeface="宋体" pitchFamily="2" charset="-122"/>
+                <a:ea typeface="宋体" pitchFamily="2" charset="-122"/>
+                <a:cs typeface="宋体" pitchFamily="2" charset="-122"/>
               </a:rPr>
               <a:t>2.根据划分集合构造最小化DFA</a:t>
             </a:r>
-          </a:p>
-          <a:p>
             <a:endParaRPr lang="en-US" sz="2000" dirty="0">
-              <a:latin typeface="宋体" panose="02010600030101010101" pitchFamily="2" charset="-122"/>
-              <a:ea typeface="宋体" panose="02010600030101010101" pitchFamily="2" charset="-122"/>
-              <a:cs typeface="宋体" panose="02010600030101010101" pitchFamily="2" charset="-122"/>
+              <a:latin typeface="宋体" pitchFamily="2" charset="-122"/>
+              <a:ea typeface="宋体" pitchFamily="2" charset="-122"/>
+              <a:cs typeface="宋体" pitchFamily="2" charset="-122"/>
+            </a:endParaRPr>
+          </a:p>
+          <a:p>
+            <a:endParaRPr lang="en-US" sz="2000" dirty="0">
+              <a:latin typeface="宋体" pitchFamily="2" charset="-122"/>
+              <a:ea typeface="宋体" pitchFamily="2" charset="-122"/>
+              <a:cs typeface="宋体" pitchFamily="2" charset="-122"/>
             </a:endParaRPr>
           </a:p>
         </p:txBody>
@@ -19596,13 +19247,7 @@
       </p:sp>
       <p:sp>
         <p:nvSpPr>
-          <p:cNvPr id="11" name="Rectangle 2">
-            <a:extLst>
-              <a:ext uri="{FF2B5EF4-FFF2-40B4-BE49-F238E27FC236}">
-                <a16:creationId xmlns:a16="http://schemas.microsoft.com/office/drawing/2014/main" id="{1EE25DCF-7EB5-D4BA-391F-7AC38ABA100E}"/>
-              </a:ext>
-            </a:extLst>
-          </p:cNvPr>
+          <p:cNvPr id="11" name="Rectangle 2"/>
           <p:cNvSpPr>
             <a:spLocks noChangeArrowheads="1"/>
           </p:cNvSpPr>
@@ -19652,9 +19297,6 @@
         </p:spPr>
         <p:txBody>
           <a:bodyPr vert="horz" wrap="square" lIns="0" tIns="0" rIns="0" bIns="0" numCol="1" anchor="ctr" anchorCtr="0" compatLnSpc="1">
-            <a:prstTxWarp prst="textNoShape">
-              <a:avLst/>
-            </a:prstTxWarp>
             <a:spAutoFit/>
           </a:bodyPr>
           <a:lstStyle/>
@@ -19673,7 +19315,6 @@
               <a:buSzTx/>
               <a:buFontTx/>
               <a:buNone/>
-              <a:tabLst/>
             </a:pPr>
             <a:endParaRPr kumimoji="0" lang="zh-CN" altLang="zh-CN" sz="1800" b="0" i="0" u="none" strike="noStrike" cap="none" normalizeH="0" baseline="0" dirty="0">
               <a:ln>
@@ -19701,7 +19342,6 @@
               <a:buSzTx/>
               <a:buFontTx/>
               <a:buNone/>
-              <a:tabLst/>
             </a:pPr>
             <a:endParaRPr kumimoji="0" lang="zh-CN" altLang="zh-CN" sz="1800" b="0" i="0" u="none" strike="noStrike" cap="none" normalizeH="0" baseline="0" dirty="0">
               <a:ln>
@@ -19718,13 +19358,7 @@
       </p:sp>
       <p:sp>
         <p:nvSpPr>
-          <p:cNvPr id="12" name="文本框 11">
-            <a:extLst>
-              <a:ext uri="{FF2B5EF4-FFF2-40B4-BE49-F238E27FC236}">
-                <a16:creationId xmlns:a16="http://schemas.microsoft.com/office/drawing/2014/main" id="{653A96B3-C253-198E-521F-8E53881448A1}"/>
-              </a:ext>
-            </a:extLst>
-          </p:cNvPr>
+          <p:cNvPr id="12" name="文本框 11"/>
           <p:cNvSpPr txBox="1"/>
           <p:nvPr/>
         </p:nvSpPr>
@@ -19866,6 +19500,7 @@
               <a:rPr lang="en-US" altLang="zh-CN" sz="2000" dirty="0"/>
               <a:t>}$ , </a:t>
             </a:r>
+            <a:endParaRPr lang="en-US" altLang="zh-CN" sz="2000" dirty="0"/>
           </a:p>
           <a:p>
             <a:r>
@@ -19892,6 +19527,7 @@
               <a:rPr lang="zh-CN" altLang="en-US" sz="2000" dirty="0"/>
               <a:t>中</a:t>
             </a:r>
+            <a:endParaRPr lang="zh-CN" altLang="en-US" sz="2000" dirty="0"/>
           </a:p>
           <a:p>
             <a:r>
@@ -19938,6 +19574,7 @@
               <a:rPr lang="zh-CN" altLang="en-US" sz="2000" dirty="0"/>
               <a:t>的终态</a:t>
             </a:r>
+            <a:endParaRPr lang="zh-CN" altLang="en-US" sz="2000" dirty="0"/>
           </a:p>
           <a:p>
             <a:r>
@@ -19956,6 +19593,7 @@
               <a:rPr lang="en-US" altLang="zh-CN" sz="2000" dirty="0"/>
               <a:t>$a \in letters$</a:t>
             </a:r>
+            <a:endParaRPr lang="en-US" altLang="zh-CN" sz="2000" dirty="0"/>
           </a:p>
           <a:p>
             <a:r>
@@ -19978,12 +19616,14 @@
               <a:rPr lang="en-US" altLang="zh-CN" sz="2000" dirty="0"/>
               <a:t>)$</a:t>
             </a:r>
+            <a:endParaRPr lang="en-US" altLang="zh-CN" sz="2000" dirty="0"/>
           </a:p>
           <a:p>
             <a:r>
               <a:rPr lang="en-US" altLang="zh-CN" sz="2000" dirty="0"/>
               <a:t>      2. $U = \epsilon - CLOSURE(J)$</a:t>
             </a:r>
+            <a:endParaRPr lang="en-US" altLang="zh-CN" sz="2000" dirty="0"/>
           </a:p>
           <a:p>
             <a:r>
@@ -20018,6 +19658,7 @@
               <a:rPr lang="zh-CN" altLang="en-US" sz="2000" dirty="0"/>
               <a:t>加入待访问状态栈 </a:t>
             </a:r>
+            <a:endParaRPr lang="zh-CN" altLang="en-US" sz="2000" dirty="0"/>
           </a:p>
           <a:p>
             <a:r>
@@ -20062,6 +19703,7 @@
               <a:rPr lang="zh-CN" altLang="en-US" sz="2000" dirty="0"/>
               <a:t>，直到栈为空</a:t>
             </a:r>
+            <a:endParaRPr lang="zh-CN" altLang="en-US" sz="2000" dirty="0"/>
           </a:p>
         </p:txBody>
       </p:sp>
@@ -20092,13 +19734,7 @@
       </p:grpSpPr>
       <p:sp>
         <p:nvSpPr>
-          <p:cNvPr id="5" name="矩形: 圆角 4">
-            <a:extLst>
-              <a:ext uri="{FF2B5EF4-FFF2-40B4-BE49-F238E27FC236}">
-                <a16:creationId xmlns:a16="http://schemas.microsoft.com/office/drawing/2014/main" id="{64FBDBA1-4896-9B5C-B678-EFDC988016AE}"/>
-              </a:ext>
-            </a:extLst>
-          </p:cNvPr>
+          <p:cNvPr id="5" name="矩形: 圆角 4"/>
           <p:cNvSpPr/>
           <p:nvPr/>
         </p:nvSpPr>
@@ -20143,8 +19779,8 @@
                 <a:solidFill>
                   <a:srgbClr val="191919"/>
                 </a:solidFill>
-                <a:latin typeface="Microsoft YaHei" panose="020B0503020204020204" pitchFamily="34" charset="-122"/>
-                <a:ea typeface="Microsoft YaHei" panose="020B0503020204020204" pitchFamily="34" charset="-122"/>
+                <a:latin typeface="微软雅黑" panose="020B0503020204020204" pitchFamily="34" charset="-122"/>
+                <a:ea typeface="微软雅黑" panose="020B0503020204020204" pitchFamily="34" charset="-122"/>
               </a:rPr>
               <a:t>get_token_list_by_content_dfa</a:t>
             </a:r>
@@ -20153,8 +19789,8 @@
                 <a:solidFill>
                   <a:srgbClr val="191919"/>
                 </a:solidFill>
-                <a:latin typeface="Microsoft YaHei" panose="020B0503020204020204" pitchFamily="34" charset="-122"/>
-                <a:ea typeface="Microsoft YaHei" panose="020B0503020204020204" pitchFamily="34" charset="-122"/>
+                <a:latin typeface="微软雅黑" panose="020B0503020204020204" pitchFamily="34" charset="-122"/>
+                <a:ea typeface="微软雅黑" panose="020B0503020204020204" pitchFamily="34" charset="-122"/>
               </a:rPr>
               <a:t>(</a:t>
             </a:r>
@@ -20163,8 +19799,8 @@
                 <a:solidFill>
                   <a:srgbClr val="191919"/>
                 </a:solidFill>
-                <a:latin typeface="Microsoft YaHei" panose="020B0503020204020204" pitchFamily="34" charset="-122"/>
-                <a:ea typeface="Microsoft YaHei" panose="020B0503020204020204" pitchFamily="34" charset="-122"/>
+                <a:latin typeface="微软雅黑" panose="020B0503020204020204" pitchFamily="34" charset="-122"/>
+                <a:ea typeface="微软雅黑" panose="020B0503020204020204" pitchFamily="34" charset="-122"/>
               </a:rPr>
               <a:t>DFA,list</a:t>
             </a:r>
@@ -20173,11 +19809,18 @@
                 <a:solidFill>
                   <a:srgbClr val="191919"/>
                 </a:solidFill>
-                <a:latin typeface="Microsoft YaHei" panose="020B0503020204020204" pitchFamily="34" charset="-122"/>
-                <a:ea typeface="Microsoft YaHei" panose="020B0503020204020204" pitchFamily="34" charset="-122"/>
+                <a:latin typeface="微软雅黑" panose="020B0503020204020204" pitchFamily="34" charset="-122"/>
+                <a:ea typeface="微软雅黑" panose="020B0503020204020204" pitchFamily="34" charset="-122"/>
               </a:rPr>
               <a:t>[str])</a:t>
             </a:r>
+            <a:endParaRPr lang="en-US" altLang="zh-CN" dirty="0">
+              <a:solidFill>
+                <a:srgbClr val="191919"/>
+              </a:solidFill>
+              <a:latin typeface="微软雅黑" panose="020B0503020204020204" pitchFamily="34" charset="-122"/>
+              <a:ea typeface="微软雅黑" panose="020B0503020204020204" pitchFamily="34" charset="-122"/>
+            </a:endParaRPr>
           </a:p>
           <a:p>
             <a:pPr algn="ctr"/>
@@ -20186,8 +19829,8 @@
                 <a:srgbClr val="191919"/>
               </a:solidFill>
               <a:effectLst/>
-              <a:latin typeface="Microsoft YaHei" panose="020B0503020204020204" pitchFamily="34" charset="-122"/>
-              <a:ea typeface="Microsoft YaHei" panose="020B0503020204020204" pitchFamily="34" charset="-122"/>
+              <a:latin typeface="微软雅黑" panose="020B0503020204020204" pitchFamily="34" charset="-122"/>
+              <a:ea typeface="微软雅黑" panose="020B0503020204020204" pitchFamily="34" charset="-122"/>
             </a:endParaRPr>
           </a:p>
           <a:p>
@@ -20198,8 +19841,8 @@
                   <a:srgbClr val="191919"/>
                 </a:solidFill>
                 <a:effectLst/>
-                <a:latin typeface="Microsoft YaHei" panose="020B0503020204020204" pitchFamily="34" charset="-122"/>
-                <a:ea typeface="Microsoft YaHei" panose="020B0503020204020204" pitchFamily="34" charset="-122"/>
+                <a:latin typeface="微软雅黑" panose="020B0503020204020204" pitchFamily="34" charset="-122"/>
+                <a:ea typeface="微软雅黑" panose="020B0503020204020204" pitchFamily="34" charset="-122"/>
               </a:rPr>
               <a:t>    </a:t>
             </a:r>
@@ -20208,8 +19851,8 @@
                 <a:solidFill>
                   <a:srgbClr val="191919"/>
                 </a:solidFill>
-                <a:latin typeface="Microsoft YaHei" panose="020B0503020204020204" pitchFamily="34" charset="-122"/>
-                <a:ea typeface="Microsoft YaHei" panose="020B0503020204020204" pitchFamily="34" charset="-122"/>
+                <a:latin typeface="微软雅黑" panose="020B0503020204020204" pitchFamily="34" charset="-122"/>
+                <a:ea typeface="微软雅黑" panose="020B0503020204020204" pitchFamily="34" charset="-122"/>
               </a:rPr>
               <a:t>调用</a:t>
             </a:r>
@@ -20218,8 +19861,8 @@
                 <a:srgbClr val="191919"/>
               </a:solidFill>
               <a:effectLst/>
-              <a:latin typeface="Microsoft YaHei" panose="020B0503020204020204" pitchFamily="34" charset="-122"/>
-              <a:ea typeface="Microsoft YaHei" panose="020B0503020204020204" pitchFamily="34" charset="-122"/>
+              <a:latin typeface="微软雅黑" panose="020B0503020204020204" pitchFamily="34" charset="-122"/>
+              <a:ea typeface="微软雅黑" panose="020B0503020204020204" pitchFamily="34" charset="-122"/>
             </a:endParaRPr>
           </a:p>
           <a:p>
@@ -20228,8 +19871,8 @@
               <a:solidFill>
                 <a:srgbClr val="191919"/>
               </a:solidFill>
-              <a:latin typeface="Microsoft YaHei" panose="020B0503020204020204" pitchFamily="34" charset="-122"/>
-              <a:ea typeface="Microsoft YaHei" panose="020B0503020204020204" pitchFamily="34" charset="-122"/>
+              <a:latin typeface="微软雅黑" panose="020B0503020204020204" pitchFamily="34" charset="-122"/>
+              <a:ea typeface="微软雅黑" panose="020B0503020204020204" pitchFamily="34" charset="-122"/>
             </a:endParaRPr>
           </a:p>
           <a:p>
@@ -20238,8 +19881,8 @@
               <a:solidFill>
                 <a:srgbClr val="191919"/>
               </a:solidFill>
-              <a:latin typeface="Microsoft YaHei" panose="020B0503020204020204" pitchFamily="34" charset="-122"/>
-              <a:ea typeface="Microsoft YaHei" panose="020B0503020204020204" pitchFamily="34" charset="-122"/>
+              <a:latin typeface="微软雅黑" panose="020B0503020204020204" pitchFamily="34" charset="-122"/>
+              <a:ea typeface="微软雅黑" panose="020B0503020204020204" pitchFamily="34" charset="-122"/>
             </a:endParaRPr>
           </a:p>
           <a:p>
@@ -20249,8 +19892,8 @@
                 <a:solidFill>
                   <a:srgbClr val="191919"/>
                 </a:solidFill>
-                <a:latin typeface="Microsoft YaHei" panose="020B0503020204020204" pitchFamily="34" charset="-122"/>
-                <a:ea typeface="Microsoft YaHei" panose="020B0503020204020204" pitchFamily="34" charset="-122"/>
+                <a:latin typeface="微软雅黑" panose="020B0503020204020204" pitchFamily="34" charset="-122"/>
+                <a:ea typeface="微软雅黑" panose="020B0503020204020204" pitchFamily="34" charset="-122"/>
               </a:rPr>
               <a:t>get_token_list_by_line_dfa</a:t>
             </a:r>
@@ -20259,8 +19902,8 @@
                 <a:solidFill>
                   <a:srgbClr val="191919"/>
                 </a:solidFill>
-                <a:latin typeface="Microsoft YaHei" panose="020B0503020204020204" pitchFamily="34" charset="-122"/>
-                <a:ea typeface="Microsoft YaHei" panose="020B0503020204020204" pitchFamily="34" charset="-122"/>
+                <a:latin typeface="微软雅黑" panose="020B0503020204020204" pitchFamily="34" charset="-122"/>
+                <a:ea typeface="微软雅黑" panose="020B0503020204020204" pitchFamily="34" charset="-122"/>
               </a:rPr>
               <a:t>(</a:t>
             </a:r>
@@ -20269,8 +19912,8 @@
                 <a:solidFill>
                   <a:srgbClr val="191919"/>
                 </a:solidFill>
-                <a:latin typeface="Microsoft YaHei" panose="020B0503020204020204" pitchFamily="34" charset="-122"/>
-                <a:ea typeface="Microsoft YaHei" panose="020B0503020204020204" pitchFamily="34" charset="-122"/>
+                <a:latin typeface="微软雅黑" panose="020B0503020204020204" pitchFamily="34" charset="-122"/>
+                <a:ea typeface="微软雅黑" panose="020B0503020204020204" pitchFamily="34" charset="-122"/>
               </a:rPr>
               <a:t>DFA,str</a:t>
             </a:r>
@@ -20279,8 +19922,8 @@
                 <a:solidFill>
                   <a:srgbClr val="191919"/>
                 </a:solidFill>
-                <a:latin typeface="Microsoft YaHei" panose="020B0503020204020204" pitchFamily="34" charset="-122"/>
-                <a:ea typeface="Microsoft YaHei" panose="020B0503020204020204" pitchFamily="34" charset="-122"/>
+                <a:latin typeface="微软雅黑" panose="020B0503020204020204" pitchFamily="34" charset="-122"/>
+                <a:ea typeface="微软雅黑" panose="020B0503020204020204" pitchFamily="34" charset="-122"/>
               </a:rPr>
               <a:t>)</a:t>
             </a:r>
@@ -20289,8 +19932,8 @@
                 <a:srgbClr val="191919"/>
               </a:solidFill>
               <a:effectLst/>
-              <a:latin typeface="Microsoft YaHei" panose="020B0503020204020204" pitchFamily="34" charset="-122"/>
-              <a:ea typeface="Microsoft YaHei" panose="020B0503020204020204" pitchFamily="34" charset="-122"/>
+              <a:latin typeface="微软雅黑" panose="020B0503020204020204" pitchFamily="34" charset="-122"/>
+              <a:ea typeface="微软雅黑" panose="020B0503020204020204" pitchFamily="34" charset="-122"/>
             </a:endParaRPr>
           </a:p>
           <a:p>
@@ -20300,8 +19943,8 @@
                 <a:srgbClr val="191919"/>
               </a:solidFill>
               <a:effectLst/>
-              <a:latin typeface="Microsoft YaHei" panose="020B0503020204020204" pitchFamily="34" charset="-122"/>
-              <a:ea typeface="Microsoft YaHei" panose="020B0503020204020204" pitchFamily="34" charset="-122"/>
+              <a:latin typeface="微软雅黑" panose="020B0503020204020204" pitchFamily="34" charset="-122"/>
+              <a:ea typeface="微软雅黑" panose="020B0503020204020204" pitchFamily="34" charset="-122"/>
             </a:endParaRPr>
           </a:p>
         </p:txBody>
@@ -20315,7 +19958,7 @@
           <p:nvPr/>
         </p:nvPicPr>
         <p:blipFill>
-          <a:blip r:embed="rId2"/>
+          <a:blip r:embed="rId1"/>
           <a:stretch>
             <a:fillRect/>
           </a:stretch>
@@ -20413,9 +20056,7 @@
       <p:cxnSp>
         <p:nvCxnSpPr>
           <p:cNvPr id="10" name="直接连接符 9"/>
-          <p:cNvCxnSpPr>
-            <a:cxnSpLocks/>
-          </p:cNvCxnSpPr>
+          <p:cNvCxnSpPr/>
           <p:nvPr/>
         </p:nvCxnSpPr>
         <p:spPr>
@@ -20553,9 +20194,7 @@
       <p:cxnSp>
         <p:nvCxnSpPr>
           <p:cNvPr id="14" name="直接连接符 13"/>
-          <p:cNvCxnSpPr>
-            <a:cxnSpLocks/>
-          </p:cNvCxnSpPr>
+          <p:cNvCxnSpPr/>
           <p:nvPr/>
         </p:nvCxnSpPr>
         <p:spPr>
@@ -20614,6 +20253,11 @@
               </a:rPr>
               <a:t>本部分实现思路为：按行读入字符串，对于每行字符串进行处理得到词并构造成Token加入List后，将每行得到的List合并，对于字符串的处理如下：</a:t>
             </a:r>
+            <a:endParaRPr lang="en-US" sz="2400">
+              <a:latin typeface="黑体" panose="02010609060101010101" charset="-122"/>
+              <a:ea typeface="黑体" panose="02010609060101010101" charset="-122"/>
+              <a:cs typeface="黑体" panose="02010609060101010101" charset="-122"/>
+            </a:endParaRPr>
           </a:p>
           <a:p>
             <a:r>
@@ -20624,6 +20268,11 @@
               </a:rPr>
               <a:t>如果pre指针没有指向字符串的末尾，循环执行如下的分析：</a:t>
             </a:r>
+            <a:endParaRPr lang="en-US" sz="2400">
+              <a:latin typeface="黑体" panose="02010609060101010101" charset="-122"/>
+              <a:ea typeface="黑体" panose="02010609060101010101" charset="-122"/>
+              <a:cs typeface="黑体" panose="02010609060101010101" charset="-122"/>
+            </a:endParaRPr>
           </a:p>
           <a:p>
             <a:r>
@@ -20634,6 +20283,11 @@
               </a:rPr>
               <a:t>    1. 如果读入的字符是//，则代表注释，不对之后的内容进行分析</a:t>
             </a:r>
+            <a:endParaRPr lang="en-US" sz="2400">
+              <a:latin typeface="黑体" panose="02010609060101010101" charset="-122"/>
+              <a:ea typeface="黑体" panose="02010609060101010101" charset="-122"/>
+              <a:cs typeface="黑体" panose="02010609060101010101" charset="-122"/>
+            </a:endParaRPr>
           </a:p>
           <a:p>
             <a:r>
@@ -20644,6 +20298,11 @@
               </a:rPr>
               <a:t>    2. 如果读入的字符是' ' 、 '\r' 、'\t'等此类在程序中经常出现作为格式但无实际意义的字符，跳过此次分析</a:t>
             </a:r>
+            <a:endParaRPr lang="en-US" sz="2400">
+              <a:latin typeface="黑体" panose="02010609060101010101" charset="-122"/>
+              <a:ea typeface="黑体" panose="02010609060101010101" charset="-122"/>
+              <a:cs typeface="黑体" panose="02010609060101010101" charset="-122"/>
+            </a:endParaRPr>
           </a:p>
           <a:p>
             <a:r>
@@ -20654,21 +20313,18 @@
               </a:rPr>
               <a:t>    3. 如果此次读入的字符与当前状态所组成的key在dict中有value，那么不断迭代状态和字符，直至不再满足识别条件，并将这个词加入res中</a:t>
             </a:r>
+            <a:endParaRPr lang="en-US" sz="2400">
+              <a:latin typeface="黑体" panose="02010609060101010101" charset="-122"/>
+              <a:ea typeface="黑体" panose="02010609060101010101" charset="-122"/>
+              <a:cs typeface="黑体" panose="02010609060101010101" charset="-122"/>
+            </a:endParaRPr>
           </a:p>
         </p:txBody>
       </p:sp>
       <p:cxnSp>
         <p:nvCxnSpPr>
-          <p:cNvPr id="6" name="直接连接符 5">
-            <a:extLst>
-              <a:ext uri="{FF2B5EF4-FFF2-40B4-BE49-F238E27FC236}">
-                <a16:creationId xmlns:a16="http://schemas.microsoft.com/office/drawing/2014/main" id="{A01789F6-34EA-6F5D-B54A-323FBE037A2E}"/>
-              </a:ext>
-            </a:extLst>
-          </p:cNvPr>
-          <p:cNvCxnSpPr>
-            <a:cxnSpLocks/>
-          </p:cNvCxnSpPr>
+          <p:cNvPr id="6" name="直接连接符 5"/>
+          <p:cNvCxnSpPr/>
           <p:nvPr/>
         </p:nvCxnSpPr>
         <p:spPr>
@@ -20702,13 +20358,7 @@
       </p:cxnSp>
       <p:sp>
         <p:nvSpPr>
-          <p:cNvPr id="9" name="文本框 8">
-            <a:extLst>
-              <a:ext uri="{FF2B5EF4-FFF2-40B4-BE49-F238E27FC236}">
-                <a16:creationId xmlns:a16="http://schemas.microsoft.com/office/drawing/2014/main" id="{5EE08489-145D-8C03-8B20-D596D6E23FA8}"/>
-              </a:ext>
-            </a:extLst>
-          </p:cNvPr>
+          <p:cNvPr id="9" name="文本框 8"/>
           <p:cNvSpPr txBox="1"/>
           <p:nvPr/>
         </p:nvSpPr>
@@ -20738,13 +20388,7 @@
       </p:sp>
       <p:cxnSp>
         <p:nvCxnSpPr>
-          <p:cNvPr id="17" name="直接箭头连接符 16">
-            <a:extLst>
-              <a:ext uri="{FF2B5EF4-FFF2-40B4-BE49-F238E27FC236}">
-                <a16:creationId xmlns:a16="http://schemas.microsoft.com/office/drawing/2014/main" id="{FFB6FD10-AAD1-84F6-22D1-81264B062080}"/>
-              </a:ext>
-            </a:extLst>
-          </p:cNvPr>
+          <p:cNvPr id="17" name="直接箭头连接符 16"/>
           <p:cNvCxnSpPr/>
           <p:nvPr/>
         </p:nvCxnSpPr>
@@ -20784,15 +20428,15 @@
 </file>
 
 <file path=ppt/tags/tag1.xml><?xml version="1.0" encoding="utf-8"?>
-<p:tagLst xmlns:a="http://schemas.openxmlformats.org/drawingml/2006/main" xmlns:r="http://schemas.openxmlformats.org/officeDocument/2006/relationships" xmlns:p="http://schemas.openxmlformats.org/presentationml/2006/main">
-  <p:tag name="KSO_WPP_MARK_KEY" val="abe986ba-8b22-448a-a216-a3e447684b73"/>
-  <p:tag name="COMMONDATA" val="eyJoZGlkIjoiMDUwYjU5OWYwNGM1MWY0YzhjOTkwZWQ1NmUyNGZmYjUifQ=="/>
+<p:tagLst xmlns:p="http://schemas.openxmlformats.org/presentationml/2006/main">
+  <p:tag name="KSO_WM_UNIT_PLACING_PICTURE_USER_VIEWPORT" val="{&quot;height&quot;:3366,&quot;width&quot;:4227}"/>
 </p:tagLst>
 </file>
 
 <file path=ppt/tags/tag2.xml><?xml version="1.0" encoding="utf-8"?>
-<p:tagLst xmlns:a="http://schemas.openxmlformats.org/drawingml/2006/main" xmlns:r="http://schemas.openxmlformats.org/officeDocument/2006/relationships" xmlns:p="http://schemas.openxmlformats.org/presentationml/2006/main">
-  <p:tag name="KSO_WM_UNIT_PLACING_PICTURE_USER_VIEWPORT" val="{&quot;height&quot;:3366,&quot;width&quot;:4227}"/>
+<p:tagLst xmlns:p="http://schemas.openxmlformats.org/presentationml/2006/main">
+  <p:tag name="KSO_WPP_MARK_KEY" val="abe986ba-8b22-448a-a216-a3e447684b73"/>
+  <p:tag name="COMMONDATA" val="eyJoZGlkIjoiMDUwYjU5OWYwNGM1MWY0YzhjOTkwZWQ1NmUyNGZmYjUifQ=="/>
 </p:tagLst>
 </file>
 
@@ -21047,8 +20691,6 @@
       </a:bgFillStyleLst>
     </a:fmtScheme>
   </a:themeElements>
-  <a:objectDefaults/>
-  <a:extraClrSchemeLst/>
   <a:extLst>
     <a:ext uri="{05A4C25C-085E-4340-85A3-A5531E510DB2}">
       <thm15:themeFamily xmlns:thm15="http://schemas.microsoft.com/office/thememl/2012/main" name="Office Theme" id="{62F939B6-93AF-4DB8-9C6B-D6C7DFDC589F}" vid="{4A3C46E8-61CC-4603-A589-7422A47A8E4A}"/>
@@ -21308,8 +20950,6 @@
       </a:bgFillStyleLst>
     </a:fmtScheme>
   </a:themeElements>
-  <a:objectDefaults/>
-  <a:extraClrSchemeLst/>
   <a:extLst>
     <a:ext uri="{05A4C25C-085E-4340-85A3-A5531E510DB2}">
       <thm15:themeFamily xmlns:thm15="http://schemas.microsoft.com/office/thememl/2012/main" name="Office Theme" id="{62F939B6-93AF-4DB8-9C6B-D6C7DFDC589F}" vid="{4A3C46E8-61CC-4603-A589-7422A47A8E4A}"/>
